--- a/docs/BookLook PPT.pptx
+++ b/docs/BookLook PPT.pptx
@@ -4,18 +4,22 @@
   <p:sldMasterIdLst>
     <p:sldMasterId id="2147483648" r:id="rId1"/>
   </p:sldMasterIdLst>
+  <p:notesMasterIdLst>
+    <p:notesMasterId r:id="rId14"/>
+  </p:notesMasterIdLst>
   <p:sldIdLst>
     <p:sldId id="256" r:id="rId2"/>
-    <p:sldId id="257" r:id="rId3"/>
-    <p:sldId id="258" r:id="rId4"/>
-    <p:sldId id="259" r:id="rId5"/>
-    <p:sldId id="260" r:id="rId6"/>
-    <p:sldId id="261" r:id="rId7"/>
-    <p:sldId id="262" r:id="rId8"/>
-    <p:sldId id="266" r:id="rId9"/>
-    <p:sldId id="263" r:id="rId10"/>
-    <p:sldId id="265" r:id="rId11"/>
-    <p:sldId id="264" r:id="rId12"/>
+    <p:sldId id="267" r:id="rId3"/>
+    <p:sldId id="257" r:id="rId4"/>
+    <p:sldId id="258" r:id="rId5"/>
+    <p:sldId id="259" r:id="rId6"/>
+    <p:sldId id="260" r:id="rId7"/>
+    <p:sldId id="261" r:id="rId8"/>
+    <p:sldId id="262" r:id="rId9"/>
+    <p:sldId id="266" r:id="rId10"/>
+    <p:sldId id="263" r:id="rId11"/>
+    <p:sldId id="265" r:id="rId12"/>
+    <p:sldId id="264" r:id="rId13"/>
   </p:sldIdLst>
   <p:sldSz cx="12192000" cy="6858000"/>
   <p:notesSz cx="6858000" cy="9144000"/>
@@ -114,7 +118,737 @@
       </a:defRPr>
     </a:lvl9pPr>
   </p:defaultTextStyle>
+  <p:extLst>
+    <p:ext uri="{EFAFB233-063F-42B5-8137-9DF3F51BA10A}">
+      <p15:sldGuideLst xmlns:p15="http://schemas.microsoft.com/office/powerpoint/2012/main"/>
+    </p:ext>
+  </p:extLst>
 </p:presentation>
+</file>
+
+<file path=ppt/notesMasters/notesMaster1.xml><?xml version="1.0" encoding="utf-8"?>
+<p:notesMaster xmlns:a="http://schemas.openxmlformats.org/drawingml/2006/main" xmlns:r="http://schemas.openxmlformats.org/officeDocument/2006/relationships" xmlns:p="http://schemas.openxmlformats.org/presentationml/2006/main">
+  <p:cSld>
+    <p:bg>
+      <p:bgRef idx="1001">
+        <a:schemeClr val="bg1"/>
+      </p:bgRef>
+    </p:bg>
+    <p:spTree>
+      <p:nvGrpSpPr>
+        <p:cNvPr id="1" name=""/>
+        <p:cNvGrpSpPr/>
+        <p:nvPr/>
+      </p:nvGrpSpPr>
+      <p:grpSpPr>
+        <a:xfrm>
+          <a:off x="0" y="0"/>
+          <a:ext cx="0" cy="0"/>
+          <a:chOff x="0" y="0"/>
+          <a:chExt cx="0" cy="0"/>
+        </a:xfrm>
+      </p:grpSpPr>
+      <p:sp>
+        <p:nvSpPr>
+          <p:cNvPr id="2" name="Header Placeholder 1"/>
+          <p:cNvSpPr>
+            <a:spLocks noGrp="1"/>
+          </p:cNvSpPr>
+          <p:nvPr>
+            <p:ph type="hdr" sz="quarter"/>
+          </p:nvPr>
+        </p:nvSpPr>
+        <p:spPr>
+          <a:xfrm>
+            <a:off x="0" y="0"/>
+            <a:ext cx="2971800" cy="458788"/>
+          </a:xfrm>
+          <a:prstGeom prst="rect">
+            <a:avLst/>
+          </a:prstGeom>
+        </p:spPr>
+        <p:txBody>
+          <a:bodyPr vert="horz" lIns="91440" tIns="45720" rIns="91440" bIns="45720" rtlCol="0"/>
+          <a:lstStyle>
+            <a:lvl1pPr algn="l">
+              <a:defRPr sz="1200"/>
+            </a:lvl1pPr>
+          </a:lstStyle>
+          <a:p>
+            <a:endParaRPr lang="en-US"/>
+          </a:p>
+        </p:txBody>
+      </p:sp>
+      <p:sp>
+        <p:nvSpPr>
+          <p:cNvPr id="3" name="Date Placeholder 2"/>
+          <p:cNvSpPr>
+            <a:spLocks noGrp="1"/>
+          </p:cNvSpPr>
+          <p:nvPr>
+            <p:ph type="dt" idx="1"/>
+          </p:nvPr>
+        </p:nvSpPr>
+        <p:spPr>
+          <a:xfrm>
+            <a:off x="3884613" y="0"/>
+            <a:ext cx="2971800" cy="458788"/>
+          </a:xfrm>
+          <a:prstGeom prst="rect">
+            <a:avLst/>
+          </a:prstGeom>
+        </p:spPr>
+        <p:txBody>
+          <a:bodyPr vert="horz" lIns="91440" tIns="45720" rIns="91440" bIns="45720" rtlCol="0"/>
+          <a:lstStyle>
+            <a:lvl1pPr algn="r">
+              <a:defRPr sz="1200"/>
+            </a:lvl1pPr>
+          </a:lstStyle>
+          <a:p>
+            <a:fld id="{A0FB57D8-885B-4C49-B72B-DDEA186E23F1}" type="datetimeFigureOut">
+              <a:rPr lang="en-US" smtClean="0"/>
+              <a:t>1/16/2020</a:t>
+            </a:fld>
+            <a:endParaRPr lang="en-US"/>
+          </a:p>
+        </p:txBody>
+      </p:sp>
+      <p:sp>
+        <p:nvSpPr>
+          <p:cNvPr id="4" name="Slide Image Placeholder 3"/>
+          <p:cNvSpPr>
+            <a:spLocks noGrp="1" noRot="1" noChangeAspect="1"/>
+          </p:cNvSpPr>
+          <p:nvPr>
+            <p:ph type="sldImg" idx="2"/>
+          </p:nvPr>
+        </p:nvSpPr>
+        <p:spPr>
+          <a:xfrm>
+            <a:off x="685800" y="1143000"/>
+            <a:ext cx="5486400" cy="3086100"/>
+          </a:xfrm>
+          <a:prstGeom prst="rect">
+            <a:avLst/>
+          </a:prstGeom>
+          <a:noFill/>
+          <a:ln w="12700">
+            <a:solidFill>
+              <a:prstClr val="black"/>
+            </a:solidFill>
+          </a:ln>
+        </p:spPr>
+        <p:txBody>
+          <a:bodyPr vert="horz" lIns="91440" tIns="45720" rIns="91440" bIns="45720" rtlCol="0" anchor="ctr"/>
+          <a:lstStyle/>
+          <a:p>
+            <a:endParaRPr lang="en-US"/>
+          </a:p>
+        </p:txBody>
+      </p:sp>
+      <p:sp>
+        <p:nvSpPr>
+          <p:cNvPr id="5" name="Notes Placeholder 4"/>
+          <p:cNvSpPr>
+            <a:spLocks noGrp="1"/>
+          </p:cNvSpPr>
+          <p:nvPr>
+            <p:ph type="body" sz="quarter" idx="3"/>
+          </p:nvPr>
+        </p:nvSpPr>
+        <p:spPr>
+          <a:xfrm>
+            <a:off x="685800" y="4400550"/>
+            <a:ext cx="5486400" cy="3600450"/>
+          </a:xfrm>
+          <a:prstGeom prst="rect">
+            <a:avLst/>
+          </a:prstGeom>
+        </p:spPr>
+        <p:txBody>
+          <a:bodyPr vert="horz" lIns="91440" tIns="45720" rIns="91440" bIns="45720" rtlCol="0"/>
+          <a:lstStyle/>
+          <a:p>
+            <a:pPr lvl="0"/>
+            <a:r>
+              <a:rPr lang="en-US"/>
+              <a:t>Click to edit Master text styles</a:t>
+            </a:r>
+          </a:p>
+          <a:p>
+            <a:pPr lvl="1"/>
+            <a:r>
+              <a:rPr lang="en-US"/>
+              <a:t>Second level</a:t>
+            </a:r>
+          </a:p>
+          <a:p>
+            <a:pPr lvl="2"/>
+            <a:r>
+              <a:rPr lang="en-US"/>
+              <a:t>Third level</a:t>
+            </a:r>
+          </a:p>
+          <a:p>
+            <a:pPr lvl="3"/>
+            <a:r>
+              <a:rPr lang="en-US"/>
+              <a:t>Fourth level</a:t>
+            </a:r>
+          </a:p>
+          <a:p>
+            <a:pPr lvl="4"/>
+            <a:r>
+              <a:rPr lang="en-US"/>
+              <a:t>Fifth level</a:t>
+            </a:r>
+          </a:p>
+        </p:txBody>
+      </p:sp>
+      <p:sp>
+        <p:nvSpPr>
+          <p:cNvPr id="6" name="Footer Placeholder 5"/>
+          <p:cNvSpPr>
+            <a:spLocks noGrp="1"/>
+          </p:cNvSpPr>
+          <p:nvPr>
+            <p:ph type="ftr" sz="quarter" idx="4"/>
+          </p:nvPr>
+        </p:nvSpPr>
+        <p:spPr>
+          <a:xfrm>
+            <a:off x="0" y="8685213"/>
+            <a:ext cx="2971800" cy="458787"/>
+          </a:xfrm>
+          <a:prstGeom prst="rect">
+            <a:avLst/>
+          </a:prstGeom>
+        </p:spPr>
+        <p:txBody>
+          <a:bodyPr vert="horz" lIns="91440" tIns="45720" rIns="91440" bIns="45720" rtlCol="0" anchor="b"/>
+          <a:lstStyle>
+            <a:lvl1pPr algn="l">
+              <a:defRPr sz="1200"/>
+            </a:lvl1pPr>
+          </a:lstStyle>
+          <a:p>
+            <a:endParaRPr lang="en-US"/>
+          </a:p>
+        </p:txBody>
+      </p:sp>
+      <p:sp>
+        <p:nvSpPr>
+          <p:cNvPr id="7" name="Slide Number Placeholder 6"/>
+          <p:cNvSpPr>
+            <a:spLocks noGrp="1"/>
+          </p:cNvSpPr>
+          <p:nvPr>
+            <p:ph type="sldNum" sz="quarter" idx="5"/>
+          </p:nvPr>
+        </p:nvSpPr>
+        <p:spPr>
+          <a:xfrm>
+            <a:off x="3884613" y="8685213"/>
+            <a:ext cx="2971800" cy="458787"/>
+          </a:xfrm>
+          <a:prstGeom prst="rect">
+            <a:avLst/>
+          </a:prstGeom>
+        </p:spPr>
+        <p:txBody>
+          <a:bodyPr vert="horz" lIns="91440" tIns="45720" rIns="91440" bIns="45720" rtlCol="0" anchor="b"/>
+          <a:lstStyle>
+            <a:lvl1pPr algn="r">
+              <a:defRPr sz="1200"/>
+            </a:lvl1pPr>
+          </a:lstStyle>
+          <a:p>
+            <a:fld id="{B7D9C4B5-5953-4AC9-B244-CC2E6FAAC0AC}" type="slidenum">
+              <a:rPr lang="en-US" smtClean="0"/>
+              <a:t>‹#›</a:t>
+            </a:fld>
+            <a:endParaRPr lang="en-US"/>
+          </a:p>
+        </p:txBody>
+      </p:sp>
+    </p:spTree>
+    <p:extLst>
+      <p:ext uri="{BB962C8B-B14F-4D97-AF65-F5344CB8AC3E}">
+        <p14:creationId xmlns:p14="http://schemas.microsoft.com/office/powerpoint/2010/main" val="2860296175"/>
+      </p:ext>
+    </p:extLst>
+  </p:cSld>
+  <p:clrMap bg1="lt1" tx1="dk1" bg2="lt2" tx2="dk2" accent1="accent1" accent2="accent2" accent3="accent3" accent4="accent4" accent5="accent5" accent6="accent6" hlink="hlink" folHlink="folHlink"/>
+  <p:notesStyle>
+    <a:lvl1pPr marL="0" algn="l" defTabSz="914400" rtl="0" eaLnBrk="1" latinLnBrk="0" hangingPunct="1">
+      <a:defRPr sz="1200" kern="1200">
+        <a:solidFill>
+          <a:schemeClr val="tx1"/>
+        </a:solidFill>
+        <a:latin typeface="+mn-lt"/>
+        <a:ea typeface="+mn-ea"/>
+        <a:cs typeface="+mn-cs"/>
+      </a:defRPr>
+    </a:lvl1pPr>
+    <a:lvl2pPr marL="457200" algn="l" defTabSz="914400" rtl="0" eaLnBrk="1" latinLnBrk="0" hangingPunct="1">
+      <a:defRPr sz="1200" kern="1200">
+        <a:solidFill>
+          <a:schemeClr val="tx1"/>
+        </a:solidFill>
+        <a:latin typeface="+mn-lt"/>
+        <a:ea typeface="+mn-ea"/>
+        <a:cs typeface="+mn-cs"/>
+      </a:defRPr>
+    </a:lvl2pPr>
+    <a:lvl3pPr marL="914400" algn="l" defTabSz="914400" rtl="0" eaLnBrk="1" latinLnBrk="0" hangingPunct="1">
+      <a:defRPr sz="1200" kern="1200">
+        <a:solidFill>
+          <a:schemeClr val="tx1"/>
+        </a:solidFill>
+        <a:latin typeface="+mn-lt"/>
+        <a:ea typeface="+mn-ea"/>
+        <a:cs typeface="+mn-cs"/>
+      </a:defRPr>
+    </a:lvl3pPr>
+    <a:lvl4pPr marL="1371600" algn="l" defTabSz="914400" rtl="0" eaLnBrk="1" latinLnBrk="0" hangingPunct="1">
+      <a:defRPr sz="1200" kern="1200">
+        <a:solidFill>
+          <a:schemeClr val="tx1"/>
+        </a:solidFill>
+        <a:latin typeface="+mn-lt"/>
+        <a:ea typeface="+mn-ea"/>
+        <a:cs typeface="+mn-cs"/>
+      </a:defRPr>
+    </a:lvl4pPr>
+    <a:lvl5pPr marL="1828800" algn="l" defTabSz="914400" rtl="0" eaLnBrk="1" latinLnBrk="0" hangingPunct="1">
+      <a:defRPr sz="1200" kern="1200">
+        <a:solidFill>
+          <a:schemeClr val="tx1"/>
+        </a:solidFill>
+        <a:latin typeface="+mn-lt"/>
+        <a:ea typeface="+mn-ea"/>
+        <a:cs typeface="+mn-cs"/>
+      </a:defRPr>
+    </a:lvl5pPr>
+    <a:lvl6pPr marL="2286000" algn="l" defTabSz="914400" rtl="0" eaLnBrk="1" latinLnBrk="0" hangingPunct="1">
+      <a:defRPr sz="1200" kern="1200">
+        <a:solidFill>
+          <a:schemeClr val="tx1"/>
+        </a:solidFill>
+        <a:latin typeface="+mn-lt"/>
+        <a:ea typeface="+mn-ea"/>
+        <a:cs typeface="+mn-cs"/>
+      </a:defRPr>
+    </a:lvl6pPr>
+    <a:lvl7pPr marL="2743200" algn="l" defTabSz="914400" rtl="0" eaLnBrk="1" latinLnBrk="0" hangingPunct="1">
+      <a:defRPr sz="1200" kern="1200">
+        <a:solidFill>
+          <a:schemeClr val="tx1"/>
+        </a:solidFill>
+        <a:latin typeface="+mn-lt"/>
+        <a:ea typeface="+mn-ea"/>
+        <a:cs typeface="+mn-cs"/>
+      </a:defRPr>
+    </a:lvl7pPr>
+    <a:lvl8pPr marL="3200400" algn="l" defTabSz="914400" rtl="0" eaLnBrk="1" latinLnBrk="0" hangingPunct="1">
+      <a:defRPr sz="1200" kern="1200">
+        <a:solidFill>
+          <a:schemeClr val="tx1"/>
+        </a:solidFill>
+        <a:latin typeface="+mn-lt"/>
+        <a:ea typeface="+mn-ea"/>
+        <a:cs typeface="+mn-cs"/>
+      </a:defRPr>
+    </a:lvl8pPr>
+    <a:lvl9pPr marL="3657600" algn="l" defTabSz="914400" rtl="0" eaLnBrk="1" latinLnBrk="0" hangingPunct="1">
+      <a:defRPr sz="1200" kern="1200">
+        <a:solidFill>
+          <a:schemeClr val="tx1"/>
+        </a:solidFill>
+        <a:latin typeface="+mn-lt"/>
+        <a:ea typeface="+mn-ea"/>
+        <a:cs typeface="+mn-cs"/>
+      </a:defRPr>
+    </a:lvl9pPr>
+  </p:notesStyle>
+</p:notesMaster>
+</file>
+
+<file path=ppt/notesSlides/notesSlide1.xml><?xml version="1.0" encoding="utf-8"?>
+<p:notes xmlns:a="http://schemas.openxmlformats.org/drawingml/2006/main" xmlns:r="http://schemas.openxmlformats.org/officeDocument/2006/relationships" xmlns:p="http://schemas.openxmlformats.org/presentationml/2006/main">
+  <p:cSld>
+    <p:spTree>
+      <p:nvGrpSpPr>
+        <p:cNvPr id="1" name=""/>
+        <p:cNvGrpSpPr/>
+        <p:nvPr/>
+      </p:nvGrpSpPr>
+      <p:grpSpPr>
+        <a:xfrm>
+          <a:off x="0" y="0"/>
+          <a:ext cx="0" cy="0"/>
+          <a:chOff x="0" y="0"/>
+          <a:chExt cx="0" cy="0"/>
+        </a:xfrm>
+      </p:grpSpPr>
+      <p:sp>
+        <p:nvSpPr>
+          <p:cNvPr id="2" name="Slide Image Placeholder 1"/>
+          <p:cNvSpPr>
+            <a:spLocks noGrp="1" noRot="1" noChangeAspect="1"/>
+          </p:cNvSpPr>
+          <p:nvPr>
+            <p:ph type="sldImg"/>
+          </p:nvPr>
+        </p:nvSpPr>
+        <p:spPr/>
+      </p:sp>
+      <p:sp>
+        <p:nvSpPr>
+          <p:cNvPr id="3" name="Notes Placeholder 2"/>
+          <p:cNvSpPr>
+            <a:spLocks noGrp="1"/>
+          </p:cNvSpPr>
+          <p:nvPr>
+            <p:ph type="body" idx="1"/>
+          </p:nvPr>
+        </p:nvSpPr>
+        <p:spPr/>
+        <p:txBody>
+          <a:bodyPr/>
+          <a:lstStyle/>
+          <a:p>
+            <a:r>
+              <a:rPr lang="en-US" dirty="0" err="1"/>
+              <a:t>Booklook</a:t>
+            </a:r>
+            <a:r>
+              <a:rPr lang="en-US" dirty="0"/>
+              <a:t> </a:t>
+            </a:r>
+            <a:r>
+              <a:rPr lang="en-US" dirty="0" err="1"/>
+              <a:t>terbagi</a:t>
+            </a:r>
+            <a:r>
+              <a:rPr lang="en-US" dirty="0"/>
+              <a:t> </a:t>
+            </a:r>
+            <a:r>
+              <a:rPr lang="en-US" dirty="0" err="1"/>
+              <a:t>dalam</a:t>
+            </a:r>
+            <a:r>
+              <a:rPr lang="en-US" dirty="0"/>
+              <a:t> 2 kata </a:t>
+            </a:r>
+            <a:r>
+              <a:rPr lang="en-US" dirty="0" err="1"/>
+              <a:t>yaitu</a:t>
+            </a:r>
+            <a:r>
+              <a:rPr lang="en-US" dirty="0"/>
+              <a:t> book dan look </a:t>
+            </a:r>
+            <a:r>
+              <a:rPr lang="en-US" dirty="0" err="1"/>
+              <a:t>dari</a:t>
+            </a:r>
+            <a:r>
+              <a:rPr lang="en-US" dirty="0"/>
+              <a:t> Bahasa </a:t>
+            </a:r>
+            <a:r>
+              <a:rPr lang="en-US" dirty="0" err="1"/>
+              <a:t>inggris</a:t>
+            </a:r>
+            <a:r>
+              <a:rPr lang="en-US" dirty="0"/>
+              <a:t>, yang </a:t>
+            </a:r>
+            <a:r>
+              <a:rPr lang="en-US" dirty="0" err="1"/>
+              <a:t>jika</a:t>
+            </a:r>
+            <a:r>
+              <a:rPr lang="en-US" dirty="0"/>
+              <a:t> </a:t>
+            </a:r>
+            <a:r>
+              <a:rPr lang="en-US" dirty="0" err="1"/>
+              <a:t>diartikan</a:t>
+            </a:r>
+            <a:r>
+              <a:rPr lang="en-US" dirty="0"/>
+              <a:t> </a:t>
+            </a:r>
+            <a:r>
+              <a:rPr lang="en-US" dirty="0" err="1"/>
+              <a:t>adalah</a:t>
+            </a:r>
+            <a:r>
+              <a:rPr lang="en-US" dirty="0"/>
+              <a:t> </a:t>
+            </a:r>
+            <a:r>
+              <a:rPr lang="en-US" dirty="0" err="1"/>
+              <a:t>melihat</a:t>
+            </a:r>
+            <a:r>
+              <a:rPr lang="en-US" dirty="0"/>
+              <a:t> </a:t>
+            </a:r>
+            <a:r>
+              <a:rPr lang="en-US" dirty="0" err="1"/>
+              <a:t>buku</a:t>
+            </a:r>
+            <a:r>
+              <a:rPr lang="en-US" dirty="0"/>
+              <a:t>. </a:t>
+            </a:r>
+            <a:r>
+              <a:rPr lang="en-US" dirty="0" err="1"/>
+              <a:t>Jika</a:t>
+            </a:r>
+            <a:r>
+              <a:rPr lang="en-US" dirty="0"/>
+              <a:t> </a:t>
+            </a:r>
+            <a:r>
+              <a:rPr lang="en-US" dirty="0" err="1"/>
+              <a:t>nama</a:t>
+            </a:r>
+            <a:r>
+              <a:rPr lang="en-US" dirty="0"/>
+              <a:t> brand </a:t>
+            </a:r>
+            <a:r>
+              <a:rPr lang="en-US" dirty="0" err="1"/>
+              <a:t>ini</a:t>
+            </a:r>
+            <a:r>
+              <a:rPr lang="en-US" dirty="0"/>
+              <a:t> </a:t>
+            </a:r>
+            <a:r>
+              <a:rPr lang="en-US" dirty="0" err="1"/>
+              <a:t>dimaknai</a:t>
+            </a:r>
+            <a:r>
+              <a:rPr lang="en-US" dirty="0"/>
+              <a:t> </a:t>
+            </a:r>
+            <a:r>
+              <a:rPr lang="en-US" dirty="0" err="1"/>
+              <a:t>lebih</a:t>
+            </a:r>
+            <a:r>
+              <a:rPr lang="en-US" dirty="0"/>
+              <a:t> </a:t>
+            </a:r>
+            <a:r>
+              <a:rPr lang="en-US" dirty="0" err="1"/>
+              <a:t>lanjut</a:t>
+            </a:r>
+            <a:r>
+              <a:rPr lang="en-US" dirty="0"/>
+              <a:t> </a:t>
+            </a:r>
+            <a:r>
+              <a:rPr lang="en-US" dirty="0" err="1"/>
+              <a:t>maka</a:t>
+            </a:r>
+            <a:r>
+              <a:rPr lang="en-US" dirty="0"/>
+              <a:t> </a:t>
+            </a:r>
+            <a:r>
+              <a:rPr lang="en-US" dirty="0" err="1"/>
+              <a:t>akan</a:t>
+            </a:r>
+            <a:r>
+              <a:rPr lang="en-US" dirty="0"/>
+              <a:t> </a:t>
+            </a:r>
+            <a:r>
+              <a:rPr lang="en-US" dirty="0" err="1"/>
+              <a:t>sesuai</a:t>
+            </a:r>
+            <a:r>
+              <a:rPr lang="en-US" dirty="0"/>
+              <a:t> </a:t>
+            </a:r>
+            <a:r>
+              <a:rPr lang="en-US" dirty="0" err="1"/>
+              <a:t>dengan</a:t>
+            </a:r>
+            <a:r>
+              <a:rPr lang="en-US" dirty="0"/>
+              <a:t> </a:t>
+            </a:r>
+            <a:r>
+              <a:rPr lang="en-US" dirty="0" err="1"/>
+              <a:t>esensi</a:t>
+            </a:r>
+            <a:r>
+              <a:rPr lang="en-US" dirty="0"/>
+              <a:t> </a:t>
+            </a:r>
+            <a:r>
+              <a:rPr lang="en-US" dirty="0" err="1"/>
+              <a:t>dari</a:t>
+            </a:r>
+            <a:r>
+              <a:rPr lang="en-US" dirty="0"/>
+              <a:t>  </a:t>
+            </a:r>
+            <a:r>
+              <a:rPr lang="en-US" dirty="0" err="1"/>
+              <a:t>adanya</a:t>
+            </a:r>
+            <a:r>
+              <a:rPr lang="en-US" dirty="0"/>
+              <a:t> website </a:t>
+            </a:r>
+            <a:r>
+              <a:rPr lang="en-US" dirty="0" err="1"/>
+              <a:t>ini</a:t>
+            </a:r>
+            <a:r>
+              <a:rPr lang="en-US" dirty="0"/>
+              <a:t> </a:t>
+            </a:r>
+            <a:r>
+              <a:rPr lang="en-US" dirty="0" err="1"/>
+              <a:t>yaitu</a:t>
+            </a:r>
+            <a:r>
+              <a:rPr lang="en-US" dirty="0"/>
+              <a:t> </a:t>
+            </a:r>
+            <a:r>
+              <a:rPr lang="en-US" dirty="0" err="1"/>
+              <a:t>pengguna</a:t>
+            </a:r>
+            <a:r>
+              <a:rPr lang="en-US" dirty="0"/>
+              <a:t> </a:t>
+            </a:r>
+            <a:r>
+              <a:rPr lang="en-US" dirty="0" err="1"/>
+              <a:t>dapat</a:t>
+            </a:r>
+            <a:r>
+              <a:rPr lang="en-US" dirty="0"/>
+              <a:t> </a:t>
+            </a:r>
+            <a:r>
+              <a:rPr lang="en-US" dirty="0" err="1"/>
+              <a:t>membaca</a:t>
+            </a:r>
+            <a:r>
+              <a:rPr lang="en-US" dirty="0"/>
+              <a:t> </a:t>
+            </a:r>
+            <a:r>
+              <a:rPr lang="en-US" dirty="0" err="1"/>
+              <a:t>buku</a:t>
+            </a:r>
+            <a:r>
+              <a:rPr lang="en-US" dirty="0"/>
+              <a:t> </a:t>
+            </a:r>
+            <a:r>
+              <a:rPr lang="en-US" dirty="0" err="1"/>
+              <a:t>diwebsite</a:t>
+            </a:r>
+            <a:r>
+              <a:rPr lang="en-US" dirty="0"/>
+              <a:t> </a:t>
+            </a:r>
+            <a:r>
+              <a:rPr lang="en-US" dirty="0" err="1"/>
+              <a:t>ini</a:t>
+            </a:r>
+            <a:r>
+              <a:rPr lang="en-US" dirty="0"/>
+              <a:t> </a:t>
+            </a:r>
+            <a:r>
+              <a:rPr lang="en-US" dirty="0" err="1"/>
+              <a:t>secara</a:t>
+            </a:r>
+            <a:r>
+              <a:rPr lang="en-US" dirty="0"/>
+              <a:t> online </a:t>
+            </a:r>
+            <a:r>
+              <a:rPr lang="en-US" dirty="0" err="1"/>
+              <a:t>tanpa</a:t>
+            </a:r>
+            <a:r>
+              <a:rPr lang="en-US" dirty="0"/>
+              <a:t> </a:t>
+            </a:r>
+            <a:r>
+              <a:rPr lang="en-US" dirty="0" err="1"/>
+              <a:t>terbatas</a:t>
+            </a:r>
+            <a:r>
+              <a:rPr lang="en-US" dirty="0"/>
+              <a:t> </a:t>
+            </a:r>
+            <a:r>
+              <a:rPr lang="en-US" dirty="0" err="1"/>
+              <a:t>waktu</a:t>
+            </a:r>
+            <a:r>
+              <a:rPr lang="en-US" dirty="0"/>
+              <a:t> dan </a:t>
+            </a:r>
+            <a:r>
+              <a:rPr lang="en-US" dirty="0" err="1"/>
+              <a:t>tempat</a:t>
+            </a:r>
+            <a:endParaRPr lang="en-US" dirty="0"/>
+          </a:p>
+        </p:txBody>
+      </p:sp>
+      <p:sp>
+        <p:nvSpPr>
+          <p:cNvPr id="4" name="Slide Number Placeholder 3"/>
+          <p:cNvSpPr>
+            <a:spLocks noGrp="1"/>
+          </p:cNvSpPr>
+          <p:nvPr>
+            <p:ph type="sldNum" sz="quarter" idx="5"/>
+          </p:nvPr>
+        </p:nvSpPr>
+        <p:spPr/>
+        <p:txBody>
+          <a:bodyPr/>
+          <a:lstStyle/>
+          <a:p>
+            <a:fld id="{B7D9C4B5-5953-4AC9-B244-CC2E6FAAC0AC}" type="slidenum">
+              <a:rPr lang="en-US" smtClean="0"/>
+              <a:t>2</a:t>
+            </a:fld>
+            <a:endParaRPr lang="en-US"/>
+          </a:p>
+        </p:txBody>
+      </p:sp>
+    </p:spTree>
+    <p:extLst>
+      <p:ext uri="{BB962C8B-B14F-4D97-AF65-F5344CB8AC3E}">
+        <p14:creationId xmlns:p14="http://schemas.microsoft.com/office/powerpoint/2010/main" val="2122281612"/>
+      </p:ext>
+    </p:extLst>
+  </p:cSld>
+  <p:clrMapOvr>
+    <a:masterClrMapping/>
+  </p:clrMapOvr>
+</p:notes>
 </file>
 
 <file path=ppt/slideLayouts/slideLayout1.xml><?xml version="1.0" encoding="utf-8"?>
@@ -3723,8 +4457,8 @@
         </p:nvSpPr>
         <p:spPr>
           <a:xfrm>
-            <a:off x="236220" y="177662"/>
-            <a:ext cx="3218180" cy="707886"/>
+            <a:off x="4076700" y="3075057"/>
+            <a:ext cx="4699438" cy="707886"/>
           </a:xfrm>
           <a:prstGeom prst="rect">
             <a:avLst/>
@@ -3739,21 +4473,15 @@
             <a:r>
               <a:rPr lang="en-US" sz="4000" b="1" dirty="0">
                 <a:solidFill>
-                  <a:schemeClr val="tx1">
-                    <a:lumMod val="75000"/>
-                    <a:lumOff val="25000"/>
-                  </a:schemeClr>
+                  <a:srgbClr val="00AEFF"/>
                 </a:solidFill>
                 <a:latin typeface="Raleway"/>
               </a:rPr>
-              <a:t>KESIMPULAN</a:t>
+              <a:t>DEMO PROGRAM</a:t>
             </a:r>
             <a:endParaRPr lang="en-US" sz="3200" b="0" dirty="0">
               <a:solidFill>
-                <a:schemeClr val="tx1">
-                  <a:lumMod val="75000"/>
-                  <a:lumOff val="25000"/>
-                </a:schemeClr>
+                <a:srgbClr val="00AEFF"/>
               </a:solidFill>
               <a:effectLst/>
             </a:endParaRPr>
@@ -3850,196 +4578,10 @@
           </a:prstGeom>
         </p:spPr>
       </p:pic>
-      <p:sp>
-        <p:nvSpPr>
-          <p:cNvPr id="7" name="Rectangle 6">
-            <a:extLst>
-              <a:ext uri="{FF2B5EF4-FFF2-40B4-BE49-F238E27FC236}">
-                <a16:creationId xmlns:a16="http://schemas.microsoft.com/office/drawing/2014/main" id="{18E855AE-7FB3-4015-8C20-D764CC371BDC}"/>
-              </a:ext>
-            </a:extLst>
-          </p:cNvPr>
-          <p:cNvSpPr/>
-          <p:nvPr/>
-        </p:nvSpPr>
-        <p:spPr>
-          <a:xfrm>
-            <a:off x="438750" y="1085354"/>
-            <a:ext cx="2030130" cy="400110"/>
-          </a:xfrm>
-          <a:prstGeom prst="rect">
-            <a:avLst/>
-          </a:prstGeom>
-        </p:spPr>
-        <p:txBody>
-          <a:bodyPr wrap="square">
-            <a:spAutoFit/>
-          </a:bodyPr>
-          <a:lstStyle/>
-          <a:p>
-            <a:r>
-              <a:rPr lang="en-US" sz="2000" b="1" dirty="0">
-                <a:solidFill>
-                  <a:schemeClr val="tx1">
-                    <a:lumMod val="75000"/>
-                    <a:lumOff val="25000"/>
-                  </a:schemeClr>
-                </a:solidFill>
-                <a:latin typeface="Raleway"/>
-              </a:rPr>
-              <a:t>1. </a:t>
-            </a:r>
-            <a:r>
-              <a:rPr lang="en-US" sz="2000" b="1" dirty="0" err="1">
-                <a:solidFill>
-                  <a:schemeClr val="tx1">
-                    <a:lumMod val="75000"/>
-                    <a:lumOff val="25000"/>
-                  </a:schemeClr>
-                </a:solidFill>
-                <a:latin typeface="Raleway"/>
-              </a:rPr>
-              <a:t>Hambatan</a:t>
-            </a:r>
-            <a:endParaRPr lang="en-US" sz="1600" b="0" dirty="0">
-              <a:solidFill>
-                <a:schemeClr val="tx1">
-                  <a:lumMod val="75000"/>
-                  <a:lumOff val="25000"/>
-                </a:schemeClr>
-              </a:solidFill>
-              <a:effectLst/>
-            </a:endParaRPr>
-          </a:p>
-        </p:txBody>
-      </p:sp>
-      <p:sp>
-        <p:nvSpPr>
-          <p:cNvPr id="8" name="Rectangle 7">
-            <a:extLst>
-              <a:ext uri="{FF2B5EF4-FFF2-40B4-BE49-F238E27FC236}">
-                <a16:creationId xmlns:a16="http://schemas.microsoft.com/office/drawing/2014/main" id="{D9A34BF5-FE4C-45AD-8A40-C8A57DB88CD9}"/>
-              </a:ext>
-            </a:extLst>
-          </p:cNvPr>
-          <p:cNvSpPr/>
-          <p:nvPr/>
-        </p:nvSpPr>
-        <p:spPr>
-          <a:xfrm>
-            <a:off x="438750" y="1520886"/>
-            <a:ext cx="5921410" cy="400110"/>
-          </a:xfrm>
-          <a:prstGeom prst="rect">
-            <a:avLst/>
-          </a:prstGeom>
-        </p:spPr>
-        <p:txBody>
-          <a:bodyPr wrap="square">
-            <a:spAutoFit/>
-          </a:bodyPr>
-          <a:lstStyle/>
-          <a:p>
-            <a:r>
-              <a:rPr lang="en-US" sz="2000" b="1" dirty="0">
-                <a:solidFill>
-                  <a:schemeClr val="tx1">
-                    <a:lumMod val="75000"/>
-                    <a:lumOff val="25000"/>
-                  </a:schemeClr>
-                </a:solidFill>
-                <a:latin typeface="Raleway"/>
-              </a:rPr>
-              <a:t>2. Yang </a:t>
-            </a:r>
-            <a:r>
-              <a:rPr lang="en-US" sz="2000" b="1" dirty="0" err="1">
-                <a:solidFill>
-                  <a:schemeClr val="tx1">
-                    <a:lumMod val="75000"/>
-                    <a:lumOff val="25000"/>
-                  </a:schemeClr>
-                </a:solidFill>
-                <a:latin typeface="Raleway"/>
-              </a:rPr>
-              <a:t>didapat</a:t>
-            </a:r>
-            <a:r>
-              <a:rPr lang="en-US" sz="2000" b="1" dirty="0">
-                <a:solidFill>
-                  <a:schemeClr val="tx1">
-                    <a:lumMod val="75000"/>
-                    <a:lumOff val="25000"/>
-                  </a:schemeClr>
-                </a:solidFill>
-                <a:latin typeface="Raleway"/>
-              </a:rPr>
-              <a:t> </a:t>
-            </a:r>
-            <a:r>
-              <a:rPr lang="en-US" sz="2000" b="1" dirty="0" err="1">
-                <a:solidFill>
-                  <a:schemeClr val="tx1">
-                    <a:lumMod val="75000"/>
-                    <a:lumOff val="25000"/>
-                  </a:schemeClr>
-                </a:solidFill>
-                <a:latin typeface="Raleway"/>
-              </a:rPr>
-              <a:t>dari</a:t>
-            </a:r>
-            <a:r>
-              <a:rPr lang="en-US" sz="2000" b="1" dirty="0">
-                <a:solidFill>
-                  <a:schemeClr val="tx1">
-                    <a:lumMod val="75000"/>
-                    <a:lumOff val="25000"/>
-                  </a:schemeClr>
-                </a:solidFill>
-                <a:latin typeface="Raleway"/>
-              </a:rPr>
-              <a:t> </a:t>
-            </a:r>
-            <a:r>
-              <a:rPr lang="en-US" sz="2000" b="1" dirty="0" err="1">
-                <a:solidFill>
-                  <a:schemeClr val="tx1">
-                    <a:lumMod val="75000"/>
-                    <a:lumOff val="25000"/>
-                  </a:schemeClr>
-                </a:solidFill>
-                <a:latin typeface="Raleway"/>
-              </a:rPr>
-              <a:t>mengikuti</a:t>
-            </a:r>
-            <a:r>
-              <a:rPr lang="en-US" sz="2000" b="1" dirty="0">
-                <a:solidFill>
-                  <a:schemeClr val="tx1">
-                    <a:lumMod val="75000"/>
-                    <a:lumOff val="25000"/>
-                  </a:schemeClr>
-                </a:solidFill>
-                <a:latin typeface="Raleway"/>
-              </a:rPr>
-              <a:t> program FUTURE</a:t>
-            </a:r>
-            <a:endParaRPr lang="en-US" sz="1600" b="0" dirty="0">
-              <a:solidFill>
-                <a:schemeClr val="tx1">
-                  <a:lumMod val="75000"/>
-                  <a:lumOff val="25000"/>
-                </a:schemeClr>
-              </a:solidFill>
-              <a:effectLst/>
-            </a:endParaRPr>
-          </a:p>
-        </p:txBody>
-      </p:sp>
     </p:spTree>
     <p:extLst>
       <p:ext uri="{BB962C8B-B14F-4D97-AF65-F5344CB8AC3E}">
-        <p14:creationId xmlns:p14="http://schemas.microsoft.com/office/powerpoint/2010/main" val="3633354260"/>
+        <p14:creationId xmlns:p14="http://schemas.microsoft.com/office/powerpoint/2010/main" val="3049270900"/>
       </p:ext>
     </p:extLst>
   </p:cSld>
@@ -4080,8 +4622,8 @@
         </p:nvSpPr>
         <p:spPr>
           <a:xfrm>
-            <a:off x="667562" y="3002716"/>
-            <a:ext cx="4038600" cy="707886"/>
+            <a:off x="236220" y="177662"/>
+            <a:ext cx="3641188" cy="707886"/>
           </a:xfrm>
           <a:prstGeom prst="rect">
             <a:avLst/>
@@ -4096,15 +4638,21 @@
             <a:r>
               <a:rPr lang="en-US" sz="4000" b="1" dirty="0">
                 <a:solidFill>
-                  <a:srgbClr val="00AEFF"/>
+                  <a:schemeClr val="tx1">
+                    <a:lumMod val="75000"/>
+                    <a:lumOff val="25000"/>
+                  </a:schemeClr>
                 </a:solidFill>
                 <a:latin typeface="Raleway"/>
               </a:rPr>
-              <a:t>TERIMA KASIH</a:t>
+              <a:t>KESIMPULAN</a:t>
             </a:r>
             <a:endParaRPr lang="en-US" sz="3200" b="0" dirty="0">
               <a:solidFill>
-                <a:srgbClr val="00AEFF"/>
+                <a:schemeClr val="tx1">
+                  <a:lumMod val="75000"/>
+                  <a:lumOff val="25000"/>
+                </a:schemeClr>
               </a:solidFill>
               <a:effectLst/>
             </a:endParaRPr>
@@ -4201,6 +4749,357 @@
           </a:prstGeom>
         </p:spPr>
       </p:pic>
+      <p:sp>
+        <p:nvSpPr>
+          <p:cNvPr id="7" name="Rectangle 6">
+            <a:extLst>
+              <a:ext uri="{FF2B5EF4-FFF2-40B4-BE49-F238E27FC236}">
+                <a16:creationId xmlns:a16="http://schemas.microsoft.com/office/drawing/2014/main" id="{18E855AE-7FB3-4015-8C20-D764CC371BDC}"/>
+              </a:ext>
+            </a:extLst>
+          </p:cNvPr>
+          <p:cNvSpPr/>
+          <p:nvPr/>
+        </p:nvSpPr>
+        <p:spPr>
+          <a:xfrm>
+            <a:off x="438750" y="1085354"/>
+            <a:ext cx="2030130" cy="400110"/>
+          </a:xfrm>
+          <a:prstGeom prst="rect">
+            <a:avLst/>
+          </a:prstGeom>
+        </p:spPr>
+        <p:txBody>
+          <a:bodyPr wrap="square">
+            <a:spAutoFit/>
+          </a:bodyPr>
+          <a:lstStyle/>
+          <a:p>
+            <a:r>
+              <a:rPr lang="en-US" sz="2000" b="1" dirty="0">
+                <a:solidFill>
+                  <a:schemeClr val="tx1">
+                    <a:lumMod val="75000"/>
+                    <a:lumOff val="25000"/>
+                  </a:schemeClr>
+                </a:solidFill>
+                <a:latin typeface="Raleway"/>
+              </a:rPr>
+              <a:t>1. </a:t>
+            </a:r>
+            <a:r>
+              <a:rPr lang="en-US" sz="2000" b="1" dirty="0" err="1">
+                <a:solidFill>
+                  <a:schemeClr val="tx1">
+                    <a:lumMod val="75000"/>
+                    <a:lumOff val="25000"/>
+                  </a:schemeClr>
+                </a:solidFill>
+                <a:latin typeface="Raleway"/>
+              </a:rPr>
+              <a:t>Hambatan</a:t>
+            </a:r>
+            <a:endParaRPr lang="en-US" sz="1600" b="0" dirty="0">
+              <a:solidFill>
+                <a:schemeClr val="tx1">
+                  <a:lumMod val="75000"/>
+                  <a:lumOff val="25000"/>
+                </a:schemeClr>
+              </a:solidFill>
+              <a:effectLst/>
+            </a:endParaRPr>
+          </a:p>
+        </p:txBody>
+      </p:sp>
+      <p:sp>
+        <p:nvSpPr>
+          <p:cNvPr id="8" name="Rectangle 7">
+            <a:extLst>
+              <a:ext uri="{FF2B5EF4-FFF2-40B4-BE49-F238E27FC236}">
+                <a16:creationId xmlns:a16="http://schemas.microsoft.com/office/drawing/2014/main" id="{D9A34BF5-FE4C-45AD-8A40-C8A57DB88CD9}"/>
+              </a:ext>
+            </a:extLst>
+          </p:cNvPr>
+          <p:cNvSpPr/>
+          <p:nvPr/>
+        </p:nvSpPr>
+        <p:spPr>
+          <a:xfrm>
+            <a:off x="438750" y="1520886"/>
+            <a:ext cx="5921410" cy="400110"/>
+          </a:xfrm>
+          <a:prstGeom prst="rect">
+            <a:avLst/>
+          </a:prstGeom>
+        </p:spPr>
+        <p:txBody>
+          <a:bodyPr wrap="square">
+            <a:spAutoFit/>
+          </a:bodyPr>
+          <a:lstStyle/>
+          <a:p>
+            <a:r>
+              <a:rPr lang="en-US" sz="2000" b="1" dirty="0">
+                <a:solidFill>
+                  <a:schemeClr val="tx1">
+                    <a:lumMod val="75000"/>
+                    <a:lumOff val="25000"/>
+                  </a:schemeClr>
+                </a:solidFill>
+                <a:latin typeface="Raleway"/>
+              </a:rPr>
+              <a:t>2. Yang </a:t>
+            </a:r>
+            <a:r>
+              <a:rPr lang="en-US" sz="2000" b="1" dirty="0" err="1">
+                <a:solidFill>
+                  <a:schemeClr val="tx1">
+                    <a:lumMod val="75000"/>
+                    <a:lumOff val="25000"/>
+                  </a:schemeClr>
+                </a:solidFill>
+                <a:latin typeface="Raleway"/>
+              </a:rPr>
+              <a:t>didapat</a:t>
+            </a:r>
+            <a:r>
+              <a:rPr lang="en-US" sz="2000" b="1" dirty="0">
+                <a:solidFill>
+                  <a:schemeClr val="tx1">
+                    <a:lumMod val="75000"/>
+                    <a:lumOff val="25000"/>
+                  </a:schemeClr>
+                </a:solidFill>
+                <a:latin typeface="Raleway"/>
+              </a:rPr>
+              <a:t> </a:t>
+            </a:r>
+            <a:r>
+              <a:rPr lang="en-US" sz="2000" b="1" dirty="0" err="1">
+                <a:solidFill>
+                  <a:schemeClr val="tx1">
+                    <a:lumMod val="75000"/>
+                    <a:lumOff val="25000"/>
+                  </a:schemeClr>
+                </a:solidFill>
+                <a:latin typeface="Raleway"/>
+              </a:rPr>
+              <a:t>dari</a:t>
+            </a:r>
+            <a:r>
+              <a:rPr lang="en-US" sz="2000" b="1" dirty="0">
+                <a:solidFill>
+                  <a:schemeClr val="tx1">
+                    <a:lumMod val="75000"/>
+                    <a:lumOff val="25000"/>
+                  </a:schemeClr>
+                </a:solidFill>
+                <a:latin typeface="Raleway"/>
+              </a:rPr>
+              <a:t> </a:t>
+            </a:r>
+            <a:r>
+              <a:rPr lang="en-US" sz="2000" b="1" dirty="0" err="1">
+                <a:solidFill>
+                  <a:schemeClr val="tx1">
+                    <a:lumMod val="75000"/>
+                    <a:lumOff val="25000"/>
+                  </a:schemeClr>
+                </a:solidFill>
+                <a:latin typeface="Raleway"/>
+              </a:rPr>
+              <a:t>mengikuti</a:t>
+            </a:r>
+            <a:r>
+              <a:rPr lang="en-US" sz="2000" b="1" dirty="0">
+                <a:solidFill>
+                  <a:schemeClr val="tx1">
+                    <a:lumMod val="75000"/>
+                    <a:lumOff val="25000"/>
+                  </a:schemeClr>
+                </a:solidFill>
+                <a:latin typeface="Raleway"/>
+              </a:rPr>
+              <a:t> program FUTURE</a:t>
+            </a:r>
+            <a:endParaRPr lang="en-US" sz="1600" b="0" dirty="0">
+              <a:solidFill>
+                <a:schemeClr val="tx1">
+                  <a:lumMod val="75000"/>
+                  <a:lumOff val="25000"/>
+                </a:schemeClr>
+              </a:solidFill>
+              <a:effectLst/>
+            </a:endParaRPr>
+          </a:p>
+        </p:txBody>
+      </p:sp>
+    </p:spTree>
+    <p:extLst>
+      <p:ext uri="{BB962C8B-B14F-4D97-AF65-F5344CB8AC3E}">
+        <p14:creationId xmlns:p14="http://schemas.microsoft.com/office/powerpoint/2010/main" val="3633354260"/>
+      </p:ext>
+    </p:extLst>
+  </p:cSld>
+  <p:clrMapOvr>
+    <a:masterClrMapping/>
+  </p:clrMapOvr>
+</p:sld>
+</file>
+
+<file path=ppt/slides/slide12.xml><?xml version="1.0" encoding="utf-8"?>
+<p:sld xmlns:a="http://schemas.openxmlformats.org/drawingml/2006/main" xmlns:r="http://schemas.openxmlformats.org/officeDocument/2006/relationships" xmlns:p="http://schemas.openxmlformats.org/presentationml/2006/main">
+  <p:cSld>
+    <p:spTree>
+      <p:nvGrpSpPr>
+        <p:cNvPr id="1" name=""/>
+        <p:cNvGrpSpPr/>
+        <p:nvPr/>
+      </p:nvGrpSpPr>
+      <p:grpSpPr>
+        <a:xfrm>
+          <a:off x="0" y="0"/>
+          <a:ext cx="0" cy="0"/>
+          <a:chOff x="0" y="0"/>
+          <a:chExt cx="0" cy="0"/>
+        </a:xfrm>
+      </p:grpSpPr>
+      <p:sp>
+        <p:nvSpPr>
+          <p:cNvPr id="4" name="Rectangle 3">
+            <a:extLst>
+              <a:ext uri="{FF2B5EF4-FFF2-40B4-BE49-F238E27FC236}">
+                <a16:creationId xmlns:a16="http://schemas.microsoft.com/office/drawing/2014/main" id="{90D2AE39-40FB-4774-B70C-7E294CAA9F5A}"/>
+              </a:ext>
+            </a:extLst>
+          </p:cNvPr>
+          <p:cNvSpPr/>
+          <p:nvPr/>
+        </p:nvSpPr>
+        <p:spPr>
+          <a:xfrm>
+            <a:off x="667562" y="3002716"/>
+            <a:ext cx="4038600" cy="707886"/>
+          </a:xfrm>
+          <a:prstGeom prst="rect">
+            <a:avLst/>
+          </a:prstGeom>
+        </p:spPr>
+        <p:txBody>
+          <a:bodyPr wrap="square">
+            <a:spAutoFit/>
+          </a:bodyPr>
+          <a:lstStyle/>
+          <a:p>
+            <a:r>
+              <a:rPr lang="en-US" sz="4000" b="1" dirty="0">
+                <a:solidFill>
+                  <a:srgbClr val="00AEFF"/>
+                </a:solidFill>
+                <a:latin typeface="Raleway"/>
+              </a:rPr>
+              <a:t>TERIMA KASIH</a:t>
+            </a:r>
+            <a:endParaRPr lang="en-US" sz="3200" b="0" dirty="0">
+              <a:solidFill>
+                <a:srgbClr val="00AEFF"/>
+              </a:solidFill>
+              <a:effectLst/>
+            </a:endParaRPr>
+          </a:p>
+        </p:txBody>
+      </p:sp>
+      <p:sp>
+        <p:nvSpPr>
+          <p:cNvPr id="5" name="Rectangle 4">
+            <a:extLst>
+              <a:ext uri="{FF2B5EF4-FFF2-40B4-BE49-F238E27FC236}">
+                <a16:creationId xmlns:a16="http://schemas.microsoft.com/office/drawing/2014/main" id="{1E3D0567-EA5C-4D5C-9A3F-3AF961CCA95F}"/>
+              </a:ext>
+            </a:extLst>
+          </p:cNvPr>
+          <p:cNvSpPr/>
+          <p:nvPr/>
+        </p:nvSpPr>
+        <p:spPr>
+          <a:xfrm>
+            <a:off x="0" y="6715760"/>
+            <a:ext cx="12192000" cy="162560"/>
+          </a:xfrm>
+          <a:prstGeom prst="rect">
+            <a:avLst/>
+          </a:prstGeom>
+          <a:solidFill>
+            <a:srgbClr val="00AEFF"/>
+          </a:solidFill>
+          <a:ln>
+            <a:solidFill>
+              <a:schemeClr val="bg1"/>
+            </a:solidFill>
+          </a:ln>
+        </p:spPr>
+        <p:style>
+          <a:lnRef idx="2">
+            <a:schemeClr val="accent1">
+              <a:shade val="50000"/>
+            </a:schemeClr>
+          </a:lnRef>
+          <a:fillRef idx="1">
+            <a:schemeClr val="accent1"/>
+          </a:fillRef>
+          <a:effectRef idx="0">
+            <a:schemeClr val="accent1"/>
+          </a:effectRef>
+          <a:fontRef idx="minor">
+            <a:schemeClr val="lt1"/>
+          </a:fontRef>
+        </p:style>
+        <p:txBody>
+          <a:bodyPr rtlCol="0" anchor="ctr"/>
+          <a:lstStyle/>
+          <a:p>
+            <a:pPr algn="ctr"/>
+            <a:endParaRPr lang="en-US"/>
+          </a:p>
+        </p:txBody>
+      </p:sp>
+      <p:pic>
+        <p:nvPicPr>
+          <p:cNvPr id="6" name="Picture 5">
+            <a:extLst>
+              <a:ext uri="{FF2B5EF4-FFF2-40B4-BE49-F238E27FC236}">
+                <a16:creationId xmlns:a16="http://schemas.microsoft.com/office/drawing/2014/main" id="{C738CFCF-F109-44BF-BDF8-B2679F573187}"/>
+              </a:ext>
+            </a:extLst>
+          </p:cNvPr>
+          <p:cNvPicPr>
+            <a:picLocks noChangeAspect="1"/>
+          </p:cNvPicPr>
+          <p:nvPr/>
+        </p:nvPicPr>
+        <p:blipFill>
+          <a:blip r:embed="rId2">
+            <a:extLst>
+              <a:ext uri="{28A0092B-C50C-407E-A947-70E740481C1C}">
+                <a14:useLocalDpi xmlns:a14="http://schemas.microsoft.com/office/drawing/2010/main" val="0"/>
+              </a:ext>
+            </a:extLst>
+          </a:blip>
+          <a:stretch>
+            <a:fillRect/>
+          </a:stretch>
+        </p:blipFill>
+        <p:spPr>
+          <a:xfrm>
+            <a:off x="19226" y="6398736"/>
+            <a:ext cx="1778424" cy="281602"/>
+          </a:xfrm>
+          <a:prstGeom prst="rect">
+            <a:avLst/>
+          </a:prstGeom>
+        </p:spPr>
+      </p:pic>
       <p:pic>
         <p:nvPicPr>
           <p:cNvPr id="3" name="Picture 2">
@@ -4247,13 +5146,13 @@
   <p:clrMapOvr>
     <a:masterClrMapping/>
   </p:clrMapOvr>
-  <mc:AlternateContent xmlns:mc="http://schemas.openxmlformats.org/markup-compatibility/2006">
-    <mc:Choice xmlns:p15="http://schemas.microsoft.com/office/powerpoint/2012/main" Requires="p15">
+  <mc:AlternateContent xmlns:mc="http://schemas.openxmlformats.org/markup-compatibility/2006" xmlns:p15="http://schemas.microsoft.com/office/powerpoint/2012/main">
+    <mc:Choice Requires="p15">
       <p:transition xmlns:p14="http://schemas.microsoft.com/office/powerpoint/2010/main" spd="slow" p14:dur="1250">
         <p15:prstTrans prst="peelOff" invX="1"/>
       </p:transition>
     </mc:Choice>
-    <mc:Fallback>
+    <mc:Fallback xmlns="">
       <p:transition spd="slow">
         <p:fade/>
       </p:transition>
@@ -4263,6 +5162,2837 @@
 </file>
 
 <file path=ppt/slides/slide2.xml><?xml version="1.0" encoding="utf-8"?>
+<p:sld xmlns:a="http://schemas.openxmlformats.org/drawingml/2006/main" xmlns:r="http://schemas.openxmlformats.org/officeDocument/2006/relationships" xmlns:p="http://schemas.openxmlformats.org/presentationml/2006/main">
+  <p:cSld>
+    <p:spTree>
+      <p:nvGrpSpPr>
+        <p:cNvPr id="1" name=""/>
+        <p:cNvGrpSpPr/>
+        <p:nvPr/>
+      </p:nvGrpSpPr>
+      <p:grpSpPr>
+        <a:xfrm>
+          <a:off x="0" y="0"/>
+          <a:ext cx="0" cy="0"/>
+          <a:chOff x="0" y="0"/>
+          <a:chExt cx="0" cy="0"/>
+        </a:xfrm>
+      </p:grpSpPr>
+      <p:pic>
+        <p:nvPicPr>
+          <p:cNvPr id="4" name="Picture 3">
+            <a:extLst>
+              <a:ext uri="{FF2B5EF4-FFF2-40B4-BE49-F238E27FC236}">
+                <a16:creationId xmlns:a16="http://schemas.microsoft.com/office/drawing/2014/main" id="{E4255F67-080B-4C0D-B78B-301CFA91355E}"/>
+              </a:ext>
+            </a:extLst>
+          </p:cNvPr>
+          <p:cNvPicPr>
+            <a:picLocks noChangeAspect="1"/>
+          </p:cNvPicPr>
+          <p:nvPr/>
+        </p:nvPicPr>
+        <p:blipFill>
+          <a:blip r:embed="rId3">
+            <a:extLst>
+              <a:ext uri="{28A0092B-C50C-407E-A947-70E740481C1C}">
+                <a14:useLocalDpi xmlns:a14="http://schemas.microsoft.com/office/drawing/2010/main" val="0"/>
+              </a:ext>
+            </a:extLst>
+          </a:blip>
+          <a:stretch>
+            <a:fillRect/>
+          </a:stretch>
+        </p:blipFill>
+        <p:spPr>
+          <a:xfrm>
+            <a:off x="3444241" y="2113680"/>
+            <a:ext cx="5871077" cy="929647"/>
+          </a:xfrm>
+          <a:prstGeom prst="rect">
+            <a:avLst/>
+          </a:prstGeom>
+        </p:spPr>
+      </p:pic>
+      <p:sp>
+        <p:nvSpPr>
+          <p:cNvPr id="5" name="Rectangle 4">
+            <a:extLst>
+              <a:ext uri="{FF2B5EF4-FFF2-40B4-BE49-F238E27FC236}">
+                <a16:creationId xmlns:a16="http://schemas.microsoft.com/office/drawing/2014/main" id="{51FC5010-6E02-4F13-A0C0-333C2D576E56}"/>
+              </a:ext>
+            </a:extLst>
+          </p:cNvPr>
+          <p:cNvSpPr/>
+          <p:nvPr/>
+        </p:nvSpPr>
+        <p:spPr>
+          <a:xfrm>
+            <a:off x="111369" y="147183"/>
+            <a:ext cx="1877852" cy="461665"/>
+          </a:xfrm>
+          <a:prstGeom prst="rect">
+            <a:avLst/>
+          </a:prstGeom>
+        </p:spPr>
+        <p:txBody>
+          <a:bodyPr wrap="square">
+            <a:spAutoFit/>
+          </a:bodyPr>
+          <a:lstStyle/>
+          <a:p>
+            <a:r>
+              <a:rPr lang="en-US" sz="2400" b="1" dirty="0">
+                <a:solidFill>
+                  <a:schemeClr val="tx1">
+                    <a:lumMod val="75000"/>
+                    <a:lumOff val="25000"/>
+                  </a:schemeClr>
+                </a:solidFill>
+                <a:latin typeface="Raleway"/>
+              </a:rPr>
+              <a:t>ARTI LOGO</a:t>
+            </a:r>
+            <a:endParaRPr lang="en-US" b="1" dirty="0">
+              <a:solidFill>
+                <a:schemeClr val="tx1">
+                  <a:lumMod val="75000"/>
+                  <a:lumOff val="25000"/>
+                </a:schemeClr>
+              </a:solidFill>
+              <a:effectLst/>
+            </a:endParaRPr>
+          </a:p>
+        </p:txBody>
+      </p:sp>
+      <p:sp>
+        <p:nvSpPr>
+          <p:cNvPr id="6" name="Arc 5">
+            <a:extLst>
+              <a:ext uri="{FF2B5EF4-FFF2-40B4-BE49-F238E27FC236}">
+                <a16:creationId xmlns:a16="http://schemas.microsoft.com/office/drawing/2014/main" id="{D17718DC-63B4-44C3-BE2C-FFED0157AC3D}"/>
+              </a:ext>
+            </a:extLst>
+          </p:cNvPr>
+          <p:cNvSpPr/>
+          <p:nvPr/>
+        </p:nvSpPr>
+        <p:spPr>
+          <a:xfrm rot="14562679" flipV="1">
+            <a:off x="2264036" y="1913416"/>
+            <a:ext cx="2021228" cy="1330168"/>
+          </a:xfrm>
+          <a:prstGeom prst="arc">
+            <a:avLst/>
+          </a:prstGeom>
+          <a:ln w="19050">
+            <a:headEnd type="none" w="med" len="med"/>
+            <a:tailEnd type="arrow" w="med" len="med"/>
+          </a:ln>
+        </p:spPr>
+        <p:style>
+          <a:lnRef idx="1">
+            <a:schemeClr val="accent2"/>
+          </a:lnRef>
+          <a:fillRef idx="0">
+            <a:schemeClr val="accent2"/>
+          </a:fillRef>
+          <a:effectRef idx="0">
+            <a:schemeClr val="accent2"/>
+          </a:effectRef>
+          <a:fontRef idx="minor">
+            <a:schemeClr val="tx1"/>
+          </a:fontRef>
+        </p:style>
+        <p:txBody>
+          <a:bodyPr rtlCol="0" anchor="ctr"/>
+          <a:lstStyle/>
+          <a:p>
+            <a:pPr algn="ctr"/>
+            <a:endParaRPr lang="en-US" dirty="0"/>
+          </a:p>
+        </p:txBody>
+      </p:sp>
+      <p:sp>
+        <p:nvSpPr>
+          <p:cNvPr id="7" name="Arc 6">
+            <a:extLst>
+              <a:ext uri="{FF2B5EF4-FFF2-40B4-BE49-F238E27FC236}">
+                <a16:creationId xmlns:a16="http://schemas.microsoft.com/office/drawing/2014/main" id="{F02FA4C9-078E-4850-91F0-270F79193764}"/>
+              </a:ext>
+            </a:extLst>
+          </p:cNvPr>
+          <p:cNvSpPr/>
+          <p:nvPr/>
+        </p:nvSpPr>
+        <p:spPr>
+          <a:xfrm rot="7037321" flipH="1" flipV="1">
+            <a:off x="5090378" y="1499342"/>
+            <a:ext cx="4017812" cy="2158320"/>
+          </a:xfrm>
+          <a:prstGeom prst="arc">
+            <a:avLst/>
+          </a:prstGeom>
+          <a:ln w="19050">
+            <a:headEnd type="none" w="med" len="med"/>
+            <a:tailEnd type="arrow" w="med" len="med"/>
+          </a:ln>
+        </p:spPr>
+        <p:style>
+          <a:lnRef idx="1">
+            <a:schemeClr val="accent2"/>
+          </a:lnRef>
+          <a:fillRef idx="0">
+            <a:schemeClr val="accent2"/>
+          </a:fillRef>
+          <a:effectRef idx="0">
+            <a:schemeClr val="accent2"/>
+          </a:effectRef>
+          <a:fontRef idx="minor">
+            <a:schemeClr val="tx1"/>
+          </a:fontRef>
+        </p:style>
+        <p:txBody>
+          <a:bodyPr rtlCol="0" anchor="ctr"/>
+          <a:lstStyle/>
+          <a:p>
+            <a:pPr algn="ctr"/>
+            <a:endParaRPr lang="en-US" dirty="0"/>
+          </a:p>
+        </p:txBody>
+      </p:sp>
+      <p:sp>
+        <p:nvSpPr>
+          <p:cNvPr id="8" name="Arc 7">
+            <a:extLst>
+              <a:ext uri="{FF2B5EF4-FFF2-40B4-BE49-F238E27FC236}">
+                <a16:creationId xmlns:a16="http://schemas.microsoft.com/office/drawing/2014/main" id="{285AC00E-C8E9-41B4-B44A-AB1F26FCF281}"/>
+              </a:ext>
+            </a:extLst>
+          </p:cNvPr>
+          <p:cNvSpPr/>
+          <p:nvPr/>
+        </p:nvSpPr>
+        <p:spPr>
+          <a:xfrm rot="17295203" flipH="1">
+            <a:off x="5377577" y="2248619"/>
+            <a:ext cx="1803258" cy="2443884"/>
+          </a:xfrm>
+          <a:prstGeom prst="arc">
+            <a:avLst/>
+          </a:prstGeom>
+          <a:ln w="19050">
+            <a:headEnd type="none" w="med" len="med"/>
+            <a:tailEnd type="arrow" w="med" len="med"/>
+          </a:ln>
+        </p:spPr>
+        <p:style>
+          <a:lnRef idx="1">
+            <a:schemeClr val="accent2"/>
+          </a:lnRef>
+          <a:fillRef idx="0">
+            <a:schemeClr val="accent2"/>
+          </a:fillRef>
+          <a:effectRef idx="0">
+            <a:schemeClr val="accent2"/>
+          </a:effectRef>
+          <a:fontRef idx="minor">
+            <a:schemeClr val="tx1"/>
+          </a:fontRef>
+        </p:style>
+        <p:txBody>
+          <a:bodyPr rtlCol="0" anchor="ctr"/>
+          <a:lstStyle/>
+          <a:p>
+            <a:pPr algn="ctr"/>
+            <a:endParaRPr lang="en-US" dirty="0"/>
+          </a:p>
+        </p:txBody>
+      </p:sp>
+      <p:sp>
+        <p:nvSpPr>
+          <p:cNvPr id="9" name="Rectangle 8">
+            <a:extLst>
+              <a:ext uri="{FF2B5EF4-FFF2-40B4-BE49-F238E27FC236}">
+                <a16:creationId xmlns:a16="http://schemas.microsoft.com/office/drawing/2014/main" id="{32780C3D-A3DE-4D02-843E-CA2103588188}"/>
+              </a:ext>
+            </a:extLst>
+          </p:cNvPr>
+          <p:cNvSpPr/>
+          <p:nvPr/>
+        </p:nvSpPr>
+        <p:spPr>
+          <a:xfrm>
+            <a:off x="915666" y="1790314"/>
+            <a:ext cx="1740877" cy="276999"/>
+          </a:xfrm>
+          <a:prstGeom prst="rect">
+            <a:avLst/>
+          </a:prstGeom>
+        </p:spPr>
+        <p:txBody>
+          <a:bodyPr wrap="square">
+            <a:spAutoFit/>
+          </a:bodyPr>
+          <a:lstStyle/>
+          <a:p>
+            <a:r>
+              <a:rPr lang="en-US" sz="1200" b="1" dirty="0">
+                <a:solidFill>
+                  <a:schemeClr val="tx1">
+                    <a:lumMod val="75000"/>
+                    <a:lumOff val="25000"/>
+                  </a:schemeClr>
+                </a:solidFill>
+                <a:effectLst/>
+                <a:latin typeface="Bahnschrift Light" panose="020B0502040204020203" pitchFamily="34" charset="0"/>
+              </a:rPr>
+              <a:t>LOGO BUKU TERBUKA</a:t>
+            </a:r>
+            <a:endParaRPr lang="en-US" sz="1050" b="1" dirty="0">
+              <a:solidFill>
+                <a:schemeClr val="tx1">
+                  <a:lumMod val="75000"/>
+                  <a:lumOff val="25000"/>
+                </a:schemeClr>
+              </a:solidFill>
+              <a:effectLst/>
+              <a:latin typeface="Bahnschrift Light" panose="020B0502040204020203" pitchFamily="34" charset="0"/>
+            </a:endParaRPr>
+          </a:p>
+        </p:txBody>
+      </p:sp>
+      <p:sp>
+        <p:nvSpPr>
+          <p:cNvPr id="10" name="Rectangle 9">
+            <a:extLst>
+              <a:ext uri="{FF2B5EF4-FFF2-40B4-BE49-F238E27FC236}">
+                <a16:creationId xmlns:a16="http://schemas.microsoft.com/office/drawing/2014/main" id="{F35EACD2-837E-4CF4-B935-A06BA002D179}"/>
+              </a:ext>
+            </a:extLst>
+          </p:cNvPr>
+          <p:cNvSpPr/>
+          <p:nvPr/>
+        </p:nvSpPr>
+        <p:spPr>
+          <a:xfrm>
+            <a:off x="915666" y="2044856"/>
+            <a:ext cx="2609156" cy="1731243"/>
+          </a:xfrm>
+          <a:prstGeom prst="rect">
+            <a:avLst/>
+          </a:prstGeom>
+        </p:spPr>
+        <p:txBody>
+          <a:bodyPr wrap="square">
+            <a:spAutoFit/>
+          </a:bodyPr>
+          <a:lstStyle/>
+          <a:p>
+            <a:r>
+              <a:rPr lang="en-US" sz="1200" dirty="0" err="1">
+                <a:solidFill>
+                  <a:schemeClr val="tx1">
+                    <a:lumMod val="75000"/>
+                    <a:lumOff val="25000"/>
+                  </a:schemeClr>
+                </a:solidFill>
+                <a:latin typeface="Bahnschrift Light" panose="020B0502040204020203" pitchFamily="34" charset="0"/>
+              </a:rPr>
+              <a:t>Selain</a:t>
+            </a:r>
+            <a:r>
+              <a:rPr lang="en-US" sz="1200" dirty="0">
+                <a:solidFill>
+                  <a:schemeClr val="tx1">
+                    <a:lumMod val="75000"/>
+                    <a:lumOff val="25000"/>
+                  </a:schemeClr>
+                </a:solidFill>
+                <a:latin typeface="Bahnschrift Light" panose="020B0502040204020203" pitchFamily="34" charset="0"/>
+              </a:rPr>
+              <a:t> </a:t>
+            </a:r>
+            <a:r>
+              <a:rPr lang="en-US" sz="1200" dirty="0" err="1">
+                <a:solidFill>
+                  <a:schemeClr val="tx1">
+                    <a:lumMod val="75000"/>
+                    <a:lumOff val="25000"/>
+                  </a:schemeClr>
+                </a:solidFill>
+                <a:latin typeface="Bahnschrift Light" panose="020B0502040204020203" pitchFamily="34" charset="0"/>
+              </a:rPr>
+              <a:t>untuk</a:t>
+            </a:r>
+            <a:r>
+              <a:rPr lang="en-US" sz="1200" dirty="0">
+                <a:solidFill>
+                  <a:schemeClr val="tx1">
+                    <a:lumMod val="75000"/>
+                    <a:lumOff val="25000"/>
+                  </a:schemeClr>
+                </a:solidFill>
+                <a:latin typeface="Bahnschrift Light" panose="020B0502040204020203" pitchFamily="34" charset="0"/>
+              </a:rPr>
+              <a:t> </a:t>
+            </a:r>
+            <a:r>
+              <a:rPr lang="en-US" sz="1200" dirty="0" err="1">
+                <a:solidFill>
+                  <a:schemeClr val="tx1">
+                    <a:lumMod val="75000"/>
+                    <a:lumOff val="25000"/>
+                  </a:schemeClr>
+                </a:solidFill>
+                <a:latin typeface="Bahnschrift Light" panose="020B0502040204020203" pitchFamily="34" charset="0"/>
+              </a:rPr>
+              <a:t>menandakan</a:t>
+            </a:r>
+            <a:r>
+              <a:rPr lang="en-US" sz="1200" dirty="0">
+                <a:solidFill>
+                  <a:schemeClr val="tx1">
+                    <a:lumMod val="75000"/>
+                    <a:lumOff val="25000"/>
+                  </a:schemeClr>
+                </a:solidFill>
+                <a:latin typeface="Bahnschrift Light" panose="020B0502040204020203" pitchFamily="34" charset="0"/>
+              </a:rPr>
+              <a:t> </a:t>
+            </a:r>
+            <a:r>
+              <a:rPr lang="en-US" sz="1200" dirty="0" err="1">
+                <a:solidFill>
+                  <a:schemeClr val="tx1">
+                    <a:lumMod val="75000"/>
+                    <a:lumOff val="25000"/>
+                  </a:schemeClr>
+                </a:solidFill>
+                <a:latin typeface="Bahnschrift Light" panose="020B0502040204020203" pitchFamily="34" charset="0"/>
+              </a:rPr>
+              <a:t>produk</a:t>
+            </a:r>
+            <a:r>
+              <a:rPr lang="en-US" sz="1200" dirty="0">
+                <a:solidFill>
+                  <a:schemeClr val="tx1">
+                    <a:lumMod val="75000"/>
+                    <a:lumOff val="25000"/>
+                  </a:schemeClr>
+                </a:solidFill>
+                <a:latin typeface="Bahnschrift Light" panose="020B0502040204020203" pitchFamily="34" charset="0"/>
+              </a:rPr>
+              <a:t> yang </a:t>
+            </a:r>
+            <a:r>
+              <a:rPr lang="en-US" sz="1200" dirty="0" err="1">
+                <a:solidFill>
+                  <a:schemeClr val="tx1">
+                    <a:lumMod val="75000"/>
+                    <a:lumOff val="25000"/>
+                  </a:schemeClr>
+                </a:solidFill>
+                <a:latin typeface="Bahnschrift Light" panose="020B0502040204020203" pitchFamily="34" charset="0"/>
+              </a:rPr>
+              <a:t>dijual</a:t>
+            </a:r>
+            <a:r>
+              <a:rPr lang="en-US" sz="1200" dirty="0">
+                <a:solidFill>
+                  <a:schemeClr val="tx1">
+                    <a:lumMod val="75000"/>
+                    <a:lumOff val="25000"/>
+                  </a:schemeClr>
+                </a:solidFill>
+                <a:latin typeface="Bahnschrift Light" panose="020B0502040204020203" pitchFamily="34" charset="0"/>
+              </a:rPr>
+              <a:t> </a:t>
+            </a:r>
+            <a:r>
+              <a:rPr lang="en-US" sz="1200" dirty="0" err="1">
+                <a:solidFill>
+                  <a:schemeClr val="tx1">
+                    <a:lumMod val="75000"/>
+                    <a:lumOff val="25000"/>
+                  </a:schemeClr>
+                </a:solidFill>
+                <a:latin typeface="Bahnschrift Light" panose="020B0502040204020203" pitchFamily="34" charset="0"/>
+              </a:rPr>
+              <a:t>adalah</a:t>
+            </a:r>
+            <a:r>
+              <a:rPr lang="en-US" sz="1200" dirty="0">
+                <a:solidFill>
+                  <a:schemeClr val="tx1">
+                    <a:lumMod val="75000"/>
+                    <a:lumOff val="25000"/>
+                  </a:schemeClr>
+                </a:solidFill>
+                <a:latin typeface="Bahnschrift Light" panose="020B0502040204020203" pitchFamily="34" charset="0"/>
+              </a:rPr>
+              <a:t> </a:t>
+            </a:r>
+            <a:r>
+              <a:rPr lang="en-US" sz="1200" dirty="0" err="1">
+                <a:solidFill>
+                  <a:schemeClr val="tx1">
+                    <a:lumMod val="75000"/>
+                    <a:lumOff val="25000"/>
+                  </a:schemeClr>
+                </a:solidFill>
+                <a:latin typeface="Bahnschrift Light" panose="020B0502040204020203" pitchFamily="34" charset="0"/>
+              </a:rPr>
+              <a:t>buku</a:t>
+            </a:r>
+            <a:endParaRPr lang="en-US" sz="1200" dirty="0">
+              <a:solidFill>
+                <a:schemeClr val="tx1">
+                  <a:lumMod val="75000"/>
+                  <a:lumOff val="25000"/>
+                </a:schemeClr>
+              </a:solidFill>
+              <a:latin typeface="Bahnschrift Light" panose="020B0502040204020203" pitchFamily="34" charset="0"/>
+            </a:endParaRPr>
+          </a:p>
+          <a:p>
+            <a:r>
+              <a:rPr lang="en-US" sz="1200" dirty="0" err="1">
+                <a:solidFill>
+                  <a:schemeClr val="tx1">
+                    <a:lumMod val="75000"/>
+                    <a:lumOff val="25000"/>
+                  </a:schemeClr>
+                </a:solidFill>
+                <a:latin typeface="Bahnschrift Light" panose="020B0502040204020203" pitchFamily="34" charset="0"/>
+              </a:rPr>
+              <a:t>memiliki</a:t>
+            </a:r>
+            <a:r>
+              <a:rPr lang="en-US" sz="1200" dirty="0">
+                <a:solidFill>
+                  <a:schemeClr val="tx1">
+                    <a:lumMod val="75000"/>
+                    <a:lumOff val="25000"/>
+                  </a:schemeClr>
+                </a:solidFill>
+                <a:latin typeface="Bahnschrift Light" panose="020B0502040204020203" pitchFamily="34" charset="0"/>
+              </a:rPr>
+              <a:t> </a:t>
+            </a:r>
+            <a:r>
+              <a:rPr lang="en-US" sz="1200" dirty="0" err="1">
+                <a:solidFill>
+                  <a:schemeClr val="tx1">
+                    <a:lumMod val="75000"/>
+                    <a:lumOff val="25000"/>
+                  </a:schemeClr>
+                </a:solidFill>
+                <a:latin typeface="Bahnschrift Light" panose="020B0502040204020203" pitchFamily="34" charset="0"/>
+              </a:rPr>
+              <a:t>arti</a:t>
+            </a:r>
+            <a:r>
+              <a:rPr lang="en-US" sz="1200" dirty="0">
+                <a:solidFill>
+                  <a:schemeClr val="tx1">
+                    <a:lumMod val="75000"/>
+                    <a:lumOff val="25000"/>
+                  </a:schemeClr>
+                </a:solidFill>
+                <a:latin typeface="Bahnschrift Light" panose="020B0502040204020203" pitchFamily="34" charset="0"/>
+              </a:rPr>
+              <a:t> </a:t>
+            </a:r>
+            <a:r>
+              <a:rPr lang="en-US" sz="1200" dirty="0" err="1">
+                <a:solidFill>
+                  <a:schemeClr val="tx1">
+                    <a:lumMod val="75000"/>
+                    <a:lumOff val="25000"/>
+                  </a:schemeClr>
+                </a:solidFill>
+                <a:latin typeface="Bahnschrift Light" panose="020B0502040204020203" pitchFamily="34" charset="0"/>
+              </a:rPr>
+              <a:t>sebagai</a:t>
+            </a:r>
+            <a:r>
+              <a:rPr lang="en-US" sz="1200" dirty="0">
+                <a:solidFill>
+                  <a:schemeClr val="tx1">
+                    <a:lumMod val="75000"/>
+                    <a:lumOff val="25000"/>
+                  </a:schemeClr>
+                </a:solidFill>
+                <a:latin typeface="Bahnschrift Light" panose="020B0502040204020203" pitchFamily="34" charset="0"/>
+              </a:rPr>
+              <a:t> </a:t>
+            </a:r>
+            <a:r>
+              <a:rPr lang="en-US" sz="1200" dirty="0" err="1">
+                <a:solidFill>
+                  <a:schemeClr val="tx1">
+                    <a:lumMod val="75000"/>
+                    <a:lumOff val="25000"/>
+                  </a:schemeClr>
+                </a:solidFill>
+                <a:latin typeface="Bahnschrift Light" panose="020B0502040204020203" pitchFamily="34" charset="0"/>
+              </a:rPr>
+              <a:t>sumber</a:t>
+            </a:r>
+            <a:r>
+              <a:rPr lang="en-US" sz="1200" dirty="0">
+                <a:solidFill>
+                  <a:schemeClr val="tx1">
+                    <a:lumMod val="75000"/>
+                    <a:lumOff val="25000"/>
+                  </a:schemeClr>
+                </a:solidFill>
+                <a:latin typeface="Bahnschrift Light" panose="020B0502040204020203" pitchFamily="34" charset="0"/>
+              </a:rPr>
+              <a:t> </a:t>
+            </a:r>
+            <a:r>
+              <a:rPr lang="en-US" sz="1200" dirty="0" err="1">
+                <a:solidFill>
+                  <a:schemeClr val="tx1">
+                    <a:lumMod val="75000"/>
+                    <a:lumOff val="25000"/>
+                  </a:schemeClr>
+                </a:solidFill>
+                <a:latin typeface="Bahnschrift Light" panose="020B0502040204020203" pitchFamily="34" charset="0"/>
+              </a:rPr>
+              <a:t>informasi</a:t>
+            </a:r>
+            <a:r>
+              <a:rPr lang="en-US" sz="1200" dirty="0">
+                <a:solidFill>
+                  <a:schemeClr val="tx1">
+                    <a:lumMod val="75000"/>
+                    <a:lumOff val="25000"/>
+                  </a:schemeClr>
+                </a:solidFill>
+                <a:latin typeface="Bahnschrift Light" panose="020B0502040204020203" pitchFamily="34" charset="0"/>
+              </a:rPr>
+              <a:t>. </a:t>
+            </a:r>
+          </a:p>
+          <a:p>
+            <a:endParaRPr lang="en-US" sz="1200" dirty="0">
+              <a:solidFill>
+                <a:schemeClr val="tx1">
+                  <a:lumMod val="75000"/>
+                  <a:lumOff val="25000"/>
+                </a:schemeClr>
+              </a:solidFill>
+              <a:latin typeface="Bahnschrift Light" panose="020B0502040204020203" pitchFamily="34" charset="0"/>
+            </a:endParaRPr>
+          </a:p>
+          <a:p>
+            <a:r>
+              <a:rPr lang="en-US" sz="1200" b="1" dirty="0" err="1">
+                <a:solidFill>
+                  <a:schemeClr val="tx1">
+                    <a:lumMod val="75000"/>
+                    <a:lumOff val="25000"/>
+                  </a:schemeClr>
+                </a:solidFill>
+                <a:latin typeface="Bahnschrift Light" panose="020B0502040204020203" pitchFamily="34" charset="0"/>
+              </a:rPr>
+              <a:t>Buku</a:t>
+            </a:r>
+            <a:r>
+              <a:rPr lang="en-US" sz="1200" dirty="0">
+                <a:solidFill>
+                  <a:schemeClr val="tx1">
+                    <a:lumMod val="75000"/>
+                    <a:lumOff val="25000"/>
+                  </a:schemeClr>
+                </a:solidFill>
+                <a:latin typeface="Bahnschrift Light" panose="020B0502040204020203" pitchFamily="34" charset="0"/>
+              </a:rPr>
+              <a:t> = </a:t>
+            </a:r>
+            <a:r>
+              <a:rPr lang="en-US" sz="1200" dirty="0" err="1">
+                <a:solidFill>
+                  <a:schemeClr val="tx1">
+                    <a:lumMod val="75000"/>
+                    <a:lumOff val="25000"/>
+                  </a:schemeClr>
+                </a:solidFill>
+                <a:latin typeface="Bahnschrift Light" panose="020B0502040204020203" pitchFamily="34" charset="0"/>
+              </a:rPr>
+              <a:t>jendela</a:t>
+            </a:r>
+            <a:r>
+              <a:rPr lang="en-US" sz="1200" dirty="0">
+                <a:solidFill>
+                  <a:schemeClr val="tx1">
+                    <a:lumMod val="75000"/>
+                    <a:lumOff val="25000"/>
+                  </a:schemeClr>
+                </a:solidFill>
+                <a:latin typeface="Bahnschrift Light" panose="020B0502040204020203" pitchFamily="34" charset="0"/>
+              </a:rPr>
+              <a:t> dunia</a:t>
+            </a:r>
+          </a:p>
+          <a:p>
+            <a:endParaRPr lang="en-US" sz="1200" b="1" dirty="0">
+              <a:solidFill>
+                <a:schemeClr val="tx1">
+                  <a:lumMod val="75000"/>
+                  <a:lumOff val="25000"/>
+                </a:schemeClr>
+              </a:solidFill>
+              <a:effectLst/>
+              <a:latin typeface="Bahnschrift Light" panose="020B0502040204020203" pitchFamily="34" charset="0"/>
+            </a:endParaRPr>
+          </a:p>
+          <a:p>
+            <a:r>
+              <a:rPr lang="en-US" sz="1200" b="1" dirty="0">
+                <a:solidFill>
+                  <a:schemeClr val="tx1">
+                    <a:lumMod val="75000"/>
+                    <a:lumOff val="25000"/>
+                  </a:schemeClr>
+                </a:solidFill>
+                <a:latin typeface="Bahnschrift Light" panose="020B0502040204020203" pitchFamily="34" charset="0"/>
+              </a:rPr>
+              <a:t>Terbuka</a:t>
+            </a:r>
+            <a:r>
+              <a:rPr lang="en-US" sz="1200" dirty="0">
+                <a:solidFill>
+                  <a:schemeClr val="tx1">
+                    <a:lumMod val="75000"/>
+                    <a:lumOff val="25000"/>
+                  </a:schemeClr>
+                </a:solidFill>
+                <a:latin typeface="Bahnschrift Light" panose="020B0502040204020203" pitchFamily="34" charset="0"/>
+              </a:rPr>
+              <a:t> </a:t>
+            </a:r>
+            <a:r>
+              <a:rPr lang="en-US" sz="1200" dirty="0">
+                <a:solidFill>
+                  <a:schemeClr val="tx1">
+                    <a:lumMod val="75000"/>
+                    <a:lumOff val="25000"/>
+                  </a:schemeClr>
+                </a:solidFill>
+                <a:latin typeface="Bahnschrift Light" panose="020B0502040204020203" pitchFamily="34" charset="0"/>
+                <a:sym typeface="Wingdings" panose="05000000000000000000" pitchFamily="2" charset="2"/>
+              </a:rPr>
+              <a:t> = </a:t>
+            </a:r>
+            <a:r>
+              <a:rPr lang="en-US" sz="1200" dirty="0" err="1">
+                <a:solidFill>
+                  <a:schemeClr val="tx1">
+                    <a:lumMod val="75000"/>
+                    <a:lumOff val="25000"/>
+                  </a:schemeClr>
+                </a:solidFill>
+                <a:latin typeface="Bahnschrift Light" panose="020B0502040204020203" pitchFamily="34" charset="0"/>
+                <a:sym typeface="Wingdings" panose="05000000000000000000" pitchFamily="2" charset="2"/>
+              </a:rPr>
+              <a:t>bebas</a:t>
+            </a:r>
+            <a:r>
+              <a:rPr lang="en-US" sz="1200" dirty="0">
+                <a:solidFill>
+                  <a:schemeClr val="tx1">
+                    <a:lumMod val="75000"/>
+                    <a:lumOff val="25000"/>
+                  </a:schemeClr>
+                </a:solidFill>
+                <a:latin typeface="Bahnschrift Light" panose="020B0502040204020203" pitchFamily="34" charset="0"/>
+                <a:sym typeface="Wingdings" panose="05000000000000000000" pitchFamily="2" charset="2"/>
+              </a:rPr>
+              <a:t>, </a:t>
+            </a:r>
+            <a:r>
+              <a:rPr lang="en-US" sz="1200" dirty="0" err="1">
+                <a:solidFill>
+                  <a:schemeClr val="tx1">
+                    <a:lumMod val="75000"/>
+                    <a:lumOff val="25000"/>
+                  </a:schemeClr>
+                </a:solidFill>
+                <a:latin typeface="Bahnschrift Light" panose="020B0502040204020203" pitchFamily="34" charset="0"/>
+                <a:sym typeface="Wingdings" panose="05000000000000000000" pitchFamily="2" charset="2"/>
+              </a:rPr>
+              <a:t>luas</a:t>
+            </a:r>
+            <a:endParaRPr lang="en-US" sz="1200" dirty="0">
+              <a:solidFill>
+                <a:schemeClr val="tx1">
+                  <a:lumMod val="75000"/>
+                  <a:lumOff val="25000"/>
+                </a:schemeClr>
+              </a:solidFill>
+              <a:latin typeface="Bahnschrift Light" panose="020B0502040204020203" pitchFamily="34" charset="0"/>
+            </a:endParaRPr>
+          </a:p>
+          <a:p>
+            <a:endParaRPr lang="en-US" sz="1050" b="1" dirty="0">
+              <a:solidFill>
+                <a:schemeClr val="tx1">
+                  <a:lumMod val="75000"/>
+                  <a:lumOff val="25000"/>
+                </a:schemeClr>
+              </a:solidFill>
+              <a:effectLst/>
+              <a:latin typeface="Bahnschrift Light" panose="020B0502040204020203" pitchFamily="34" charset="0"/>
+            </a:endParaRPr>
+          </a:p>
+        </p:txBody>
+      </p:sp>
+      <p:sp>
+        <p:nvSpPr>
+          <p:cNvPr id="11" name="Rectangle 10">
+            <a:extLst>
+              <a:ext uri="{FF2B5EF4-FFF2-40B4-BE49-F238E27FC236}">
+                <a16:creationId xmlns:a16="http://schemas.microsoft.com/office/drawing/2014/main" id="{04585C84-244F-4C5C-AE22-D6EE907C78AB}"/>
+              </a:ext>
+            </a:extLst>
+          </p:cNvPr>
+          <p:cNvSpPr/>
+          <p:nvPr/>
+        </p:nvSpPr>
+        <p:spPr>
+          <a:xfrm>
+            <a:off x="3056560" y="5408045"/>
+            <a:ext cx="2609156" cy="253916"/>
+          </a:xfrm>
+          <a:prstGeom prst="rect">
+            <a:avLst/>
+          </a:prstGeom>
+        </p:spPr>
+        <p:txBody>
+          <a:bodyPr wrap="square">
+            <a:spAutoFit/>
+          </a:bodyPr>
+          <a:lstStyle/>
+          <a:p>
+            <a:endParaRPr lang="en-US" sz="1050" b="1" dirty="0">
+              <a:solidFill>
+                <a:schemeClr val="tx1">
+                  <a:lumMod val="75000"/>
+                  <a:lumOff val="25000"/>
+                </a:schemeClr>
+              </a:solidFill>
+              <a:effectLst/>
+              <a:latin typeface="Bahnschrift Light" panose="020B0502040204020203" pitchFamily="34" charset="0"/>
+            </a:endParaRPr>
+          </a:p>
+        </p:txBody>
+      </p:sp>
+      <p:sp>
+        <p:nvSpPr>
+          <p:cNvPr id="12" name="Rectangle 11">
+            <a:extLst>
+              <a:ext uri="{FF2B5EF4-FFF2-40B4-BE49-F238E27FC236}">
+                <a16:creationId xmlns:a16="http://schemas.microsoft.com/office/drawing/2014/main" id="{6CB1578A-24B6-4609-A2E6-B3303F73ACE9}"/>
+              </a:ext>
+            </a:extLst>
+          </p:cNvPr>
+          <p:cNvSpPr/>
+          <p:nvPr/>
+        </p:nvSpPr>
+        <p:spPr>
+          <a:xfrm>
+            <a:off x="8108935" y="667830"/>
+            <a:ext cx="2497014" cy="276999"/>
+          </a:xfrm>
+          <a:prstGeom prst="rect">
+            <a:avLst/>
+          </a:prstGeom>
+        </p:spPr>
+        <p:txBody>
+          <a:bodyPr wrap="square">
+            <a:spAutoFit/>
+          </a:bodyPr>
+          <a:lstStyle/>
+          <a:p>
+            <a:r>
+              <a:rPr lang="en-US" sz="1200" b="1" dirty="0">
+                <a:solidFill>
+                  <a:schemeClr val="tx1">
+                    <a:lumMod val="75000"/>
+                    <a:lumOff val="25000"/>
+                  </a:schemeClr>
+                </a:solidFill>
+                <a:latin typeface="Bahnschrift Light" panose="020B0502040204020203" pitchFamily="34" charset="0"/>
+              </a:rPr>
+              <a:t>Nama brand BOOKLOOK</a:t>
+            </a:r>
+            <a:endParaRPr lang="en-US" sz="1050" b="1" dirty="0">
+              <a:solidFill>
+                <a:schemeClr val="tx1">
+                  <a:lumMod val="75000"/>
+                  <a:lumOff val="25000"/>
+                </a:schemeClr>
+              </a:solidFill>
+              <a:effectLst/>
+              <a:latin typeface="Bahnschrift Light" panose="020B0502040204020203" pitchFamily="34" charset="0"/>
+            </a:endParaRPr>
+          </a:p>
+        </p:txBody>
+      </p:sp>
+      <p:sp>
+        <p:nvSpPr>
+          <p:cNvPr id="13" name="Rectangle 12">
+            <a:extLst>
+              <a:ext uri="{FF2B5EF4-FFF2-40B4-BE49-F238E27FC236}">
+                <a16:creationId xmlns:a16="http://schemas.microsoft.com/office/drawing/2014/main" id="{87C45E62-D620-40DD-96F1-3F316B244C78}"/>
+              </a:ext>
+            </a:extLst>
+          </p:cNvPr>
+          <p:cNvSpPr/>
+          <p:nvPr/>
+        </p:nvSpPr>
+        <p:spPr>
+          <a:xfrm>
+            <a:off x="7821140" y="1708237"/>
+            <a:ext cx="2609156" cy="253916"/>
+          </a:xfrm>
+          <a:prstGeom prst="rect">
+            <a:avLst/>
+          </a:prstGeom>
+        </p:spPr>
+        <p:txBody>
+          <a:bodyPr wrap="square">
+            <a:spAutoFit/>
+          </a:bodyPr>
+          <a:lstStyle/>
+          <a:p>
+            <a:endParaRPr lang="en-US" sz="1050" b="1" dirty="0">
+              <a:solidFill>
+                <a:schemeClr val="tx1">
+                  <a:lumMod val="75000"/>
+                  <a:lumOff val="25000"/>
+                </a:schemeClr>
+              </a:solidFill>
+              <a:effectLst/>
+              <a:latin typeface="Bahnschrift Light" panose="020B0502040204020203" pitchFamily="34" charset="0"/>
+            </a:endParaRPr>
+          </a:p>
+        </p:txBody>
+      </p:sp>
+      <p:sp>
+        <p:nvSpPr>
+          <p:cNvPr id="14" name="Rectangle 13">
+            <a:extLst>
+              <a:ext uri="{FF2B5EF4-FFF2-40B4-BE49-F238E27FC236}">
+                <a16:creationId xmlns:a16="http://schemas.microsoft.com/office/drawing/2014/main" id="{A412E59C-4523-4FD6-BA58-56FB248735AC}"/>
+              </a:ext>
+            </a:extLst>
+          </p:cNvPr>
+          <p:cNvSpPr/>
+          <p:nvPr/>
+        </p:nvSpPr>
+        <p:spPr>
+          <a:xfrm>
+            <a:off x="8059776" y="894511"/>
+            <a:ext cx="2609156" cy="623248"/>
+          </a:xfrm>
+          <a:prstGeom prst="rect">
+            <a:avLst/>
+          </a:prstGeom>
+        </p:spPr>
+        <p:txBody>
+          <a:bodyPr wrap="square">
+            <a:spAutoFit/>
+          </a:bodyPr>
+          <a:lstStyle/>
+          <a:p>
+            <a:r>
+              <a:rPr lang="en-US" sz="1200" dirty="0" err="1">
+                <a:solidFill>
+                  <a:schemeClr val="tx1">
+                    <a:lumMod val="75000"/>
+                    <a:lumOff val="25000"/>
+                  </a:schemeClr>
+                </a:solidFill>
+                <a:latin typeface="Bahnschrift Light" panose="020B0502040204020203" pitchFamily="34" charset="0"/>
+              </a:rPr>
+              <a:t>Dapat</a:t>
+            </a:r>
+            <a:r>
+              <a:rPr lang="en-US" sz="1200" dirty="0">
+                <a:solidFill>
+                  <a:schemeClr val="tx1">
+                    <a:lumMod val="75000"/>
+                    <a:lumOff val="25000"/>
+                  </a:schemeClr>
+                </a:solidFill>
+                <a:latin typeface="Bahnschrift Light" panose="020B0502040204020203" pitchFamily="34" charset="0"/>
+              </a:rPr>
+              <a:t> </a:t>
+            </a:r>
+            <a:r>
+              <a:rPr lang="en-US" sz="1200" dirty="0" err="1">
+                <a:solidFill>
+                  <a:schemeClr val="tx1">
+                    <a:lumMod val="75000"/>
+                    <a:lumOff val="25000"/>
+                  </a:schemeClr>
+                </a:solidFill>
+                <a:latin typeface="Bahnschrift Light" panose="020B0502040204020203" pitchFamily="34" charset="0"/>
+              </a:rPr>
+              <a:t>melihat</a:t>
+            </a:r>
+            <a:r>
+              <a:rPr lang="en-US" sz="1200" dirty="0">
+                <a:solidFill>
+                  <a:schemeClr val="tx1">
+                    <a:lumMod val="75000"/>
+                    <a:lumOff val="25000"/>
+                  </a:schemeClr>
+                </a:solidFill>
+                <a:latin typeface="Bahnschrift Light" panose="020B0502040204020203" pitchFamily="34" charset="0"/>
+              </a:rPr>
+              <a:t> </a:t>
+            </a:r>
+            <a:r>
+              <a:rPr lang="en-US" sz="1200" dirty="0" err="1">
+                <a:solidFill>
+                  <a:schemeClr val="tx1">
+                    <a:lumMod val="75000"/>
+                    <a:lumOff val="25000"/>
+                  </a:schemeClr>
+                </a:solidFill>
+                <a:latin typeface="Bahnschrift Light" panose="020B0502040204020203" pitchFamily="34" charset="0"/>
+              </a:rPr>
+              <a:t>buku</a:t>
+            </a:r>
+            <a:r>
+              <a:rPr lang="en-US" sz="1200" dirty="0">
+                <a:solidFill>
+                  <a:schemeClr val="tx1">
+                    <a:lumMod val="75000"/>
+                    <a:lumOff val="25000"/>
+                  </a:schemeClr>
+                </a:solidFill>
+                <a:latin typeface="Bahnschrift Light" panose="020B0502040204020203" pitchFamily="34" charset="0"/>
+              </a:rPr>
+              <a:t> </a:t>
+            </a:r>
+            <a:r>
+              <a:rPr lang="en-US" sz="1200" dirty="0" err="1">
+                <a:solidFill>
+                  <a:schemeClr val="tx1">
+                    <a:lumMod val="75000"/>
+                    <a:lumOff val="25000"/>
+                  </a:schemeClr>
+                </a:solidFill>
+                <a:latin typeface="Bahnschrift Light" panose="020B0502040204020203" pitchFamily="34" charset="0"/>
+              </a:rPr>
+              <a:t>tanpa</a:t>
+            </a:r>
+            <a:r>
+              <a:rPr lang="en-US" sz="1200" dirty="0">
+                <a:solidFill>
+                  <a:schemeClr val="tx1">
+                    <a:lumMod val="75000"/>
+                    <a:lumOff val="25000"/>
+                  </a:schemeClr>
+                </a:solidFill>
+                <a:latin typeface="Bahnschrift Light" panose="020B0502040204020203" pitchFamily="34" charset="0"/>
+              </a:rPr>
+              <a:t>  </a:t>
+            </a:r>
+            <a:r>
+              <a:rPr lang="en-US" sz="1200" dirty="0" err="1">
+                <a:solidFill>
+                  <a:schemeClr val="tx1">
+                    <a:lumMod val="75000"/>
+                    <a:lumOff val="25000"/>
+                  </a:schemeClr>
+                </a:solidFill>
+                <a:latin typeface="Bahnschrift Light" panose="020B0502040204020203" pitchFamily="34" charset="0"/>
+              </a:rPr>
+              <a:t>ada</a:t>
+            </a:r>
+            <a:r>
+              <a:rPr lang="en-US" sz="1200" dirty="0">
+                <a:solidFill>
+                  <a:schemeClr val="tx1">
+                    <a:lumMod val="75000"/>
+                    <a:lumOff val="25000"/>
+                  </a:schemeClr>
+                </a:solidFill>
+                <a:latin typeface="Bahnschrift Light" panose="020B0502040204020203" pitchFamily="34" charset="0"/>
+              </a:rPr>
+              <a:t> </a:t>
+            </a:r>
+            <a:r>
+              <a:rPr lang="en-US" sz="1200" dirty="0" err="1">
+                <a:solidFill>
+                  <a:schemeClr val="tx1">
+                    <a:lumMod val="75000"/>
+                    <a:lumOff val="25000"/>
+                  </a:schemeClr>
+                </a:solidFill>
+                <a:latin typeface="Bahnschrift Light" panose="020B0502040204020203" pitchFamily="34" charset="0"/>
+              </a:rPr>
+              <a:t>batas</a:t>
+            </a:r>
+            <a:r>
+              <a:rPr lang="en-US" sz="1200" dirty="0">
+                <a:solidFill>
+                  <a:schemeClr val="tx1">
+                    <a:lumMod val="75000"/>
+                    <a:lumOff val="25000"/>
+                  </a:schemeClr>
+                </a:solidFill>
+                <a:latin typeface="Bahnschrift Light" panose="020B0502040204020203" pitchFamily="34" charset="0"/>
+              </a:rPr>
+              <a:t> dan </a:t>
+            </a:r>
+            <a:r>
+              <a:rPr lang="en-US" sz="1200" dirty="0" err="1">
+                <a:solidFill>
+                  <a:schemeClr val="tx1">
+                    <a:lumMod val="75000"/>
+                    <a:lumOff val="25000"/>
+                  </a:schemeClr>
+                </a:solidFill>
+                <a:latin typeface="Bahnschrift Light" panose="020B0502040204020203" pitchFamily="34" charset="0"/>
+              </a:rPr>
+              <a:t>waktu</a:t>
+            </a:r>
+            <a:endParaRPr lang="en-US" sz="1200" dirty="0">
+              <a:solidFill>
+                <a:schemeClr val="tx1">
+                  <a:lumMod val="75000"/>
+                  <a:lumOff val="25000"/>
+                </a:schemeClr>
+              </a:solidFill>
+              <a:latin typeface="Bahnschrift Light" panose="020B0502040204020203" pitchFamily="34" charset="0"/>
+            </a:endParaRPr>
+          </a:p>
+          <a:p>
+            <a:endParaRPr lang="en-US" sz="1050" b="1" dirty="0">
+              <a:solidFill>
+                <a:schemeClr val="tx1">
+                  <a:lumMod val="75000"/>
+                  <a:lumOff val="25000"/>
+                </a:schemeClr>
+              </a:solidFill>
+              <a:effectLst/>
+              <a:latin typeface="Bahnschrift Light" panose="020B0502040204020203" pitchFamily="34" charset="0"/>
+            </a:endParaRPr>
+          </a:p>
+        </p:txBody>
+      </p:sp>
+      <p:sp>
+        <p:nvSpPr>
+          <p:cNvPr id="15" name="Rectangle 14">
+            <a:extLst>
+              <a:ext uri="{FF2B5EF4-FFF2-40B4-BE49-F238E27FC236}">
+                <a16:creationId xmlns:a16="http://schemas.microsoft.com/office/drawing/2014/main" id="{E28AAE7E-4565-45FE-9646-5645A86FFDCC}"/>
+              </a:ext>
+            </a:extLst>
+          </p:cNvPr>
+          <p:cNvSpPr/>
+          <p:nvPr/>
+        </p:nvSpPr>
+        <p:spPr>
+          <a:xfrm>
+            <a:off x="6061838" y="4226433"/>
+            <a:ext cx="2497014" cy="276999"/>
+          </a:xfrm>
+          <a:prstGeom prst="rect">
+            <a:avLst/>
+          </a:prstGeom>
+        </p:spPr>
+        <p:txBody>
+          <a:bodyPr wrap="square">
+            <a:spAutoFit/>
+          </a:bodyPr>
+          <a:lstStyle/>
+          <a:p>
+            <a:r>
+              <a:rPr lang="en-US" sz="1200" b="1" dirty="0" err="1">
+                <a:solidFill>
+                  <a:schemeClr val="tx1">
+                    <a:lumMod val="75000"/>
+                    <a:lumOff val="25000"/>
+                  </a:schemeClr>
+                </a:solidFill>
+                <a:latin typeface="Bahnschrift Light" panose="020B0502040204020203" pitchFamily="34" charset="0"/>
+              </a:rPr>
+              <a:t>Warna</a:t>
+            </a:r>
+            <a:r>
+              <a:rPr lang="en-US" sz="1200" b="1" dirty="0">
+                <a:solidFill>
+                  <a:schemeClr val="tx1">
+                    <a:lumMod val="75000"/>
+                    <a:lumOff val="25000"/>
+                  </a:schemeClr>
+                </a:solidFill>
+                <a:latin typeface="Bahnschrift Light" panose="020B0502040204020203" pitchFamily="34" charset="0"/>
+              </a:rPr>
+              <a:t> </a:t>
+            </a:r>
+            <a:r>
+              <a:rPr lang="en-US" sz="1200" b="1" dirty="0" err="1">
+                <a:solidFill>
+                  <a:schemeClr val="tx1">
+                    <a:lumMod val="75000"/>
+                    <a:lumOff val="25000"/>
+                  </a:schemeClr>
+                </a:solidFill>
+                <a:latin typeface="Bahnschrift Light" panose="020B0502040204020203" pitchFamily="34" charset="0"/>
+              </a:rPr>
+              <a:t>biru</a:t>
+            </a:r>
+            <a:r>
+              <a:rPr lang="en-US" sz="1200" b="1" dirty="0">
+                <a:solidFill>
+                  <a:schemeClr val="tx1">
+                    <a:lumMod val="75000"/>
+                    <a:lumOff val="25000"/>
+                  </a:schemeClr>
+                </a:solidFill>
+                <a:latin typeface="Bahnschrift Light" panose="020B0502040204020203" pitchFamily="34" charset="0"/>
+              </a:rPr>
+              <a:t> logo</a:t>
+            </a:r>
+            <a:endParaRPr lang="en-US" sz="1050" b="1" dirty="0">
+              <a:solidFill>
+                <a:schemeClr val="tx1">
+                  <a:lumMod val="75000"/>
+                  <a:lumOff val="25000"/>
+                </a:schemeClr>
+              </a:solidFill>
+              <a:effectLst/>
+              <a:latin typeface="Bahnschrift Light" panose="020B0502040204020203" pitchFamily="34" charset="0"/>
+            </a:endParaRPr>
+          </a:p>
+        </p:txBody>
+      </p:sp>
+      <p:sp>
+        <p:nvSpPr>
+          <p:cNvPr id="16" name="Rectangle 15">
+            <a:extLst>
+              <a:ext uri="{FF2B5EF4-FFF2-40B4-BE49-F238E27FC236}">
+                <a16:creationId xmlns:a16="http://schemas.microsoft.com/office/drawing/2014/main" id="{A58C94FC-C63C-4DE0-864A-08D2131530CA}"/>
+              </a:ext>
+            </a:extLst>
+          </p:cNvPr>
+          <p:cNvSpPr/>
+          <p:nvPr/>
+        </p:nvSpPr>
+        <p:spPr>
+          <a:xfrm>
+            <a:off x="6061838" y="4503432"/>
+            <a:ext cx="2609156" cy="646331"/>
+          </a:xfrm>
+          <a:prstGeom prst="rect">
+            <a:avLst/>
+          </a:prstGeom>
+        </p:spPr>
+        <p:txBody>
+          <a:bodyPr wrap="square">
+            <a:spAutoFit/>
+          </a:bodyPr>
+          <a:lstStyle/>
+          <a:p>
+            <a:r>
+              <a:rPr lang="nl-NL" sz="1200" dirty="0"/>
+              <a:t>sesuatu yang penting, dapat dipercaya tanpa memberikan kesan muram dan jahat, pembawa kedamaian.</a:t>
+            </a:r>
+            <a:endParaRPr lang="en-US" sz="1200" dirty="0"/>
+          </a:p>
+        </p:txBody>
+      </p:sp>
+      <p:sp>
+        <p:nvSpPr>
+          <p:cNvPr id="17" name="Rectangle 16">
+            <a:extLst>
+              <a:ext uri="{FF2B5EF4-FFF2-40B4-BE49-F238E27FC236}">
+                <a16:creationId xmlns:a16="http://schemas.microsoft.com/office/drawing/2014/main" id="{2CAD164A-703F-4D72-94F8-29083831A1B6}"/>
+              </a:ext>
+            </a:extLst>
+          </p:cNvPr>
+          <p:cNvSpPr/>
+          <p:nvPr/>
+        </p:nvSpPr>
+        <p:spPr>
+          <a:xfrm>
+            <a:off x="931760" y="5482565"/>
+            <a:ext cx="10587578" cy="461665"/>
+          </a:xfrm>
+          <a:prstGeom prst="rect">
+            <a:avLst/>
+          </a:prstGeom>
+        </p:spPr>
+        <p:txBody>
+          <a:bodyPr wrap="square">
+            <a:spAutoFit/>
+          </a:bodyPr>
+          <a:lstStyle/>
+          <a:p>
+            <a:r>
+              <a:rPr lang="en-US" sz="1200" b="1" dirty="0">
+                <a:solidFill>
+                  <a:schemeClr val="tx1">
+                    <a:lumMod val="75000"/>
+                    <a:lumOff val="25000"/>
+                  </a:schemeClr>
+                </a:solidFill>
+                <a:effectLst/>
+                <a:latin typeface="Bahnschrift Light" panose="020B0502040204020203" pitchFamily="34" charset="0"/>
+              </a:rPr>
+              <a:t>Arti Logo : </a:t>
+            </a:r>
+            <a:r>
+              <a:rPr lang="en-US" sz="1200" b="1" dirty="0" err="1">
+                <a:solidFill>
+                  <a:schemeClr val="tx1">
+                    <a:lumMod val="75000"/>
+                    <a:lumOff val="25000"/>
+                  </a:schemeClr>
+                </a:solidFill>
+                <a:effectLst/>
+                <a:latin typeface="Bahnschrift Light" panose="020B0502040204020203" pitchFamily="34" charset="0"/>
+              </a:rPr>
+              <a:t>Membawa</a:t>
+            </a:r>
+            <a:r>
+              <a:rPr lang="en-US" sz="1200" b="1" dirty="0">
+                <a:solidFill>
+                  <a:schemeClr val="tx1">
+                    <a:lumMod val="75000"/>
+                    <a:lumOff val="25000"/>
+                  </a:schemeClr>
+                </a:solidFill>
+                <a:latin typeface="Bahnschrift Light" panose="020B0502040204020203" pitchFamily="34" charset="0"/>
+              </a:rPr>
+              <a:t> para </a:t>
+            </a:r>
+            <a:r>
+              <a:rPr lang="en-US" sz="1200" b="1" dirty="0" err="1">
+                <a:solidFill>
+                  <a:schemeClr val="tx1">
+                    <a:lumMod val="75000"/>
+                    <a:lumOff val="25000"/>
+                  </a:schemeClr>
+                </a:solidFill>
+                <a:latin typeface="Bahnschrift Light" panose="020B0502040204020203" pitchFamily="34" charset="0"/>
+              </a:rPr>
+              <a:t>pengguna</a:t>
+            </a:r>
+            <a:r>
+              <a:rPr lang="en-US" sz="1200" b="1" dirty="0">
+                <a:solidFill>
+                  <a:schemeClr val="tx1">
+                    <a:lumMod val="75000"/>
+                    <a:lumOff val="25000"/>
+                  </a:schemeClr>
+                </a:solidFill>
+                <a:latin typeface="Bahnschrift Light" panose="020B0502040204020203" pitchFamily="34" charset="0"/>
+              </a:rPr>
+              <a:t> (</a:t>
+            </a:r>
+            <a:r>
+              <a:rPr lang="en-US" sz="1200" b="1" dirty="0" err="1">
+                <a:solidFill>
+                  <a:schemeClr val="tx1">
+                    <a:lumMod val="75000"/>
+                    <a:lumOff val="25000"/>
+                  </a:schemeClr>
+                </a:solidFill>
+                <a:latin typeface="Bahnschrift Light" panose="020B0502040204020203" pitchFamily="34" charset="0"/>
+              </a:rPr>
+              <a:t>pembaca</a:t>
+            </a:r>
+            <a:r>
+              <a:rPr lang="en-US" sz="1200" b="1" dirty="0">
+                <a:solidFill>
+                  <a:schemeClr val="tx1">
+                    <a:lumMod val="75000"/>
+                    <a:lumOff val="25000"/>
+                  </a:schemeClr>
+                </a:solidFill>
+                <a:latin typeface="Bahnschrift Light" panose="020B0502040204020203" pitchFamily="34" charset="0"/>
+              </a:rPr>
+              <a:t>) </a:t>
+            </a:r>
+            <a:r>
+              <a:rPr lang="en-US" sz="1200" b="1" dirty="0" err="1">
+                <a:solidFill>
+                  <a:schemeClr val="tx1">
+                    <a:lumMod val="75000"/>
+                    <a:lumOff val="25000"/>
+                  </a:schemeClr>
+                </a:solidFill>
+                <a:latin typeface="Bahnschrift Light" panose="020B0502040204020203" pitchFamily="34" charset="0"/>
+              </a:rPr>
+              <a:t>untuk</a:t>
+            </a:r>
+            <a:r>
+              <a:rPr lang="en-US" sz="1200" b="1" dirty="0">
+                <a:solidFill>
+                  <a:schemeClr val="tx1">
+                    <a:lumMod val="75000"/>
+                    <a:lumOff val="25000"/>
+                  </a:schemeClr>
+                </a:solidFill>
+                <a:latin typeface="Bahnschrift Light" panose="020B0502040204020203" pitchFamily="34" charset="0"/>
+              </a:rPr>
+              <a:t> </a:t>
+            </a:r>
+            <a:r>
+              <a:rPr lang="en-US" sz="1200" b="1" dirty="0" err="1">
+                <a:solidFill>
+                  <a:schemeClr val="tx1">
+                    <a:lumMod val="75000"/>
+                    <a:lumOff val="25000"/>
+                  </a:schemeClr>
+                </a:solidFill>
+                <a:latin typeface="Bahnschrift Light" panose="020B0502040204020203" pitchFamily="34" charset="0"/>
+              </a:rPr>
+              <a:t>dapat</a:t>
+            </a:r>
+            <a:r>
+              <a:rPr lang="en-US" sz="1200" b="1" dirty="0">
+                <a:solidFill>
+                  <a:schemeClr val="tx1">
+                    <a:lumMod val="75000"/>
+                    <a:lumOff val="25000"/>
+                  </a:schemeClr>
+                </a:solidFill>
+                <a:latin typeface="Bahnschrift Light" panose="020B0502040204020203" pitchFamily="34" charset="0"/>
+              </a:rPr>
+              <a:t> </a:t>
+            </a:r>
+            <a:r>
+              <a:rPr lang="en-US" sz="1200" b="1" dirty="0" err="1">
+                <a:solidFill>
+                  <a:schemeClr val="tx1">
+                    <a:lumMod val="75000"/>
+                    <a:lumOff val="25000"/>
+                  </a:schemeClr>
+                </a:solidFill>
+                <a:latin typeface="Bahnschrift Light" panose="020B0502040204020203" pitchFamily="34" charset="0"/>
+              </a:rPr>
+              <a:t>terus</a:t>
+            </a:r>
+            <a:r>
+              <a:rPr lang="en-US" sz="1200" b="1" dirty="0">
+                <a:solidFill>
+                  <a:schemeClr val="tx1">
+                    <a:lumMod val="75000"/>
+                    <a:lumOff val="25000"/>
+                  </a:schemeClr>
+                </a:solidFill>
+                <a:latin typeface="Bahnschrift Light" panose="020B0502040204020203" pitchFamily="34" charset="0"/>
+              </a:rPr>
+              <a:t> </a:t>
+            </a:r>
+            <a:r>
+              <a:rPr lang="en-US" sz="1200" b="1" dirty="0" err="1">
+                <a:solidFill>
+                  <a:schemeClr val="tx1">
+                    <a:lumMod val="75000"/>
+                    <a:lumOff val="25000"/>
+                  </a:schemeClr>
+                </a:solidFill>
+                <a:latin typeface="Bahnschrift Light" panose="020B0502040204020203" pitchFamily="34" charset="0"/>
+              </a:rPr>
+              <a:t>membuka</a:t>
+            </a:r>
+            <a:r>
+              <a:rPr lang="en-US" sz="1200" b="1" dirty="0">
+                <a:solidFill>
+                  <a:schemeClr val="tx1">
+                    <a:lumMod val="75000"/>
+                    <a:lumOff val="25000"/>
+                  </a:schemeClr>
+                </a:solidFill>
+                <a:latin typeface="Bahnschrift Light" panose="020B0502040204020203" pitchFamily="34" charset="0"/>
+              </a:rPr>
+              <a:t> dan </a:t>
+            </a:r>
+            <a:r>
+              <a:rPr lang="en-US" sz="1200" b="1" dirty="0" err="1">
+                <a:solidFill>
+                  <a:schemeClr val="tx1">
+                    <a:lumMod val="75000"/>
+                    <a:lumOff val="25000"/>
+                  </a:schemeClr>
+                </a:solidFill>
+                <a:latin typeface="Bahnschrift Light" panose="020B0502040204020203" pitchFamily="34" charset="0"/>
+              </a:rPr>
+              <a:t>membaca</a:t>
+            </a:r>
+            <a:r>
+              <a:rPr lang="en-US" sz="1200" b="1" dirty="0">
+                <a:solidFill>
+                  <a:schemeClr val="tx1">
+                    <a:lumMod val="75000"/>
+                    <a:lumOff val="25000"/>
+                  </a:schemeClr>
+                </a:solidFill>
+                <a:latin typeface="Bahnschrift Light" panose="020B0502040204020203" pitchFamily="34" charset="0"/>
+              </a:rPr>
+              <a:t> </a:t>
+            </a:r>
+            <a:r>
+              <a:rPr lang="en-US" sz="1200" b="1" dirty="0" err="1">
+                <a:solidFill>
+                  <a:schemeClr val="tx1">
+                    <a:lumMod val="75000"/>
+                    <a:lumOff val="25000"/>
+                  </a:schemeClr>
+                </a:solidFill>
+                <a:latin typeface="Bahnschrift Light" panose="020B0502040204020203" pitchFamily="34" charset="0"/>
+              </a:rPr>
+              <a:t>buku</a:t>
+            </a:r>
+            <a:r>
+              <a:rPr lang="en-US" sz="1200" b="1" dirty="0">
+                <a:solidFill>
+                  <a:schemeClr val="tx1">
+                    <a:lumMod val="75000"/>
+                    <a:lumOff val="25000"/>
+                  </a:schemeClr>
+                </a:solidFill>
+                <a:latin typeface="Bahnschrift Light" panose="020B0502040204020203" pitchFamily="34" charset="0"/>
+              </a:rPr>
+              <a:t> </a:t>
+            </a:r>
+            <a:r>
+              <a:rPr lang="en-US" sz="1200" b="1" dirty="0" err="1">
+                <a:solidFill>
+                  <a:schemeClr val="tx1">
+                    <a:lumMod val="75000"/>
+                    <a:lumOff val="25000"/>
+                  </a:schemeClr>
+                </a:solidFill>
+                <a:latin typeface="Bahnschrift Light" panose="020B0502040204020203" pitchFamily="34" charset="0"/>
+              </a:rPr>
+              <a:t>dimanapun</a:t>
+            </a:r>
+            <a:r>
+              <a:rPr lang="en-US" sz="1200" b="1" dirty="0">
+                <a:solidFill>
+                  <a:schemeClr val="tx1">
+                    <a:lumMod val="75000"/>
+                    <a:lumOff val="25000"/>
+                  </a:schemeClr>
+                </a:solidFill>
+                <a:latin typeface="Bahnschrift Light" panose="020B0502040204020203" pitchFamily="34" charset="0"/>
+              </a:rPr>
+              <a:t> dan </a:t>
+            </a:r>
+            <a:r>
+              <a:rPr lang="en-US" sz="1200" b="1" dirty="0" err="1">
+                <a:solidFill>
+                  <a:schemeClr val="tx1">
+                    <a:lumMod val="75000"/>
+                    <a:lumOff val="25000"/>
+                  </a:schemeClr>
+                </a:solidFill>
+                <a:latin typeface="Bahnschrift Light" panose="020B0502040204020203" pitchFamily="34" charset="0"/>
+              </a:rPr>
+              <a:t>kapanpun</a:t>
+            </a:r>
+            <a:r>
+              <a:rPr lang="en-US" sz="1200" b="1" dirty="0">
+                <a:solidFill>
+                  <a:schemeClr val="tx1">
+                    <a:lumMod val="75000"/>
+                    <a:lumOff val="25000"/>
+                  </a:schemeClr>
+                </a:solidFill>
+                <a:latin typeface="Bahnschrift Light" panose="020B0502040204020203" pitchFamily="34" charset="0"/>
+              </a:rPr>
+              <a:t> </a:t>
+            </a:r>
+            <a:r>
+              <a:rPr lang="en-US" sz="1200" b="1" dirty="0" err="1">
+                <a:solidFill>
+                  <a:schemeClr val="tx1">
+                    <a:lumMod val="75000"/>
+                    <a:lumOff val="25000"/>
+                  </a:schemeClr>
+                </a:solidFill>
+                <a:latin typeface="Bahnschrift Light" panose="020B0502040204020203" pitchFamily="34" charset="0"/>
+              </a:rPr>
+              <a:t>tanpa</a:t>
+            </a:r>
+            <a:r>
+              <a:rPr lang="en-US" sz="1200" b="1" dirty="0">
+                <a:solidFill>
+                  <a:schemeClr val="tx1">
+                    <a:lumMod val="75000"/>
+                    <a:lumOff val="25000"/>
+                  </a:schemeClr>
+                </a:solidFill>
+                <a:latin typeface="Bahnschrift Light" panose="020B0502040204020203" pitchFamily="34" charset="0"/>
+              </a:rPr>
+              <a:t> </a:t>
+            </a:r>
+            <a:r>
+              <a:rPr lang="en-US" sz="1200" b="1" dirty="0" err="1">
+                <a:solidFill>
+                  <a:schemeClr val="tx1">
+                    <a:lumMod val="75000"/>
+                    <a:lumOff val="25000"/>
+                  </a:schemeClr>
+                </a:solidFill>
+                <a:latin typeface="Bahnschrift Light" panose="020B0502040204020203" pitchFamily="34" charset="0"/>
+              </a:rPr>
+              <a:t>terbatas</a:t>
+            </a:r>
+            <a:r>
+              <a:rPr lang="en-US" sz="1200" b="1" dirty="0">
+                <a:solidFill>
+                  <a:schemeClr val="tx1">
+                    <a:lumMod val="75000"/>
+                    <a:lumOff val="25000"/>
+                  </a:schemeClr>
+                </a:solidFill>
+                <a:latin typeface="Bahnschrift Light" panose="020B0502040204020203" pitchFamily="34" charset="0"/>
+              </a:rPr>
+              <a:t> oleh </a:t>
+            </a:r>
+            <a:r>
+              <a:rPr lang="en-US" sz="1200" b="1" dirty="0" err="1">
+                <a:solidFill>
+                  <a:schemeClr val="tx1">
+                    <a:lumMod val="75000"/>
+                    <a:lumOff val="25000"/>
+                  </a:schemeClr>
+                </a:solidFill>
+                <a:latin typeface="Bahnschrift Light" panose="020B0502040204020203" pitchFamily="34" charset="0"/>
+              </a:rPr>
+              <a:t>waktu</a:t>
+            </a:r>
+            <a:r>
+              <a:rPr lang="en-US" sz="1200" b="1" dirty="0">
+                <a:solidFill>
+                  <a:schemeClr val="tx1">
+                    <a:lumMod val="75000"/>
+                    <a:lumOff val="25000"/>
+                  </a:schemeClr>
+                </a:solidFill>
+                <a:latin typeface="Bahnschrift Light" panose="020B0502040204020203" pitchFamily="34" charset="0"/>
+              </a:rPr>
+              <a:t>, </a:t>
+            </a:r>
+            <a:r>
+              <a:rPr lang="en-US" sz="1200" b="1" dirty="0" err="1">
+                <a:solidFill>
+                  <a:schemeClr val="tx1">
+                    <a:lumMod val="75000"/>
+                    <a:lumOff val="25000"/>
+                  </a:schemeClr>
+                </a:solidFill>
+                <a:latin typeface="Bahnschrift Light" panose="020B0502040204020203" pitchFamily="34" charset="0"/>
+              </a:rPr>
+              <a:t>dengan</a:t>
+            </a:r>
+            <a:r>
+              <a:rPr lang="en-US" sz="1200" b="1" dirty="0">
+                <a:solidFill>
+                  <a:schemeClr val="tx1">
+                    <a:lumMod val="75000"/>
+                    <a:lumOff val="25000"/>
+                  </a:schemeClr>
+                </a:solidFill>
+                <a:latin typeface="Bahnschrift Light" panose="020B0502040204020203" pitchFamily="34" charset="0"/>
+              </a:rPr>
+              <a:t> </a:t>
+            </a:r>
+            <a:r>
+              <a:rPr lang="en-US" sz="1200" b="1" dirty="0" err="1">
+                <a:solidFill>
+                  <a:schemeClr val="tx1">
+                    <a:lumMod val="75000"/>
+                    <a:lumOff val="25000"/>
+                  </a:schemeClr>
+                </a:solidFill>
+                <a:latin typeface="Bahnschrift Light" panose="020B0502040204020203" pitchFamily="34" charset="0"/>
+              </a:rPr>
+              <a:t>harapan</a:t>
+            </a:r>
+            <a:r>
+              <a:rPr lang="en-US" sz="1200" b="1" dirty="0">
+                <a:solidFill>
+                  <a:schemeClr val="tx1">
+                    <a:lumMod val="75000"/>
+                    <a:lumOff val="25000"/>
+                  </a:schemeClr>
+                </a:solidFill>
+                <a:latin typeface="Bahnschrift Light" panose="020B0502040204020203" pitchFamily="34" charset="0"/>
+              </a:rPr>
+              <a:t> website </a:t>
+            </a:r>
+            <a:r>
+              <a:rPr lang="en-US" sz="1200" b="1" dirty="0" err="1">
+                <a:solidFill>
+                  <a:schemeClr val="tx1">
+                    <a:lumMod val="75000"/>
+                    <a:lumOff val="25000"/>
+                  </a:schemeClr>
+                </a:solidFill>
+                <a:latin typeface="Bahnschrift Light" panose="020B0502040204020203" pitchFamily="34" charset="0"/>
+              </a:rPr>
+              <a:t>ini</a:t>
+            </a:r>
+            <a:r>
+              <a:rPr lang="en-US" sz="1200" b="1" dirty="0">
+                <a:solidFill>
+                  <a:schemeClr val="tx1">
+                    <a:lumMod val="75000"/>
+                    <a:lumOff val="25000"/>
+                  </a:schemeClr>
+                </a:solidFill>
+                <a:latin typeface="Bahnschrift Light" panose="020B0502040204020203" pitchFamily="34" charset="0"/>
+              </a:rPr>
+              <a:t> </a:t>
+            </a:r>
+            <a:r>
+              <a:rPr lang="en-US" sz="1200" b="1" dirty="0" err="1">
+                <a:solidFill>
+                  <a:schemeClr val="tx1">
+                    <a:lumMod val="75000"/>
+                    <a:lumOff val="25000"/>
+                  </a:schemeClr>
+                </a:solidFill>
+                <a:latin typeface="Bahnschrift Light" panose="020B0502040204020203" pitchFamily="34" charset="0"/>
+              </a:rPr>
+              <a:t>bisa</a:t>
+            </a:r>
+            <a:r>
+              <a:rPr lang="en-US" sz="1200" b="1" dirty="0">
+                <a:solidFill>
+                  <a:schemeClr val="tx1">
+                    <a:lumMod val="75000"/>
+                    <a:lumOff val="25000"/>
+                  </a:schemeClr>
+                </a:solidFill>
+                <a:latin typeface="Bahnschrift Light" panose="020B0502040204020203" pitchFamily="34" charset="0"/>
+              </a:rPr>
+              <a:t> </a:t>
+            </a:r>
+            <a:r>
+              <a:rPr lang="en-US" sz="1200" b="1" dirty="0" err="1">
+                <a:solidFill>
+                  <a:schemeClr val="tx1">
+                    <a:lumMod val="75000"/>
+                    <a:lumOff val="25000"/>
+                  </a:schemeClr>
+                </a:solidFill>
+                <a:latin typeface="Bahnschrift Light" panose="020B0502040204020203" pitchFamily="34" charset="0"/>
+              </a:rPr>
+              <a:t>membawa</a:t>
+            </a:r>
+            <a:r>
+              <a:rPr lang="en-US" sz="1200" b="1" dirty="0">
+                <a:solidFill>
+                  <a:schemeClr val="tx1">
+                    <a:lumMod val="75000"/>
+                    <a:lumOff val="25000"/>
+                  </a:schemeClr>
+                </a:solidFill>
+                <a:latin typeface="Bahnschrift Light" panose="020B0502040204020203" pitchFamily="34" charset="0"/>
+              </a:rPr>
+              <a:t> </a:t>
+            </a:r>
+            <a:r>
+              <a:rPr lang="en-US" sz="1200" b="1" dirty="0" err="1">
+                <a:solidFill>
+                  <a:schemeClr val="tx1">
+                    <a:lumMod val="75000"/>
+                    <a:lumOff val="25000"/>
+                  </a:schemeClr>
+                </a:solidFill>
+                <a:latin typeface="Bahnschrift Light" panose="020B0502040204020203" pitchFamily="34" charset="0"/>
+              </a:rPr>
+              <a:t>pembaca</a:t>
+            </a:r>
+            <a:r>
+              <a:rPr lang="en-US" sz="1200" b="1" dirty="0">
+                <a:solidFill>
+                  <a:schemeClr val="tx1">
+                    <a:lumMod val="75000"/>
+                    <a:lumOff val="25000"/>
+                  </a:schemeClr>
+                </a:solidFill>
+                <a:latin typeface="Bahnschrift Light" panose="020B0502040204020203" pitchFamily="34" charset="0"/>
+              </a:rPr>
+              <a:t> </a:t>
+            </a:r>
+            <a:r>
+              <a:rPr lang="en-US" sz="1200" b="1" dirty="0" err="1">
+                <a:solidFill>
+                  <a:schemeClr val="tx1">
+                    <a:lumMod val="75000"/>
+                    <a:lumOff val="25000"/>
+                  </a:schemeClr>
+                </a:solidFill>
+                <a:latin typeface="Bahnschrift Light" panose="020B0502040204020203" pitchFamily="34" charset="0"/>
+              </a:rPr>
+              <a:t>membaca</a:t>
+            </a:r>
+            <a:r>
+              <a:rPr lang="en-US" sz="1200" b="1" dirty="0">
+                <a:solidFill>
+                  <a:schemeClr val="tx1">
+                    <a:lumMod val="75000"/>
+                    <a:lumOff val="25000"/>
+                  </a:schemeClr>
+                </a:solidFill>
+                <a:latin typeface="Bahnschrift Light" panose="020B0502040204020203" pitchFamily="34" charset="0"/>
+              </a:rPr>
+              <a:t> </a:t>
+            </a:r>
+            <a:r>
+              <a:rPr lang="en-US" sz="1200" b="1" dirty="0" err="1">
+                <a:solidFill>
+                  <a:schemeClr val="tx1">
+                    <a:lumMod val="75000"/>
+                    <a:lumOff val="25000"/>
+                  </a:schemeClr>
+                </a:solidFill>
+                <a:latin typeface="Bahnschrift Light" panose="020B0502040204020203" pitchFamily="34" charset="0"/>
+              </a:rPr>
+              <a:t>buku</a:t>
+            </a:r>
+            <a:r>
+              <a:rPr lang="en-US" sz="1200" b="1" dirty="0">
+                <a:solidFill>
+                  <a:schemeClr val="tx1">
+                    <a:lumMod val="75000"/>
+                    <a:lumOff val="25000"/>
+                  </a:schemeClr>
+                </a:solidFill>
+                <a:latin typeface="Bahnschrift Light" panose="020B0502040204020203" pitchFamily="34" charset="0"/>
+              </a:rPr>
+              <a:t> </a:t>
+            </a:r>
+            <a:r>
+              <a:rPr lang="en-US" sz="1200" b="1" dirty="0" err="1">
+                <a:solidFill>
+                  <a:schemeClr val="tx1">
+                    <a:lumMod val="75000"/>
+                    <a:lumOff val="25000"/>
+                  </a:schemeClr>
+                </a:solidFill>
+                <a:latin typeface="Bahnschrift Light" panose="020B0502040204020203" pitchFamily="34" charset="0"/>
+              </a:rPr>
+              <a:t>dalam</a:t>
+            </a:r>
+            <a:r>
+              <a:rPr lang="en-US" sz="1200" b="1" dirty="0">
+                <a:solidFill>
+                  <a:schemeClr val="tx1">
+                    <a:lumMod val="75000"/>
+                    <a:lumOff val="25000"/>
+                  </a:schemeClr>
+                </a:solidFill>
+                <a:latin typeface="Bahnschrift Light" panose="020B0502040204020203" pitchFamily="34" charset="0"/>
+              </a:rPr>
+              <a:t> </a:t>
+            </a:r>
+            <a:r>
+              <a:rPr lang="en-US" sz="1200" b="1" dirty="0" err="1">
+                <a:solidFill>
+                  <a:schemeClr val="tx1">
+                    <a:lumMod val="75000"/>
+                    <a:lumOff val="25000"/>
+                  </a:schemeClr>
+                </a:solidFill>
+                <a:latin typeface="Bahnschrift Light" panose="020B0502040204020203" pitchFamily="34" charset="0"/>
+              </a:rPr>
+              <a:t>perasaan</a:t>
+            </a:r>
+            <a:r>
+              <a:rPr lang="en-US" sz="1200" b="1" dirty="0">
+                <a:solidFill>
+                  <a:schemeClr val="tx1">
+                    <a:lumMod val="75000"/>
+                    <a:lumOff val="25000"/>
+                  </a:schemeClr>
+                </a:solidFill>
+                <a:latin typeface="Bahnschrift Light" panose="020B0502040204020203" pitchFamily="34" charset="0"/>
+              </a:rPr>
+              <a:t> </a:t>
+            </a:r>
+            <a:r>
+              <a:rPr lang="en-US" sz="1200" b="1" dirty="0" err="1">
+                <a:solidFill>
+                  <a:schemeClr val="tx1">
+                    <a:lumMod val="75000"/>
+                    <a:lumOff val="25000"/>
+                  </a:schemeClr>
+                </a:solidFill>
+                <a:latin typeface="Bahnschrift Light" panose="020B0502040204020203" pitchFamily="34" charset="0"/>
+              </a:rPr>
+              <a:t>damai</a:t>
+            </a:r>
+            <a:endParaRPr lang="en-US" sz="1050" b="1" dirty="0">
+              <a:solidFill>
+                <a:schemeClr val="tx1">
+                  <a:lumMod val="75000"/>
+                  <a:lumOff val="25000"/>
+                </a:schemeClr>
+              </a:solidFill>
+              <a:effectLst/>
+              <a:latin typeface="Bahnschrift Light" panose="020B0502040204020203" pitchFamily="34" charset="0"/>
+            </a:endParaRPr>
+          </a:p>
+        </p:txBody>
+      </p:sp>
+    </p:spTree>
+    <p:extLst>
+      <p:ext uri="{BB962C8B-B14F-4D97-AF65-F5344CB8AC3E}">
+        <p14:creationId xmlns:p14="http://schemas.microsoft.com/office/powerpoint/2010/main" val="1564882686"/>
+      </p:ext>
+    </p:extLst>
+  </p:cSld>
+  <p:clrMapOvr>
+    <a:masterClrMapping/>
+  </p:clrMapOvr>
+  <p:timing>
+    <p:tnLst>
+      <p:par>
+        <p:cTn id="1" dur="indefinite" restart="never" nodeType="tmRoot">
+          <p:childTnLst>
+            <p:seq concurrent="1" nextAc="seek">
+              <p:cTn id="2" dur="indefinite" nodeType="mainSeq">
+                <p:childTnLst>
+                  <p:par>
+                    <p:cTn id="3" fill="hold">
+                      <p:stCondLst>
+                        <p:cond delay="indefinite"/>
+                      </p:stCondLst>
+                      <p:childTnLst>
+                        <p:par>
+                          <p:cTn id="4" fill="hold">
+                            <p:stCondLst>
+                              <p:cond delay="0"/>
+                            </p:stCondLst>
+                            <p:childTnLst>
+                              <p:par>
+                                <p:cTn id="5" presetID="42" presetClass="entr" presetSubtype="0" fill="hold" grpId="0" nodeType="clickEffect">
+                                  <p:stCondLst>
+                                    <p:cond delay="0"/>
+                                  </p:stCondLst>
+                                  <p:childTnLst>
+                                    <p:set>
+                                      <p:cBhvr>
+                                        <p:cTn id="6" dur="1" fill="hold">
+                                          <p:stCondLst>
+                                            <p:cond delay="0"/>
+                                          </p:stCondLst>
+                                        </p:cTn>
+                                        <p:tgtEl>
+                                          <p:spTgt spid="7"/>
+                                        </p:tgtEl>
+                                        <p:attrNameLst>
+                                          <p:attrName>style.visibility</p:attrName>
+                                        </p:attrNameLst>
+                                      </p:cBhvr>
+                                      <p:to>
+                                        <p:strVal val="visible"/>
+                                      </p:to>
+                                    </p:set>
+                                    <p:animEffect transition="in" filter="fade">
+                                      <p:cBhvr>
+                                        <p:cTn id="7" dur="1000"/>
+                                        <p:tgtEl>
+                                          <p:spTgt spid="7"/>
+                                        </p:tgtEl>
+                                      </p:cBhvr>
+                                    </p:animEffect>
+                                    <p:anim calcmode="lin" valueType="num">
+                                      <p:cBhvr>
+                                        <p:cTn id="8" dur="1000" fill="hold"/>
+                                        <p:tgtEl>
+                                          <p:spTgt spid="7"/>
+                                        </p:tgtEl>
+                                        <p:attrNameLst>
+                                          <p:attrName>ppt_x</p:attrName>
+                                        </p:attrNameLst>
+                                      </p:cBhvr>
+                                      <p:tavLst>
+                                        <p:tav tm="0">
+                                          <p:val>
+                                            <p:strVal val="#ppt_x"/>
+                                          </p:val>
+                                        </p:tav>
+                                        <p:tav tm="100000">
+                                          <p:val>
+                                            <p:strVal val="#ppt_x"/>
+                                          </p:val>
+                                        </p:tav>
+                                      </p:tavLst>
+                                    </p:anim>
+                                    <p:anim calcmode="lin" valueType="num">
+                                      <p:cBhvr>
+                                        <p:cTn id="9" dur="1000" fill="hold"/>
+                                        <p:tgtEl>
+                                          <p:spTgt spid="7"/>
+                                        </p:tgtEl>
+                                        <p:attrNameLst>
+                                          <p:attrName>ppt_y</p:attrName>
+                                        </p:attrNameLst>
+                                      </p:cBhvr>
+                                      <p:tavLst>
+                                        <p:tav tm="0">
+                                          <p:val>
+                                            <p:strVal val="#ppt_y+.1"/>
+                                          </p:val>
+                                        </p:tav>
+                                        <p:tav tm="100000">
+                                          <p:val>
+                                            <p:strVal val="#ppt_y"/>
+                                          </p:val>
+                                        </p:tav>
+                                      </p:tavLst>
+                                    </p:anim>
+                                  </p:childTnLst>
+                                </p:cTn>
+                              </p:par>
+                              <p:par>
+                                <p:cTn id="10" presetID="42" presetClass="entr" presetSubtype="0" fill="hold" grpId="0" nodeType="withEffect">
+                                  <p:stCondLst>
+                                    <p:cond delay="0"/>
+                                  </p:stCondLst>
+                                  <p:childTnLst>
+                                    <p:set>
+                                      <p:cBhvr>
+                                        <p:cTn id="11" dur="1" fill="hold">
+                                          <p:stCondLst>
+                                            <p:cond delay="0"/>
+                                          </p:stCondLst>
+                                        </p:cTn>
+                                        <p:tgtEl>
+                                          <p:spTgt spid="12"/>
+                                        </p:tgtEl>
+                                        <p:attrNameLst>
+                                          <p:attrName>style.visibility</p:attrName>
+                                        </p:attrNameLst>
+                                      </p:cBhvr>
+                                      <p:to>
+                                        <p:strVal val="visible"/>
+                                      </p:to>
+                                    </p:set>
+                                    <p:animEffect transition="in" filter="fade">
+                                      <p:cBhvr>
+                                        <p:cTn id="12" dur="1000"/>
+                                        <p:tgtEl>
+                                          <p:spTgt spid="12"/>
+                                        </p:tgtEl>
+                                      </p:cBhvr>
+                                    </p:animEffect>
+                                    <p:anim calcmode="lin" valueType="num">
+                                      <p:cBhvr>
+                                        <p:cTn id="13" dur="1000" fill="hold"/>
+                                        <p:tgtEl>
+                                          <p:spTgt spid="12"/>
+                                        </p:tgtEl>
+                                        <p:attrNameLst>
+                                          <p:attrName>ppt_x</p:attrName>
+                                        </p:attrNameLst>
+                                      </p:cBhvr>
+                                      <p:tavLst>
+                                        <p:tav tm="0">
+                                          <p:val>
+                                            <p:strVal val="#ppt_x"/>
+                                          </p:val>
+                                        </p:tav>
+                                        <p:tav tm="100000">
+                                          <p:val>
+                                            <p:strVal val="#ppt_x"/>
+                                          </p:val>
+                                        </p:tav>
+                                      </p:tavLst>
+                                    </p:anim>
+                                    <p:anim calcmode="lin" valueType="num">
+                                      <p:cBhvr>
+                                        <p:cTn id="14" dur="1000" fill="hold"/>
+                                        <p:tgtEl>
+                                          <p:spTgt spid="12"/>
+                                        </p:tgtEl>
+                                        <p:attrNameLst>
+                                          <p:attrName>ppt_y</p:attrName>
+                                        </p:attrNameLst>
+                                      </p:cBhvr>
+                                      <p:tavLst>
+                                        <p:tav tm="0">
+                                          <p:val>
+                                            <p:strVal val="#ppt_y+.1"/>
+                                          </p:val>
+                                        </p:tav>
+                                        <p:tav tm="100000">
+                                          <p:val>
+                                            <p:strVal val="#ppt_y"/>
+                                          </p:val>
+                                        </p:tav>
+                                      </p:tavLst>
+                                    </p:anim>
+                                  </p:childTnLst>
+                                </p:cTn>
+                              </p:par>
+                              <p:par>
+                                <p:cTn id="15" presetID="42" presetClass="entr" presetSubtype="0" fill="hold" grpId="0" nodeType="withEffect">
+                                  <p:stCondLst>
+                                    <p:cond delay="0"/>
+                                  </p:stCondLst>
+                                  <p:childTnLst>
+                                    <p:set>
+                                      <p:cBhvr>
+                                        <p:cTn id="16" dur="1" fill="hold">
+                                          <p:stCondLst>
+                                            <p:cond delay="0"/>
+                                          </p:stCondLst>
+                                        </p:cTn>
+                                        <p:tgtEl>
+                                          <p:spTgt spid="14"/>
+                                        </p:tgtEl>
+                                        <p:attrNameLst>
+                                          <p:attrName>style.visibility</p:attrName>
+                                        </p:attrNameLst>
+                                      </p:cBhvr>
+                                      <p:to>
+                                        <p:strVal val="visible"/>
+                                      </p:to>
+                                    </p:set>
+                                    <p:animEffect transition="in" filter="fade">
+                                      <p:cBhvr>
+                                        <p:cTn id="17" dur="1000"/>
+                                        <p:tgtEl>
+                                          <p:spTgt spid="14"/>
+                                        </p:tgtEl>
+                                      </p:cBhvr>
+                                    </p:animEffect>
+                                    <p:anim calcmode="lin" valueType="num">
+                                      <p:cBhvr>
+                                        <p:cTn id="18" dur="1000" fill="hold"/>
+                                        <p:tgtEl>
+                                          <p:spTgt spid="14"/>
+                                        </p:tgtEl>
+                                        <p:attrNameLst>
+                                          <p:attrName>ppt_x</p:attrName>
+                                        </p:attrNameLst>
+                                      </p:cBhvr>
+                                      <p:tavLst>
+                                        <p:tav tm="0">
+                                          <p:val>
+                                            <p:strVal val="#ppt_x"/>
+                                          </p:val>
+                                        </p:tav>
+                                        <p:tav tm="100000">
+                                          <p:val>
+                                            <p:strVal val="#ppt_x"/>
+                                          </p:val>
+                                        </p:tav>
+                                      </p:tavLst>
+                                    </p:anim>
+                                    <p:anim calcmode="lin" valueType="num">
+                                      <p:cBhvr>
+                                        <p:cTn id="19" dur="1000" fill="hold"/>
+                                        <p:tgtEl>
+                                          <p:spTgt spid="14"/>
+                                        </p:tgtEl>
+                                        <p:attrNameLst>
+                                          <p:attrName>ppt_y</p:attrName>
+                                        </p:attrNameLst>
+                                      </p:cBhvr>
+                                      <p:tavLst>
+                                        <p:tav tm="0">
+                                          <p:val>
+                                            <p:strVal val="#ppt_y+.1"/>
+                                          </p:val>
+                                        </p:tav>
+                                        <p:tav tm="100000">
+                                          <p:val>
+                                            <p:strVal val="#ppt_y"/>
+                                          </p:val>
+                                        </p:tav>
+                                      </p:tavLst>
+                                    </p:anim>
+                                  </p:childTnLst>
+                                </p:cTn>
+                              </p:par>
+                            </p:childTnLst>
+                          </p:cTn>
+                        </p:par>
+                      </p:childTnLst>
+                    </p:cTn>
+                  </p:par>
+                  <p:par>
+                    <p:cTn id="20" fill="hold">
+                      <p:stCondLst>
+                        <p:cond delay="indefinite"/>
+                      </p:stCondLst>
+                      <p:childTnLst>
+                        <p:par>
+                          <p:cTn id="21" fill="hold">
+                            <p:stCondLst>
+                              <p:cond delay="0"/>
+                            </p:stCondLst>
+                            <p:childTnLst>
+                              <p:par>
+                                <p:cTn id="22" presetID="42" presetClass="entr" presetSubtype="0" fill="hold" grpId="0" nodeType="clickEffect">
+                                  <p:stCondLst>
+                                    <p:cond delay="0"/>
+                                  </p:stCondLst>
+                                  <p:childTnLst>
+                                    <p:set>
+                                      <p:cBhvr>
+                                        <p:cTn id="23" dur="1" fill="hold">
+                                          <p:stCondLst>
+                                            <p:cond delay="0"/>
+                                          </p:stCondLst>
+                                        </p:cTn>
+                                        <p:tgtEl>
+                                          <p:spTgt spid="6"/>
+                                        </p:tgtEl>
+                                        <p:attrNameLst>
+                                          <p:attrName>style.visibility</p:attrName>
+                                        </p:attrNameLst>
+                                      </p:cBhvr>
+                                      <p:to>
+                                        <p:strVal val="visible"/>
+                                      </p:to>
+                                    </p:set>
+                                    <p:animEffect transition="in" filter="fade">
+                                      <p:cBhvr>
+                                        <p:cTn id="24" dur="1000"/>
+                                        <p:tgtEl>
+                                          <p:spTgt spid="6"/>
+                                        </p:tgtEl>
+                                      </p:cBhvr>
+                                    </p:animEffect>
+                                    <p:anim calcmode="lin" valueType="num">
+                                      <p:cBhvr>
+                                        <p:cTn id="25" dur="1000" fill="hold"/>
+                                        <p:tgtEl>
+                                          <p:spTgt spid="6"/>
+                                        </p:tgtEl>
+                                        <p:attrNameLst>
+                                          <p:attrName>ppt_x</p:attrName>
+                                        </p:attrNameLst>
+                                      </p:cBhvr>
+                                      <p:tavLst>
+                                        <p:tav tm="0">
+                                          <p:val>
+                                            <p:strVal val="#ppt_x"/>
+                                          </p:val>
+                                        </p:tav>
+                                        <p:tav tm="100000">
+                                          <p:val>
+                                            <p:strVal val="#ppt_x"/>
+                                          </p:val>
+                                        </p:tav>
+                                      </p:tavLst>
+                                    </p:anim>
+                                    <p:anim calcmode="lin" valueType="num">
+                                      <p:cBhvr>
+                                        <p:cTn id="26" dur="1000" fill="hold"/>
+                                        <p:tgtEl>
+                                          <p:spTgt spid="6"/>
+                                        </p:tgtEl>
+                                        <p:attrNameLst>
+                                          <p:attrName>ppt_y</p:attrName>
+                                        </p:attrNameLst>
+                                      </p:cBhvr>
+                                      <p:tavLst>
+                                        <p:tav tm="0">
+                                          <p:val>
+                                            <p:strVal val="#ppt_y+.1"/>
+                                          </p:val>
+                                        </p:tav>
+                                        <p:tav tm="100000">
+                                          <p:val>
+                                            <p:strVal val="#ppt_y"/>
+                                          </p:val>
+                                        </p:tav>
+                                      </p:tavLst>
+                                    </p:anim>
+                                  </p:childTnLst>
+                                </p:cTn>
+                              </p:par>
+                              <p:par>
+                                <p:cTn id="27" presetID="42" presetClass="entr" presetSubtype="0" fill="hold" grpId="0" nodeType="withEffect">
+                                  <p:stCondLst>
+                                    <p:cond delay="0"/>
+                                  </p:stCondLst>
+                                  <p:childTnLst>
+                                    <p:set>
+                                      <p:cBhvr>
+                                        <p:cTn id="28" dur="1" fill="hold">
+                                          <p:stCondLst>
+                                            <p:cond delay="0"/>
+                                          </p:stCondLst>
+                                        </p:cTn>
+                                        <p:tgtEl>
+                                          <p:spTgt spid="9"/>
+                                        </p:tgtEl>
+                                        <p:attrNameLst>
+                                          <p:attrName>style.visibility</p:attrName>
+                                        </p:attrNameLst>
+                                      </p:cBhvr>
+                                      <p:to>
+                                        <p:strVal val="visible"/>
+                                      </p:to>
+                                    </p:set>
+                                    <p:animEffect transition="in" filter="fade">
+                                      <p:cBhvr>
+                                        <p:cTn id="29" dur="1000"/>
+                                        <p:tgtEl>
+                                          <p:spTgt spid="9"/>
+                                        </p:tgtEl>
+                                      </p:cBhvr>
+                                    </p:animEffect>
+                                    <p:anim calcmode="lin" valueType="num">
+                                      <p:cBhvr>
+                                        <p:cTn id="30" dur="1000" fill="hold"/>
+                                        <p:tgtEl>
+                                          <p:spTgt spid="9"/>
+                                        </p:tgtEl>
+                                        <p:attrNameLst>
+                                          <p:attrName>ppt_x</p:attrName>
+                                        </p:attrNameLst>
+                                      </p:cBhvr>
+                                      <p:tavLst>
+                                        <p:tav tm="0">
+                                          <p:val>
+                                            <p:strVal val="#ppt_x"/>
+                                          </p:val>
+                                        </p:tav>
+                                        <p:tav tm="100000">
+                                          <p:val>
+                                            <p:strVal val="#ppt_x"/>
+                                          </p:val>
+                                        </p:tav>
+                                      </p:tavLst>
+                                    </p:anim>
+                                    <p:anim calcmode="lin" valueType="num">
+                                      <p:cBhvr>
+                                        <p:cTn id="31" dur="1000" fill="hold"/>
+                                        <p:tgtEl>
+                                          <p:spTgt spid="9"/>
+                                        </p:tgtEl>
+                                        <p:attrNameLst>
+                                          <p:attrName>ppt_y</p:attrName>
+                                        </p:attrNameLst>
+                                      </p:cBhvr>
+                                      <p:tavLst>
+                                        <p:tav tm="0">
+                                          <p:val>
+                                            <p:strVal val="#ppt_y+.1"/>
+                                          </p:val>
+                                        </p:tav>
+                                        <p:tav tm="100000">
+                                          <p:val>
+                                            <p:strVal val="#ppt_y"/>
+                                          </p:val>
+                                        </p:tav>
+                                      </p:tavLst>
+                                    </p:anim>
+                                  </p:childTnLst>
+                                </p:cTn>
+                              </p:par>
+                              <p:par>
+                                <p:cTn id="32" presetID="42" presetClass="entr" presetSubtype="0" fill="hold" grpId="0" nodeType="withEffect">
+                                  <p:stCondLst>
+                                    <p:cond delay="0"/>
+                                  </p:stCondLst>
+                                  <p:childTnLst>
+                                    <p:set>
+                                      <p:cBhvr>
+                                        <p:cTn id="33" dur="1" fill="hold">
+                                          <p:stCondLst>
+                                            <p:cond delay="0"/>
+                                          </p:stCondLst>
+                                        </p:cTn>
+                                        <p:tgtEl>
+                                          <p:spTgt spid="10"/>
+                                        </p:tgtEl>
+                                        <p:attrNameLst>
+                                          <p:attrName>style.visibility</p:attrName>
+                                        </p:attrNameLst>
+                                      </p:cBhvr>
+                                      <p:to>
+                                        <p:strVal val="visible"/>
+                                      </p:to>
+                                    </p:set>
+                                    <p:animEffect transition="in" filter="fade">
+                                      <p:cBhvr>
+                                        <p:cTn id="34" dur="1000"/>
+                                        <p:tgtEl>
+                                          <p:spTgt spid="10"/>
+                                        </p:tgtEl>
+                                      </p:cBhvr>
+                                    </p:animEffect>
+                                    <p:anim calcmode="lin" valueType="num">
+                                      <p:cBhvr>
+                                        <p:cTn id="35" dur="1000" fill="hold"/>
+                                        <p:tgtEl>
+                                          <p:spTgt spid="10"/>
+                                        </p:tgtEl>
+                                        <p:attrNameLst>
+                                          <p:attrName>ppt_x</p:attrName>
+                                        </p:attrNameLst>
+                                      </p:cBhvr>
+                                      <p:tavLst>
+                                        <p:tav tm="0">
+                                          <p:val>
+                                            <p:strVal val="#ppt_x"/>
+                                          </p:val>
+                                        </p:tav>
+                                        <p:tav tm="100000">
+                                          <p:val>
+                                            <p:strVal val="#ppt_x"/>
+                                          </p:val>
+                                        </p:tav>
+                                      </p:tavLst>
+                                    </p:anim>
+                                    <p:anim calcmode="lin" valueType="num">
+                                      <p:cBhvr>
+                                        <p:cTn id="36" dur="1000" fill="hold"/>
+                                        <p:tgtEl>
+                                          <p:spTgt spid="10"/>
+                                        </p:tgtEl>
+                                        <p:attrNameLst>
+                                          <p:attrName>ppt_y</p:attrName>
+                                        </p:attrNameLst>
+                                      </p:cBhvr>
+                                      <p:tavLst>
+                                        <p:tav tm="0">
+                                          <p:val>
+                                            <p:strVal val="#ppt_y+.1"/>
+                                          </p:val>
+                                        </p:tav>
+                                        <p:tav tm="100000">
+                                          <p:val>
+                                            <p:strVal val="#ppt_y"/>
+                                          </p:val>
+                                        </p:tav>
+                                      </p:tavLst>
+                                    </p:anim>
+                                  </p:childTnLst>
+                                </p:cTn>
+                              </p:par>
+                            </p:childTnLst>
+                          </p:cTn>
+                        </p:par>
+                      </p:childTnLst>
+                    </p:cTn>
+                  </p:par>
+                  <p:par>
+                    <p:cTn id="37" fill="hold">
+                      <p:stCondLst>
+                        <p:cond delay="indefinite"/>
+                      </p:stCondLst>
+                      <p:childTnLst>
+                        <p:par>
+                          <p:cTn id="38" fill="hold">
+                            <p:stCondLst>
+                              <p:cond delay="0"/>
+                            </p:stCondLst>
+                            <p:childTnLst>
+                              <p:par>
+                                <p:cTn id="39" presetID="42" presetClass="entr" presetSubtype="0" fill="hold" grpId="0" nodeType="clickEffect">
+                                  <p:stCondLst>
+                                    <p:cond delay="0"/>
+                                  </p:stCondLst>
+                                  <p:childTnLst>
+                                    <p:set>
+                                      <p:cBhvr>
+                                        <p:cTn id="40" dur="1" fill="hold">
+                                          <p:stCondLst>
+                                            <p:cond delay="0"/>
+                                          </p:stCondLst>
+                                        </p:cTn>
+                                        <p:tgtEl>
+                                          <p:spTgt spid="8"/>
+                                        </p:tgtEl>
+                                        <p:attrNameLst>
+                                          <p:attrName>style.visibility</p:attrName>
+                                        </p:attrNameLst>
+                                      </p:cBhvr>
+                                      <p:to>
+                                        <p:strVal val="visible"/>
+                                      </p:to>
+                                    </p:set>
+                                    <p:animEffect transition="in" filter="fade">
+                                      <p:cBhvr>
+                                        <p:cTn id="41" dur="1000"/>
+                                        <p:tgtEl>
+                                          <p:spTgt spid="8"/>
+                                        </p:tgtEl>
+                                      </p:cBhvr>
+                                    </p:animEffect>
+                                    <p:anim calcmode="lin" valueType="num">
+                                      <p:cBhvr>
+                                        <p:cTn id="42" dur="1000" fill="hold"/>
+                                        <p:tgtEl>
+                                          <p:spTgt spid="8"/>
+                                        </p:tgtEl>
+                                        <p:attrNameLst>
+                                          <p:attrName>ppt_x</p:attrName>
+                                        </p:attrNameLst>
+                                      </p:cBhvr>
+                                      <p:tavLst>
+                                        <p:tav tm="0">
+                                          <p:val>
+                                            <p:strVal val="#ppt_x"/>
+                                          </p:val>
+                                        </p:tav>
+                                        <p:tav tm="100000">
+                                          <p:val>
+                                            <p:strVal val="#ppt_x"/>
+                                          </p:val>
+                                        </p:tav>
+                                      </p:tavLst>
+                                    </p:anim>
+                                    <p:anim calcmode="lin" valueType="num">
+                                      <p:cBhvr>
+                                        <p:cTn id="43" dur="1000" fill="hold"/>
+                                        <p:tgtEl>
+                                          <p:spTgt spid="8"/>
+                                        </p:tgtEl>
+                                        <p:attrNameLst>
+                                          <p:attrName>ppt_y</p:attrName>
+                                        </p:attrNameLst>
+                                      </p:cBhvr>
+                                      <p:tavLst>
+                                        <p:tav tm="0">
+                                          <p:val>
+                                            <p:strVal val="#ppt_y+.1"/>
+                                          </p:val>
+                                        </p:tav>
+                                        <p:tav tm="100000">
+                                          <p:val>
+                                            <p:strVal val="#ppt_y"/>
+                                          </p:val>
+                                        </p:tav>
+                                      </p:tavLst>
+                                    </p:anim>
+                                  </p:childTnLst>
+                                </p:cTn>
+                              </p:par>
+                              <p:par>
+                                <p:cTn id="44" presetID="42" presetClass="entr" presetSubtype="0" fill="hold" grpId="0" nodeType="withEffect">
+                                  <p:stCondLst>
+                                    <p:cond delay="0"/>
+                                  </p:stCondLst>
+                                  <p:childTnLst>
+                                    <p:set>
+                                      <p:cBhvr>
+                                        <p:cTn id="45" dur="1" fill="hold">
+                                          <p:stCondLst>
+                                            <p:cond delay="0"/>
+                                          </p:stCondLst>
+                                        </p:cTn>
+                                        <p:tgtEl>
+                                          <p:spTgt spid="16"/>
+                                        </p:tgtEl>
+                                        <p:attrNameLst>
+                                          <p:attrName>style.visibility</p:attrName>
+                                        </p:attrNameLst>
+                                      </p:cBhvr>
+                                      <p:to>
+                                        <p:strVal val="visible"/>
+                                      </p:to>
+                                    </p:set>
+                                    <p:animEffect transition="in" filter="fade">
+                                      <p:cBhvr>
+                                        <p:cTn id="46" dur="1000"/>
+                                        <p:tgtEl>
+                                          <p:spTgt spid="16"/>
+                                        </p:tgtEl>
+                                      </p:cBhvr>
+                                    </p:animEffect>
+                                    <p:anim calcmode="lin" valueType="num">
+                                      <p:cBhvr>
+                                        <p:cTn id="47" dur="1000" fill="hold"/>
+                                        <p:tgtEl>
+                                          <p:spTgt spid="16"/>
+                                        </p:tgtEl>
+                                        <p:attrNameLst>
+                                          <p:attrName>ppt_x</p:attrName>
+                                        </p:attrNameLst>
+                                      </p:cBhvr>
+                                      <p:tavLst>
+                                        <p:tav tm="0">
+                                          <p:val>
+                                            <p:strVal val="#ppt_x"/>
+                                          </p:val>
+                                        </p:tav>
+                                        <p:tav tm="100000">
+                                          <p:val>
+                                            <p:strVal val="#ppt_x"/>
+                                          </p:val>
+                                        </p:tav>
+                                      </p:tavLst>
+                                    </p:anim>
+                                    <p:anim calcmode="lin" valueType="num">
+                                      <p:cBhvr>
+                                        <p:cTn id="48" dur="1000" fill="hold"/>
+                                        <p:tgtEl>
+                                          <p:spTgt spid="16"/>
+                                        </p:tgtEl>
+                                        <p:attrNameLst>
+                                          <p:attrName>ppt_y</p:attrName>
+                                        </p:attrNameLst>
+                                      </p:cBhvr>
+                                      <p:tavLst>
+                                        <p:tav tm="0">
+                                          <p:val>
+                                            <p:strVal val="#ppt_y+.1"/>
+                                          </p:val>
+                                        </p:tav>
+                                        <p:tav tm="100000">
+                                          <p:val>
+                                            <p:strVal val="#ppt_y"/>
+                                          </p:val>
+                                        </p:tav>
+                                      </p:tavLst>
+                                    </p:anim>
+                                  </p:childTnLst>
+                                </p:cTn>
+                              </p:par>
+                              <p:par>
+                                <p:cTn id="49" presetID="42" presetClass="entr" presetSubtype="0" fill="hold" grpId="0" nodeType="withEffect">
+                                  <p:stCondLst>
+                                    <p:cond delay="0"/>
+                                  </p:stCondLst>
+                                  <p:childTnLst>
+                                    <p:set>
+                                      <p:cBhvr>
+                                        <p:cTn id="50" dur="1" fill="hold">
+                                          <p:stCondLst>
+                                            <p:cond delay="0"/>
+                                          </p:stCondLst>
+                                        </p:cTn>
+                                        <p:tgtEl>
+                                          <p:spTgt spid="15"/>
+                                        </p:tgtEl>
+                                        <p:attrNameLst>
+                                          <p:attrName>style.visibility</p:attrName>
+                                        </p:attrNameLst>
+                                      </p:cBhvr>
+                                      <p:to>
+                                        <p:strVal val="visible"/>
+                                      </p:to>
+                                    </p:set>
+                                    <p:animEffect transition="in" filter="fade">
+                                      <p:cBhvr>
+                                        <p:cTn id="51" dur="1000"/>
+                                        <p:tgtEl>
+                                          <p:spTgt spid="15"/>
+                                        </p:tgtEl>
+                                      </p:cBhvr>
+                                    </p:animEffect>
+                                    <p:anim calcmode="lin" valueType="num">
+                                      <p:cBhvr>
+                                        <p:cTn id="52" dur="1000" fill="hold"/>
+                                        <p:tgtEl>
+                                          <p:spTgt spid="15"/>
+                                        </p:tgtEl>
+                                        <p:attrNameLst>
+                                          <p:attrName>ppt_x</p:attrName>
+                                        </p:attrNameLst>
+                                      </p:cBhvr>
+                                      <p:tavLst>
+                                        <p:tav tm="0">
+                                          <p:val>
+                                            <p:strVal val="#ppt_x"/>
+                                          </p:val>
+                                        </p:tav>
+                                        <p:tav tm="100000">
+                                          <p:val>
+                                            <p:strVal val="#ppt_x"/>
+                                          </p:val>
+                                        </p:tav>
+                                      </p:tavLst>
+                                    </p:anim>
+                                    <p:anim calcmode="lin" valueType="num">
+                                      <p:cBhvr>
+                                        <p:cTn id="53" dur="1000" fill="hold"/>
+                                        <p:tgtEl>
+                                          <p:spTgt spid="15"/>
+                                        </p:tgtEl>
+                                        <p:attrNameLst>
+                                          <p:attrName>ppt_y</p:attrName>
+                                        </p:attrNameLst>
+                                      </p:cBhvr>
+                                      <p:tavLst>
+                                        <p:tav tm="0">
+                                          <p:val>
+                                            <p:strVal val="#ppt_y+.1"/>
+                                          </p:val>
+                                        </p:tav>
+                                        <p:tav tm="100000">
+                                          <p:val>
+                                            <p:strVal val="#ppt_y"/>
+                                          </p:val>
+                                        </p:tav>
+                                      </p:tavLst>
+                                    </p:anim>
+                                  </p:childTnLst>
+                                </p:cTn>
+                              </p:par>
+                            </p:childTnLst>
+                          </p:cTn>
+                        </p:par>
+                      </p:childTnLst>
+                    </p:cTn>
+                  </p:par>
+                  <p:par>
+                    <p:cTn id="54" fill="hold">
+                      <p:stCondLst>
+                        <p:cond delay="indefinite"/>
+                      </p:stCondLst>
+                      <p:childTnLst>
+                        <p:par>
+                          <p:cTn id="55" fill="hold">
+                            <p:stCondLst>
+                              <p:cond delay="0"/>
+                            </p:stCondLst>
+                            <p:childTnLst>
+                              <p:par>
+                                <p:cTn id="56" presetID="42" presetClass="entr" presetSubtype="0" fill="hold" grpId="0" nodeType="clickEffect">
+                                  <p:stCondLst>
+                                    <p:cond delay="0"/>
+                                  </p:stCondLst>
+                                  <p:childTnLst>
+                                    <p:set>
+                                      <p:cBhvr>
+                                        <p:cTn id="57" dur="1" fill="hold">
+                                          <p:stCondLst>
+                                            <p:cond delay="0"/>
+                                          </p:stCondLst>
+                                        </p:cTn>
+                                        <p:tgtEl>
+                                          <p:spTgt spid="17"/>
+                                        </p:tgtEl>
+                                        <p:attrNameLst>
+                                          <p:attrName>style.visibility</p:attrName>
+                                        </p:attrNameLst>
+                                      </p:cBhvr>
+                                      <p:to>
+                                        <p:strVal val="visible"/>
+                                      </p:to>
+                                    </p:set>
+                                    <p:animEffect transition="in" filter="fade">
+                                      <p:cBhvr>
+                                        <p:cTn id="58" dur="1000"/>
+                                        <p:tgtEl>
+                                          <p:spTgt spid="17"/>
+                                        </p:tgtEl>
+                                      </p:cBhvr>
+                                    </p:animEffect>
+                                    <p:anim calcmode="lin" valueType="num">
+                                      <p:cBhvr>
+                                        <p:cTn id="59" dur="1000" fill="hold"/>
+                                        <p:tgtEl>
+                                          <p:spTgt spid="17"/>
+                                        </p:tgtEl>
+                                        <p:attrNameLst>
+                                          <p:attrName>ppt_x</p:attrName>
+                                        </p:attrNameLst>
+                                      </p:cBhvr>
+                                      <p:tavLst>
+                                        <p:tav tm="0">
+                                          <p:val>
+                                            <p:strVal val="#ppt_x"/>
+                                          </p:val>
+                                        </p:tav>
+                                        <p:tav tm="100000">
+                                          <p:val>
+                                            <p:strVal val="#ppt_x"/>
+                                          </p:val>
+                                        </p:tav>
+                                      </p:tavLst>
+                                    </p:anim>
+                                    <p:anim calcmode="lin" valueType="num">
+                                      <p:cBhvr>
+                                        <p:cTn id="60" dur="1000" fill="hold"/>
+                                        <p:tgtEl>
+                                          <p:spTgt spid="17"/>
+                                        </p:tgtEl>
+                                        <p:attrNameLst>
+                                          <p:attrName>ppt_y</p:attrName>
+                                        </p:attrNameLst>
+                                      </p:cBhvr>
+                                      <p:tavLst>
+                                        <p:tav tm="0">
+                                          <p:val>
+                                            <p:strVal val="#ppt_y+.1"/>
+                                          </p:val>
+                                        </p:tav>
+                                        <p:tav tm="100000">
+                                          <p:val>
+                                            <p:strVal val="#ppt_y"/>
+                                          </p:val>
+                                        </p:tav>
+                                      </p:tavLst>
+                                    </p:anim>
+                                  </p:childTnLst>
+                                </p:cTn>
+                              </p:par>
+                            </p:childTnLst>
+                          </p:cTn>
+                        </p:par>
+                      </p:childTnLst>
+                    </p:cTn>
+                  </p:par>
+                </p:childTnLst>
+              </p:cTn>
+              <p:prevCondLst>
+                <p:cond evt="onPrev" delay="0">
+                  <p:tgtEl>
+                    <p:sldTgt/>
+                  </p:tgtEl>
+                </p:cond>
+              </p:prevCondLst>
+              <p:nextCondLst>
+                <p:cond evt="onNext" delay="0">
+                  <p:tgtEl>
+                    <p:sldTgt/>
+                  </p:tgtEl>
+                </p:cond>
+              </p:nextCondLst>
+            </p:seq>
+          </p:childTnLst>
+        </p:cTn>
+      </p:par>
+    </p:tnLst>
+    <p:bldLst>
+      <p:bldP spid="6" grpId="0" animBg="1"/>
+      <p:bldP spid="7" grpId="0" animBg="1"/>
+      <p:bldP spid="8" grpId="0" animBg="1"/>
+      <p:bldP spid="9" grpId="0"/>
+      <p:bldP spid="10" grpId="0"/>
+      <p:bldP spid="12" grpId="0"/>
+      <p:bldP spid="14" grpId="0"/>
+      <p:bldP spid="15" grpId="0"/>
+      <p:bldP spid="16" grpId="0"/>
+      <p:bldP spid="17" grpId="0"/>
+    </p:bldLst>
+  </p:timing>
+</p:sld>
+</file>
+
+<file path=ppt/slides/slide3.xml><?xml version="1.0" encoding="utf-8"?>
 <p:sld xmlns:a="http://schemas.openxmlformats.org/drawingml/2006/main" xmlns:r="http://schemas.openxmlformats.org/officeDocument/2006/relationships" xmlns:p="http://schemas.openxmlformats.org/presentationml/2006/main">
   <p:cSld>
     <p:spTree>
@@ -6435,7 +10165,7 @@
 </p:sld>
 </file>
 
-<file path=ppt/slides/slide3.xml><?xml version="1.0" encoding="utf-8"?>
+<file path=ppt/slides/slide4.xml><?xml version="1.0" encoding="utf-8"?>
 <p:sld xmlns:a="http://schemas.openxmlformats.org/drawingml/2006/main" xmlns:r="http://schemas.openxmlformats.org/officeDocument/2006/relationships" xmlns:p="http://schemas.openxmlformats.org/presentationml/2006/main">
   <p:cSld>
     <p:spTree>
@@ -8274,7 +12004,7 @@
         </p:blipFill>
         <p:spPr>
           <a:xfrm>
-            <a:off x="2888553" y="581657"/>
+            <a:off x="2956795" y="586235"/>
             <a:ext cx="231143" cy="231143"/>
           </a:xfrm>
           <a:prstGeom prst="rect">
@@ -10627,7 +14357,7 @@
 </p:sld>
 </file>
 
-<file path=ppt/slides/slide4.xml><?xml version="1.0" encoding="utf-8"?>
+<file path=ppt/slides/slide5.xml><?xml version="1.0" encoding="utf-8"?>
 <p:sld xmlns:a="http://schemas.openxmlformats.org/drawingml/2006/main" xmlns:r="http://schemas.openxmlformats.org/officeDocument/2006/relationships" xmlns:p="http://schemas.openxmlformats.org/presentationml/2006/main">
   <p:cSld>
     <p:spTree>
@@ -12574,7 +16304,7 @@
 </p:sld>
 </file>
 
-<file path=ppt/slides/slide5.xml><?xml version="1.0" encoding="utf-8"?>
+<file path=ppt/slides/slide6.xml><?xml version="1.0" encoding="utf-8"?>
 <p:sld xmlns:a="http://schemas.openxmlformats.org/drawingml/2006/main" xmlns:r="http://schemas.openxmlformats.org/officeDocument/2006/relationships" xmlns:p="http://schemas.openxmlformats.org/presentationml/2006/main">
   <p:cSld>
     <p:spTree>
@@ -14961,7 +18691,7 @@
 </p:sld>
 </file>
 
-<file path=ppt/slides/slide6.xml><?xml version="1.0" encoding="utf-8"?>
+<file path=ppt/slides/slide7.xml><?xml version="1.0" encoding="utf-8"?>
 <p:sld xmlns:a="http://schemas.openxmlformats.org/drawingml/2006/main" xmlns:r="http://schemas.openxmlformats.org/officeDocument/2006/relationships" xmlns:p="http://schemas.openxmlformats.org/presentationml/2006/main">
   <p:cSld>
     <p:spTree>
@@ -15085,10 +18815,103 @@
       </p:sp>
       <p:pic>
         <p:nvPicPr>
-          <p:cNvPr id="60" name="Picture 59">
+          <p:cNvPr id="6" name="Picture 5">
             <a:extLst>
               <a:ext uri="{FF2B5EF4-FFF2-40B4-BE49-F238E27FC236}">
-                <a16:creationId xmlns:a16="http://schemas.microsoft.com/office/drawing/2014/main" id="{EB8A5AE2-8177-4EC3-A003-E3B397C7AB35}"/>
+                <a16:creationId xmlns:a16="http://schemas.microsoft.com/office/drawing/2014/main" id="{2AC381F0-6E84-4BDC-B38C-FC293E781BA1}"/>
+              </a:ext>
+            </a:extLst>
+          </p:cNvPr>
+          <p:cNvPicPr/>
+          <p:nvPr/>
+        </p:nvPicPr>
+        <p:blipFill>
+          <a:blip r:embed="rId2">
+            <a:extLst>
+              <a:ext uri="{28A0092B-C50C-407E-A947-70E740481C1C}">
+                <a14:useLocalDpi xmlns:a14="http://schemas.microsoft.com/office/drawing/2010/main" val="0"/>
+              </a:ext>
+            </a:extLst>
+          </a:blip>
+          <a:srcRect/>
+          <a:stretch>
+            <a:fillRect/>
+          </a:stretch>
+        </p:blipFill>
+        <p:spPr bwMode="auto">
+          <a:xfrm>
+            <a:off x="2227738" y="728254"/>
+            <a:ext cx="7959262" cy="5551075"/>
+          </a:xfrm>
+          <a:prstGeom prst="rect">
+            <a:avLst/>
+          </a:prstGeom>
+          <a:noFill/>
+          <a:ln>
+            <a:noFill/>
+          </a:ln>
+        </p:spPr>
+      </p:pic>
+      <p:sp>
+        <p:nvSpPr>
+          <p:cNvPr id="3" name="Rectangle 2">
+            <a:extLst>
+              <a:ext uri="{FF2B5EF4-FFF2-40B4-BE49-F238E27FC236}">
+                <a16:creationId xmlns:a16="http://schemas.microsoft.com/office/drawing/2014/main" id="{8839E065-233B-4DA6-B0E1-9BBC2BB20BC8}"/>
+              </a:ext>
+            </a:extLst>
+          </p:cNvPr>
+          <p:cNvSpPr/>
+          <p:nvPr/>
+        </p:nvSpPr>
+        <p:spPr>
+          <a:xfrm>
+            <a:off x="2133600" y="728254"/>
+            <a:ext cx="8153400" cy="5551075"/>
+          </a:xfrm>
+          <a:prstGeom prst="rect">
+            <a:avLst/>
+          </a:prstGeom>
+          <a:solidFill>
+            <a:srgbClr val="ADA9A9">
+              <a:alpha val="74902"/>
+            </a:srgbClr>
+          </a:solidFill>
+          <a:ln>
+            <a:noFill/>
+          </a:ln>
+        </p:spPr>
+        <p:style>
+          <a:lnRef idx="2">
+            <a:schemeClr val="accent1">
+              <a:shade val="50000"/>
+            </a:schemeClr>
+          </a:lnRef>
+          <a:fillRef idx="1">
+            <a:schemeClr val="accent1"/>
+          </a:fillRef>
+          <a:effectRef idx="0">
+            <a:schemeClr val="accent1"/>
+          </a:effectRef>
+          <a:fontRef idx="minor">
+            <a:schemeClr val="lt1"/>
+          </a:fontRef>
+        </p:style>
+        <p:txBody>
+          <a:bodyPr rtlCol="0" anchor="ctr"/>
+          <a:lstStyle/>
+          <a:p>
+            <a:pPr algn="ctr"/>
+            <a:endParaRPr lang="en-US"/>
+          </a:p>
+        </p:txBody>
+      </p:sp>
+      <p:pic>
+        <p:nvPicPr>
+          <p:cNvPr id="2" name="Picture 1">
+            <a:extLst>
+              <a:ext uri="{FF2B5EF4-FFF2-40B4-BE49-F238E27FC236}">
+                <a16:creationId xmlns:a16="http://schemas.microsoft.com/office/drawing/2014/main" id="{E4128BFE-BD62-4074-AB02-91C88F8803CE}"/>
               </a:ext>
             </a:extLst>
           </p:cNvPr>
@@ -15098,7 +18921,37 @@
           <p:nvPr/>
         </p:nvPicPr>
         <p:blipFill>
-          <a:blip r:embed="rId2">
+          <a:blip r:embed="rId3"/>
+          <a:stretch>
+            <a:fillRect/>
+          </a:stretch>
+        </p:blipFill>
+        <p:spPr>
+          <a:xfrm>
+            <a:off x="3283888" y="147182"/>
+            <a:ext cx="6128316" cy="6251554"/>
+          </a:xfrm>
+          <a:prstGeom prst="rect">
+            <a:avLst/>
+          </a:prstGeom>
+        </p:spPr>
+      </p:pic>
+      <p:pic>
+        <p:nvPicPr>
+          <p:cNvPr id="60" name="Picture 59">
+            <a:extLst>
+              <a:ext uri="{FF2B5EF4-FFF2-40B4-BE49-F238E27FC236}">
+                <a16:creationId xmlns:a16="http://schemas.microsoft.com/office/drawing/2014/main" id="{EB8A5AE2-8177-4EC3-A003-E3B397C7AB35}"/>
+              </a:ext>
+            </a:extLst>
+          </p:cNvPr>
+          <p:cNvPicPr>
+            <a:picLocks noChangeAspect="1"/>
+          </p:cNvPicPr>
+          <p:nvPr/>
+        </p:nvPicPr>
+        <p:blipFill>
+          <a:blip r:embed="rId4">
             <a:extLst>
               <a:ext uri="{28A0092B-C50C-407E-A947-70E740481C1C}">
                 <a14:useLocalDpi xmlns:a14="http://schemas.microsoft.com/office/drawing/2010/main" val="0"/>
@@ -15113,6 +18966,96 @@
           <a:xfrm>
             <a:off x="19226" y="6398736"/>
             <a:ext cx="1778424" cy="281602"/>
+          </a:xfrm>
+          <a:prstGeom prst="rect">
+            <a:avLst/>
+          </a:prstGeom>
+        </p:spPr>
+      </p:pic>
+      <p:pic>
+        <p:nvPicPr>
+          <p:cNvPr id="7" name="Picture 6">
+            <a:extLst>
+              <a:ext uri="{FF2B5EF4-FFF2-40B4-BE49-F238E27FC236}">
+                <a16:creationId xmlns:a16="http://schemas.microsoft.com/office/drawing/2014/main" id="{E497C0C8-A8D6-41F9-9868-DF8B9D73CF00}"/>
+              </a:ext>
+            </a:extLst>
+          </p:cNvPr>
+          <p:cNvPicPr>
+            <a:picLocks noChangeAspect="1"/>
+          </p:cNvPicPr>
+          <p:nvPr/>
+        </p:nvPicPr>
+        <p:blipFill>
+          <a:blip r:embed="rId5"/>
+          <a:stretch>
+            <a:fillRect/>
+          </a:stretch>
+        </p:blipFill>
+        <p:spPr>
+          <a:xfrm>
+            <a:off x="1293897" y="728254"/>
+            <a:ext cx="9826943" cy="5401492"/>
+          </a:xfrm>
+          <a:prstGeom prst="rect">
+            <a:avLst/>
+          </a:prstGeom>
+        </p:spPr>
+      </p:pic>
+      <p:pic>
+        <p:nvPicPr>
+          <p:cNvPr id="9" name="Picture 8">
+            <a:extLst>
+              <a:ext uri="{FF2B5EF4-FFF2-40B4-BE49-F238E27FC236}">
+                <a16:creationId xmlns:a16="http://schemas.microsoft.com/office/drawing/2014/main" id="{C7A7E9B2-F7D3-4E71-9065-0BA75A3713EB}"/>
+              </a:ext>
+            </a:extLst>
+          </p:cNvPr>
+          <p:cNvPicPr>
+            <a:picLocks noChangeAspect="1"/>
+          </p:cNvPicPr>
+          <p:nvPr/>
+        </p:nvPicPr>
+        <p:blipFill>
+          <a:blip r:embed="rId6"/>
+          <a:stretch>
+            <a:fillRect/>
+          </a:stretch>
+        </p:blipFill>
+        <p:spPr>
+          <a:xfrm>
+            <a:off x="1071160" y="1914658"/>
+            <a:ext cx="10402531" cy="2137506"/>
+          </a:xfrm>
+          <a:prstGeom prst="rect">
+            <a:avLst/>
+          </a:prstGeom>
+        </p:spPr>
+      </p:pic>
+      <p:pic>
+        <p:nvPicPr>
+          <p:cNvPr id="10" name="Picture 9">
+            <a:extLst>
+              <a:ext uri="{FF2B5EF4-FFF2-40B4-BE49-F238E27FC236}">
+                <a16:creationId xmlns:a16="http://schemas.microsoft.com/office/drawing/2014/main" id="{3A213F87-8865-42FE-B7A0-DB577E4D8924}"/>
+              </a:ext>
+            </a:extLst>
+          </p:cNvPr>
+          <p:cNvPicPr>
+            <a:picLocks noChangeAspect="1"/>
+          </p:cNvPicPr>
+          <p:nvPr/>
+        </p:nvPicPr>
+        <p:blipFill>
+          <a:blip r:embed="rId7"/>
+          <a:stretch>
+            <a:fillRect/>
+          </a:stretch>
+        </p:blipFill>
+        <p:spPr>
+          <a:xfrm>
+            <a:off x="1071160" y="634851"/>
+            <a:ext cx="9520125" cy="5763885"/>
           </a:xfrm>
           <a:prstGeom prst="rect">
             <a:avLst/>
@@ -15129,10 +19072,724 @@
   <p:clrMapOvr>
     <a:masterClrMapping/>
   </p:clrMapOvr>
+  <p:timing>
+    <p:tnLst>
+      <p:par>
+        <p:cTn id="1" dur="indefinite" restart="never" nodeType="tmRoot">
+          <p:childTnLst>
+            <p:seq concurrent="1" nextAc="seek">
+              <p:cTn id="2" dur="indefinite" nodeType="mainSeq">
+                <p:childTnLst>
+                  <p:par>
+                    <p:cTn id="3" fill="hold">
+                      <p:stCondLst>
+                        <p:cond delay="indefinite"/>
+                      </p:stCondLst>
+                      <p:childTnLst>
+                        <p:par>
+                          <p:cTn id="4" fill="hold">
+                            <p:stCondLst>
+                              <p:cond delay="0"/>
+                            </p:stCondLst>
+                            <p:childTnLst>
+                              <p:par>
+                                <p:cTn id="5" presetID="42" presetClass="entr" presetSubtype="0" fill="hold" nodeType="clickEffect">
+                                  <p:stCondLst>
+                                    <p:cond delay="0"/>
+                                  </p:stCondLst>
+                                  <p:childTnLst>
+                                    <p:set>
+                                      <p:cBhvr>
+                                        <p:cTn id="6" dur="1" fill="hold">
+                                          <p:stCondLst>
+                                            <p:cond delay="0"/>
+                                          </p:stCondLst>
+                                        </p:cTn>
+                                        <p:tgtEl>
+                                          <p:spTgt spid="6"/>
+                                        </p:tgtEl>
+                                        <p:attrNameLst>
+                                          <p:attrName>style.visibility</p:attrName>
+                                        </p:attrNameLst>
+                                      </p:cBhvr>
+                                      <p:to>
+                                        <p:strVal val="visible"/>
+                                      </p:to>
+                                    </p:set>
+                                    <p:animEffect transition="in" filter="fade">
+                                      <p:cBhvr>
+                                        <p:cTn id="7" dur="1000"/>
+                                        <p:tgtEl>
+                                          <p:spTgt spid="6"/>
+                                        </p:tgtEl>
+                                      </p:cBhvr>
+                                    </p:animEffect>
+                                    <p:anim calcmode="lin" valueType="num">
+                                      <p:cBhvr>
+                                        <p:cTn id="8" dur="1000" fill="hold"/>
+                                        <p:tgtEl>
+                                          <p:spTgt spid="6"/>
+                                        </p:tgtEl>
+                                        <p:attrNameLst>
+                                          <p:attrName>ppt_x</p:attrName>
+                                        </p:attrNameLst>
+                                      </p:cBhvr>
+                                      <p:tavLst>
+                                        <p:tav tm="0">
+                                          <p:val>
+                                            <p:strVal val="#ppt_x"/>
+                                          </p:val>
+                                        </p:tav>
+                                        <p:tav tm="100000">
+                                          <p:val>
+                                            <p:strVal val="#ppt_x"/>
+                                          </p:val>
+                                        </p:tav>
+                                      </p:tavLst>
+                                    </p:anim>
+                                    <p:anim calcmode="lin" valueType="num">
+                                      <p:cBhvr>
+                                        <p:cTn id="9" dur="1000" fill="hold"/>
+                                        <p:tgtEl>
+                                          <p:spTgt spid="6"/>
+                                        </p:tgtEl>
+                                        <p:attrNameLst>
+                                          <p:attrName>ppt_y</p:attrName>
+                                        </p:attrNameLst>
+                                      </p:cBhvr>
+                                      <p:tavLst>
+                                        <p:tav tm="0">
+                                          <p:val>
+                                            <p:strVal val="#ppt_y+.1"/>
+                                          </p:val>
+                                        </p:tav>
+                                        <p:tav tm="100000">
+                                          <p:val>
+                                            <p:strVal val="#ppt_y"/>
+                                          </p:val>
+                                        </p:tav>
+                                      </p:tavLst>
+                                    </p:anim>
+                                  </p:childTnLst>
+                                </p:cTn>
+                              </p:par>
+                            </p:childTnLst>
+                          </p:cTn>
+                        </p:par>
+                      </p:childTnLst>
+                    </p:cTn>
+                  </p:par>
+                  <p:par>
+                    <p:cTn id="10" fill="hold">
+                      <p:stCondLst>
+                        <p:cond delay="indefinite"/>
+                      </p:stCondLst>
+                      <p:childTnLst>
+                        <p:par>
+                          <p:cTn id="11" fill="hold">
+                            <p:stCondLst>
+                              <p:cond delay="0"/>
+                            </p:stCondLst>
+                            <p:childTnLst>
+                              <p:par>
+                                <p:cTn id="12" presetID="42" presetClass="entr" presetSubtype="0" fill="hold" nodeType="clickEffect">
+                                  <p:stCondLst>
+                                    <p:cond delay="0"/>
+                                  </p:stCondLst>
+                                  <p:childTnLst>
+                                    <p:set>
+                                      <p:cBhvr>
+                                        <p:cTn id="13" dur="1" fill="hold">
+                                          <p:stCondLst>
+                                            <p:cond delay="0"/>
+                                          </p:stCondLst>
+                                        </p:cTn>
+                                        <p:tgtEl>
+                                          <p:spTgt spid="2"/>
+                                        </p:tgtEl>
+                                        <p:attrNameLst>
+                                          <p:attrName>style.visibility</p:attrName>
+                                        </p:attrNameLst>
+                                      </p:cBhvr>
+                                      <p:to>
+                                        <p:strVal val="visible"/>
+                                      </p:to>
+                                    </p:set>
+                                    <p:animEffect transition="in" filter="fade">
+                                      <p:cBhvr>
+                                        <p:cTn id="14" dur="1000"/>
+                                        <p:tgtEl>
+                                          <p:spTgt spid="2"/>
+                                        </p:tgtEl>
+                                      </p:cBhvr>
+                                    </p:animEffect>
+                                    <p:anim calcmode="lin" valueType="num">
+                                      <p:cBhvr>
+                                        <p:cTn id="15" dur="1000" fill="hold"/>
+                                        <p:tgtEl>
+                                          <p:spTgt spid="2"/>
+                                        </p:tgtEl>
+                                        <p:attrNameLst>
+                                          <p:attrName>ppt_x</p:attrName>
+                                        </p:attrNameLst>
+                                      </p:cBhvr>
+                                      <p:tavLst>
+                                        <p:tav tm="0">
+                                          <p:val>
+                                            <p:strVal val="#ppt_x"/>
+                                          </p:val>
+                                        </p:tav>
+                                        <p:tav tm="100000">
+                                          <p:val>
+                                            <p:strVal val="#ppt_x"/>
+                                          </p:val>
+                                        </p:tav>
+                                      </p:tavLst>
+                                    </p:anim>
+                                    <p:anim calcmode="lin" valueType="num">
+                                      <p:cBhvr>
+                                        <p:cTn id="16" dur="1000" fill="hold"/>
+                                        <p:tgtEl>
+                                          <p:spTgt spid="2"/>
+                                        </p:tgtEl>
+                                        <p:attrNameLst>
+                                          <p:attrName>ppt_y</p:attrName>
+                                        </p:attrNameLst>
+                                      </p:cBhvr>
+                                      <p:tavLst>
+                                        <p:tav tm="0">
+                                          <p:val>
+                                            <p:strVal val="#ppt_y+.1"/>
+                                          </p:val>
+                                        </p:tav>
+                                        <p:tav tm="100000">
+                                          <p:val>
+                                            <p:strVal val="#ppt_y"/>
+                                          </p:val>
+                                        </p:tav>
+                                      </p:tavLst>
+                                    </p:anim>
+                                  </p:childTnLst>
+                                </p:cTn>
+                              </p:par>
+                              <p:par>
+                                <p:cTn id="17" presetID="42" presetClass="entr" presetSubtype="0" fill="hold" grpId="0" nodeType="withEffect">
+                                  <p:stCondLst>
+                                    <p:cond delay="0"/>
+                                  </p:stCondLst>
+                                  <p:childTnLst>
+                                    <p:set>
+                                      <p:cBhvr>
+                                        <p:cTn id="18" dur="1" fill="hold">
+                                          <p:stCondLst>
+                                            <p:cond delay="0"/>
+                                          </p:stCondLst>
+                                        </p:cTn>
+                                        <p:tgtEl>
+                                          <p:spTgt spid="3"/>
+                                        </p:tgtEl>
+                                        <p:attrNameLst>
+                                          <p:attrName>style.visibility</p:attrName>
+                                        </p:attrNameLst>
+                                      </p:cBhvr>
+                                      <p:to>
+                                        <p:strVal val="visible"/>
+                                      </p:to>
+                                    </p:set>
+                                    <p:animEffect transition="in" filter="fade">
+                                      <p:cBhvr>
+                                        <p:cTn id="19" dur="1000"/>
+                                        <p:tgtEl>
+                                          <p:spTgt spid="3"/>
+                                        </p:tgtEl>
+                                      </p:cBhvr>
+                                    </p:animEffect>
+                                    <p:anim calcmode="lin" valueType="num">
+                                      <p:cBhvr>
+                                        <p:cTn id="20" dur="1000" fill="hold"/>
+                                        <p:tgtEl>
+                                          <p:spTgt spid="3"/>
+                                        </p:tgtEl>
+                                        <p:attrNameLst>
+                                          <p:attrName>ppt_x</p:attrName>
+                                        </p:attrNameLst>
+                                      </p:cBhvr>
+                                      <p:tavLst>
+                                        <p:tav tm="0">
+                                          <p:val>
+                                            <p:strVal val="#ppt_x"/>
+                                          </p:val>
+                                        </p:tav>
+                                        <p:tav tm="100000">
+                                          <p:val>
+                                            <p:strVal val="#ppt_x"/>
+                                          </p:val>
+                                        </p:tav>
+                                      </p:tavLst>
+                                    </p:anim>
+                                    <p:anim calcmode="lin" valueType="num">
+                                      <p:cBhvr>
+                                        <p:cTn id="21" dur="1000" fill="hold"/>
+                                        <p:tgtEl>
+                                          <p:spTgt spid="3"/>
+                                        </p:tgtEl>
+                                        <p:attrNameLst>
+                                          <p:attrName>ppt_y</p:attrName>
+                                        </p:attrNameLst>
+                                      </p:cBhvr>
+                                      <p:tavLst>
+                                        <p:tav tm="0">
+                                          <p:val>
+                                            <p:strVal val="#ppt_y+.1"/>
+                                          </p:val>
+                                        </p:tav>
+                                        <p:tav tm="100000">
+                                          <p:val>
+                                            <p:strVal val="#ppt_y"/>
+                                          </p:val>
+                                        </p:tav>
+                                      </p:tavLst>
+                                    </p:anim>
+                                  </p:childTnLst>
+                                </p:cTn>
+                              </p:par>
+                            </p:childTnLst>
+                          </p:cTn>
+                        </p:par>
+                      </p:childTnLst>
+                    </p:cTn>
+                  </p:par>
+                  <p:par>
+                    <p:cTn id="22" fill="hold">
+                      <p:stCondLst>
+                        <p:cond delay="indefinite"/>
+                      </p:stCondLst>
+                      <p:childTnLst>
+                        <p:par>
+                          <p:cTn id="23" fill="hold">
+                            <p:stCondLst>
+                              <p:cond delay="0"/>
+                            </p:stCondLst>
+                            <p:childTnLst>
+                              <p:par>
+                                <p:cTn id="24" presetID="42" presetClass="entr" presetSubtype="0" fill="hold" nodeType="clickEffect">
+                                  <p:stCondLst>
+                                    <p:cond delay="0"/>
+                                  </p:stCondLst>
+                                  <p:childTnLst>
+                                    <p:set>
+                                      <p:cBhvr>
+                                        <p:cTn id="25" dur="1" fill="hold">
+                                          <p:stCondLst>
+                                            <p:cond delay="0"/>
+                                          </p:stCondLst>
+                                        </p:cTn>
+                                        <p:tgtEl>
+                                          <p:spTgt spid="7"/>
+                                        </p:tgtEl>
+                                        <p:attrNameLst>
+                                          <p:attrName>style.visibility</p:attrName>
+                                        </p:attrNameLst>
+                                      </p:cBhvr>
+                                      <p:to>
+                                        <p:strVal val="visible"/>
+                                      </p:to>
+                                    </p:set>
+                                    <p:animEffect transition="in" filter="fade">
+                                      <p:cBhvr>
+                                        <p:cTn id="26" dur="1000"/>
+                                        <p:tgtEl>
+                                          <p:spTgt spid="7"/>
+                                        </p:tgtEl>
+                                      </p:cBhvr>
+                                    </p:animEffect>
+                                    <p:anim calcmode="lin" valueType="num">
+                                      <p:cBhvr>
+                                        <p:cTn id="27" dur="1000" fill="hold"/>
+                                        <p:tgtEl>
+                                          <p:spTgt spid="7"/>
+                                        </p:tgtEl>
+                                        <p:attrNameLst>
+                                          <p:attrName>ppt_x</p:attrName>
+                                        </p:attrNameLst>
+                                      </p:cBhvr>
+                                      <p:tavLst>
+                                        <p:tav tm="0">
+                                          <p:val>
+                                            <p:strVal val="#ppt_x"/>
+                                          </p:val>
+                                        </p:tav>
+                                        <p:tav tm="100000">
+                                          <p:val>
+                                            <p:strVal val="#ppt_x"/>
+                                          </p:val>
+                                        </p:tav>
+                                      </p:tavLst>
+                                    </p:anim>
+                                    <p:anim calcmode="lin" valueType="num">
+                                      <p:cBhvr>
+                                        <p:cTn id="28" dur="1000" fill="hold"/>
+                                        <p:tgtEl>
+                                          <p:spTgt spid="7"/>
+                                        </p:tgtEl>
+                                        <p:attrNameLst>
+                                          <p:attrName>ppt_y</p:attrName>
+                                        </p:attrNameLst>
+                                      </p:cBhvr>
+                                      <p:tavLst>
+                                        <p:tav tm="0">
+                                          <p:val>
+                                            <p:strVal val="#ppt_y+.1"/>
+                                          </p:val>
+                                        </p:tav>
+                                        <p:tav tm="100000">
+                                          <p:val>
+                                            <p:strVal val="#ppt_y"/>
+                                          </p:val>
+                                        </p:tav>
+                                      </p:tavLst>
+                                    </p:anim>
+                                  </p:childTnLst>
+                                </p:cTn>
+                              </p:par>
+                              <p:par>
+                                <p:cTn id="29" presetID="10" presetClass="exit" presetSubtype="0" fill="hold" nodeType="withEffect">
+                                  <p:stCondLst>
+                                    <p:cond delay="0"/>
+                                  </p:stCondLst>
+                                  <p:childTnLst>
+                                    <p:animEffect transition="out" filter="fade">
+                                      <p:cBhvr>
+                                        <p:cTn id="30" dur="500"/>
+                                        <p:tgtEl>
+                                          <p:spTgt spid="2"/>
+                                        </p:tgtEl>
+                                      </p:cBhvr>
+                                    </p:animEffect>
+                                    <p:set>
+                                      <p:cBhvr>
+                                        <p:cTn id="31" dur="1" fill="hold">
+                                          <p:stCondLst>
+                                            <p:cond delay="499"/>
+                                          </p:stCondLst>
+                                        </p:cTn>
+                                        <p:tgtEl>
+                                          <p:spTgt spid="2"/>
+                                        </p:tgtEl>
+                                        <p:attrNameLst>
+                                          <p:attrName>style.visibility</p:attrName>
+                                        </p:attrNameLst>
+                                      </p:cBhvr>
+                                      <p:to>
+                                        <p:strVal val="hidden"/>
+                                      </p:to>
+                                    </p:set>
+                                  </p:childTnLst>
+                                </p:cTn>
+                              </p:par>
+                            </p:childTnLst>
+                          </p:cTn>
+                        </p:par>
+                      </p:childTnLst>
+                    </p:cTn>
+                  </p:par>
+                  <p:par>
+                    <p:cTn id="32" fill="hold">
+                      <p:stCondLst>
+                        <p:cond delay="indefinite"/>
+                      </p:stCondLst>
+                      <p:childTnLst>
+                        <p:par>
+                          <p:cTn id="33" fill="hold">
+                            <p:stCondLst>
+                              <p:cond delay="0"/>
+                            </p:stCondLst>
+                            <p:childTnLst>
+                              <p:par>
+                                <p:cTn id="34" presetID="42" presetClass="entr" presetSubtype="0" fill="hold" nodeType="clickEffect">
+                                  <p:stCondLst>
+                                    <p:cond delay="0"/>
+                                  </p:stCondLst>
+                                  <p:childTnLst>
+                                    <p:set>
+                                      <p:cBhvr>
+                                        <p:cTn id="35" dur="1" fill="hold">
+                                          <p:stCondLst>
+                                            <p:cond delay="0"/>
+                                          </p:stCondLst>
+                                        </p:cTn>
+                                        <p:tgtEl>
+                                          <p:spTgt spid="9"/>
+                                        </p:tgtEl>
+                                        <p:attrNameLst>
+                                          <p:attrName>style.visibility</p:attrName>
+                                        </p:attrNameLst>
+                                      </p:cBhvr>
+                                      <p:to>
+                                        <p:strVal val="visible"/>
+                                      </p:to>
+                                    </p:set>
+                                    <p:animEffect transition="in" filter="fade">
+                                      <p:cBhvr>
+                                        <p:cTn id="36" dur="1000"/>
+                                        <p:tgtEl>
+                                          <p:spTgt spid="9"/>
+                                        </p:tgtEl>
+                                      </p:cBhvr>
+                                    </p:animEffect>
+                                    <p:anim calcmode="lin" valueType="num">
+                                      <p:cBhvr>
+                                        <p:cTn id="37" dur="1000" fill="hold"/>
+                                        <p:tgtEl>
+                                          <p:spTgt spid="9"/>
+                                        </p:tgtEl>
+                                        <p:attrNameLst>
+                                          <p:attrName>ppt_x</p:attrName>
+                                        </p:attrNameLst>
+                                      </p:cBhvr>
+                                      <p:tavLst>
+                                        <p:tav tm="0">
+                                          <p:val>
+                                            <p:strVal val="#ppt_x"/>
+                                          </p:val>
+                                        </p:tav>
+                                        <p:tav tm="100000">
+                                          <p:val>
+                                            <p:strVal val="#ppt_x"/>
+                                          </p:val>
+                                        </p:tav>
+                                      </p:tavLst>
+                                    </p:anim>
+                                    <p:anim calcmode="lin" valueType="num">
+                                      <p:cBhvr>
+                                        <p:cTn id="38" dur="1000" fill="hold"/>
+                                        <p:tgtEl>
+                                          <p:spTgt spid="9"/>
+                                        </p:tgtEl>
+                                        <p:attrNameLst>
+                                          <p:attrName>ppt_y</p:attrName>
+                                        </p:attrNameLst>
+                                      </p:cBhvr>
+                                      <p:tavLst>
+                                        <p:tav tm="0">
+                                          <p:val>
+                                            <p:strVal val="#ppt_y+.1"/>
+                                          </p:val>
+                                        </p:tav>
+                                        <p:tav tm="100000">
+                                          <p:val>
+                                            <p:strVal val="#ppt_y"/>
+                                          </p:val>
+                                        </p:tav>
+                                      </p:tavLst>
+                                    </p:anim>
+                                  </p:childTnLst>
+                                </p:cTn>
+                              </p:par>
+                              <p:par>
+                                <p:cTn id="39" presetID="10" presetClass="exit" presetSubtype="0" fill="hold" nodeType="withEffect">
+                                  <p:stCondLst>
+                                    <p:cond delay="0"/>
+                                  </p:stCondLst>
+                                  <p:childTnLst>
+                                    <p:animEffect transition="out" filter="fade">
+                                      <p:cBhvr>
+                                        <p:cTn id="40" dur="500"/>
+                                        <p:tgtEl>
+                                          <p:spTgt spid="7"/>
+                                        </p:tgtEl>
+                                      </p:cBhvr>
+                                    </p:animEffect>
+                                    <p:set>
+                                      <p:cBhvr>
+                                        <p:cTn id="41" dur="1" fill="hold">
+                                          <p:stCondLst>
+                                            <p:cond delay="499"/>
+                                          </p:stCondLst>
+                                        </p:cTn>
+                                        <p:tgtEl>
+                                          <p:spTgt spid="7"/>
+                                        </p:tgtEl>
+                                        <p:attrNameLst>
+                                          <p:attrName>style.visibility</p:attrName>
+                                        </p:attrNameLst>
+                                      </p:cBhvr>
+                                      <p:to>
+                                        <p:strVal val="hidden"/>
+                                      </p:to>
+                                    </p:set>
+                                  </p:childTnLst>
+                                </p:cTn>
+                              </p:par>
+                            </p:childTnLst>
+                          </p:cTn>
+                        </p:par>
+                      </p:childTnLst>
+                    </p:cTn>
+                  </p:par>
+                  <p:par>
+                    <p:cTn id="42" fill="hold">
+                      <p:stCondLst>
+                        <p:cond delay="indefinite"/>
+                      </p:stCondLst>
+                      <p:childTnLst>
+                        <p:par>
+                          <p:cTn id="43" fill="hold">
+                            <p:stCondLst>
+                              <p:cond delay="0"/>
+                            </p:stCondLst>
+                            <p:childTnLst>
+                              <p:par>
+                                <p:cTn id="44" presetID="42" presetClass="entr" presetSubtype="0" fill="hold" nodeType="clickEffect">
+                                  <p:stCondLst>
+                                    <p:cond delay="0"/>
+                                  </p:stCondLst>
+                                  <p:childTnLst>
+                                    <p:set>
+                                      <p:cBhvr>
+                                        <p:cTn id="45" dur="1" fill="hold">
+                                          <p:stCondLst>
+                                            <p:cond delay="0"/>
+                                          </p:stCondLst>
+                                        </p:cTn>
+                                        <p:tgtEl>
+                                          <p:spTgt spid="10"/>
+                                        </p:tgtEl>
+                                        <p:attrNameLst>
+                                          <p:attrName>style.visibility</p:attrName>
+                                        </p:attrNameLst>
+                                      </p:cBhvr>
+                                      <p:to>
+                                        <p:strVal val="visible"/>
+                                      </p:to>
+                                    </p:set>
+                                    <p:animEffect transition="in" filter="fade">
+                                      <p:cBhvr>
+                                        <p:cTn id="46" dur="1000"/>
+                                        <p:tgtEl>
+                                          <p:spTgt spid="10"/>
+                                        </p:tgtEl>
+                                      </p:cBhvr>
+                                    </p:animEffect>
+                                    <p:anim calcmode="lin" valueType="num">
+                                      <p:cBhvr>
+                                        <p:cTn id="47" dur="1000" fill="hold"/>
+                                        <p:tgtEl>
+                                          <p:spTgt spid="10"/>
+                                        </p:tgtEl>
+                                        <p:attrNameLst>
+                                          <p:attrName>ppt_x</p:attrName>
+                                        </p:attrNameLst>
+                                      </p:cBhvr>
+                                      <p:tavLst>
+                                        <p:tav tm="0">
+                                          <p:val>
+                                            <p:strVal val="#ppt_x"/>
+                                          </p:val>
+                                        </p:tav>
+                                        <p:tav tm="100000">
+                                          <p:val>
+                                            <p:strVal val="#ppt_x"/>
+                                          </p:val>
+                                        </p:tav>
+                                      </p:tavLst>
+                                    </p:anim>
+                                    <p:anim calcmode="lin" valueType="num">
+                                      <p:cBhvr>
+                                        <p:cTn id="48" dur="1000" fill="hold"/>
+                                        <p:tgtEl>
+                                          <p:spTgt spid="10"/>
+                                        </p:tgtEl>
+                                        <p:attrNameLst>
+                                          <p:attrName>ppt_y</p:attrName>
+                                        </p:attrNameLst>
+                                      </p:cBhvr>
+                                      <p:tavLst>
+                                        <p:tav tm="0">
+                                          <p:val>
+                                            <p:strVal val="#ppt_y+.1"/>
+                                          </p:val>
+                                        </p:tav>
+                                        <p:tav tm="100000">
+                                          <p:val>
+                                            <p:strVal val="#ppt_y"/>
+                                          </p:val>
+                                        </p:tav>
+                                      </p:tavLst>
+                                    </p:anim>
+                                  </p:childTnLst>
+                                </p:cTn>
+                              </p:par>
+                              <p:par>
+                                <p:cTn id="49" presetID="10" presetClass="exit" presetSubtype="0" fill="hold" nodeType="withEffect">
+                                  <p:stCondLst>
+                                    <p:cond delay="0"/>
+                                  </p:stCondLst>
+                                  <p:childTnLst>
+                                    <p:animEffect transition="out" filter="fade">
+                                      <p:cBhvr>
+                                        <p:cTn id="50" dur="500"/>
+                                        <p:tgtEl>
+                                          <p:spTgt spid="9"/>
+                                        </p:tgtEl>
+                                      </p:cBhvr>
+                                    </p:animEffect>
+                                    <p:set>
+                                      <p:cBhvr>
+                                        <p:cTn id="51" dur="1" fill="hold">
+                                          <p:stCondLst>
+                                            <p:cond delay="499"/>
+                                          </p:stCondLst>
+                                        </p:cTn>
+                                        <p:tgtEl>
+                                          <p:spTgt spid="9"/>
+                                        </p:tgtEl>
+                                        <p:attrNameLst>
+                                          <p:attrName>style.visibility</p:attrName>
+                                        </p:attrNameLst>
+                                      </p:cBhvr>
+                                      <p:to>
+                                        <p:strVal val="hidden"/>
+                                      </p:to>
+                                    </p:set>
+                                  </p:childTnLst>
+                                </p:cTn>
+                              </p:par>
+                            </p:childTnLst>
+                          </p:cTn>
+                        </p:par>
+                      </p:childTnLst>
+                    </p:cTn>
+                  </p:par>
+                </p:childTnLst>
+              </p:cTn>
+              <p:prevCondLst>
+                <p:cond evt="onPrev" delay="0">
+                  <p:tgtEl>
+                    <p:sldTgt/>
+                  </p:tgtEl>
+                </p:cond>
+              </p:prevCondLst>
+              <p:nextCondLst>
+                <p:cond evt="onNext" delay="0">
+                  <p:tgtEl>
+                    <p:sldTgt/>
+                  </p:tgtEl>
+                </p:cond>
+              </p:nextCondLst>
+            </p:seq>
+          </p:childTnLst>
+        </p:cTn>
+      </p:par>
+    </p:tnLst>
+    <p:bldLst>
+      <p:bldP spid="3" grpId="0" animBg="1"/>
+    </p:bldLst>
+  </p:timing>
 </p:sld>
 </file>
 
-<file path=ppt/slides/slide7.xml><?xml version="1.0" encoding="utf-8"?>
+<file path=ppt/slides/slide8.xml><?xml version="1.0" encoding="utf-8"?>
 <p:sld xmlns:a="http://schemas.openxmlformats.org/drawingml/2006/main" xmlns:r="http://schemas.openxmlformats.org/officeDocument/2006/relationships" xmlns:p="http://schemas.openxmlformats.org/presentationml/2006/main">
   <p:cSld>
     <p:spTree>
@@ -15720,7 +20377,7 @@
         </p:blipFill>
         <p:spPr bwMode="auto">
           <a:xfrm>
-            <a:off x="7503440" y="1699821"/>
+            <a:off x="4786617" y="4173785"/>
             <a:ext cx="1040475" cy="1074039"/>
           </a:xfrm>
           <a:prstGeom prst="rect">
@@ -15911,7 +20568,7 @@
         </p:nvSpPr>
         <p:spPr>
           <a:xfrm>
-            <a:off x="7153384" y="1010820"/>
+            <a:off x="4436561" y="3484784"/>
             <a:ext cx="2113280" cy="523220"/>
           </a:xfrm>
           <a:prstGeom prst="rect">
@@ -15950,7 +20607,177 @@
         </p:nvSpPr>
         <p:spPr>
           <a:xfrm>
-            <a:off x="7459612" y="2981684"/>
+            <a:off x="4829567" y="5418940"/>
+            <a:ext cx="1084303" cy="338554"/>
+          </a:xfrm>
+          <a:prstGeom prst="rect">
+            <a:avLst/>
+          </a:prstGeom>
+        </p:spPr>
+        <p:txBody>
+          <a:bodyPr wrap="square">
+            <a:spAutoFit/>
+          </a:bodyPr>
+          <a:lstStyle/>
+          <a:p>
+            <a:r>
+              <a:rPr lang="en-US" sz="1600" dirty="0" err="1"/>
+              <a:t>PostgreSql</a:t>
+            </a:r>
+            <a:endParaRPr lang="en-US" sz="1600" b="0" dirty="0">
+              <a:effectLst/>
+            </a:endParaRPr>
+          </a:p>
+        </p:txBody>
+      </p:sp>
+      <p:sp>
+        <p:nvSpPr>
+          <p:cNvPr id="34" name="Rectangle 33">
+            <a:extLst>
+              <a:ext uri="{FF2B5EF4-FFF2-40B4-BE49-F238E27FC236}">
+                <a16:creationId xmlns:a16="http://schemas.microsoft.com/office/drawing/2014/main" id="{AE732B61-EFDC-4DF4-ACAD-73D05631E785}"/>
+              </a:ext>
+            </a:extLst>
+          </p:cNvPr>
+          <p:cNvSpPr/>
+          <p:nvPr/>
+        </p:nvSpPr>
+        <p:spPr>
+          <a:xfrm>
+            <a:off x="8141897" y="1002779"/>
+            <a:ext cx="2113280" cy="523220"/>
+          </a:xfrm>
+          <a:prstGeom prst="rect">
+            <a:avLst/>
+          </a:prstGeom>
+        </p:spPr>
+        <p:txBody>
+          <a:bodyPr wrap="square">
+            <a:spAutoFit/>
+          </a:bodyPr>
+          <a:lstStyle/>
+          <a:p>
+            <a:r>
+              <a:rPr lang="en-US" sz="2800" b="1" dirty="0" err="1">
+                <a:latin typeface="Raleway"/>
+              </a:rPr>
+              <a:t>Etc</a:t>
+            </a:r>
+            <a:endParaRPr lang="en-US" sz="2800" b="0" dirty="0">
+              <a:effectLst/>
+            </a:endParaRPr>
+          </a:p>
+        </p:txBody>
+      </p:sp>
+      <p:pic>
+        <p:nvPicPr>
+          <p:cNvPr id="6153" name="Picture 9">
+            <a:extLst>
+              <a:ext uri="{FF2B5EF4-FFF2-40B4-BE49-F238E27FC236}">
+                <a16:creationId xmlns:a16="http://schemas.microsoft.com/office/drawing/2014/main" id="{6E0FC024-C95B-4D43-AB0F-17E39B10A9A5}"/>
+              </a:ext>
+            </a:extLst>
+          </p:cNvPr>
+          <p:cNvPicPr>
+            <a:picLocks noChangeAspect="1" noChangeArrowheads="1"/>
+          </p:cNvPicPr>
+          <p:nvPr/>
+        </p:nvPicPr>
+        <p:blipFill>
+          <a:blip r:embed="rId10">
+            <a:extLst>
+              <a:ext uri="{28A0092B-C50C-407E-A947-70E740481C1C}">
+                <a14:useLocalDpi xmlns:a14="http://schemas.microsoft.com/office/drawing/2010/main" val="0"/>
+              </a:ext>
+            </a:extLst>
+          </a:blip>
+          <a:srcRect/>
+          <a:stretch>
+            <a:fillRect/>
+          </a:stretch>
+        </p:blipFill>
+        <p:spPr bwMode="auto">
+          <a:xfrm>
+            <a:off x="9356912" y="1705187"/>
+            <a:ext cx="854665" cy="854665"/>
+          </a:xfrm>
+          <a:prstGeom prst="rect">
+            <a:avLst/>
+          </a:prstGeom>
+          <a:noFill/>
+          <a:extLst>
+            <a:ext uri="{909E8E84-426E-40DD-AFC4-6F175D3DCCD1}">
+              <a14:hiddenFill xmlns:a14="http://schemas.microsoft.com/office/drawing/2010/main">
+                <a:solidFill>
+                  <a:srgbClr val="FFFFFF"/>
+                </a:solidFill>
+              </a14:hiddenFill>
+            </a:ext>
+          </a:extLst>
+        </p:spPr>
+      </p:pic>
+      <p:pic>
+        <p:nvPicPr>
+          <p:cNvPr id="6154" name="Picture 10">
+            <a:extLst>
+              <a:ext uri="{FF2B5EF4-FFF2-40B4-BE49-F238E27FC236}">
+                <a16:creationId xmlns:a16="http://schemas.microsoft.com/office/drawing/2014/main" id="{276777E5-6A34-4E28-9C46-F0D1F6F966AE}"/>
+              </a:ext>
+            </a:extLst>
+          </p:cNvPr>
+          <p:cNvPicPr>
+            <a:picLocks noChangeAspect="1" noChangeArrowheads="1"/>
+          </p:cNvPicPr>
+          <p:nvPr/>
+        </p:nvPicPr>
+        <p:blipFill>
+          <a:blip r:embed="rId11">
+            <a:extLst>
+              <a:ext uri="{28A0092B-C50C-407E-A947-70E740481C1C}">
+                <a14:useLocalDpi xmlns:a14="http://schemas.microsoft.com/office/drawing/2010/main" val="0"/>
+              </a:ext>
+            </a:extLst>
+          </a:blip>
+          <a:srcRect/>
+          <a:stretch>
+            <a:fillRect/>
+          </a:stretch>
+        </p:blipFill>
+        <p:spPr bwMode="auto">
+          <a:xfrm>
+            <a:off x="8035291" y="1649046"/>
+            <a:ext cx="1163246" cy="966948"/>
+          </a:xfrm>
+          <a:prstGeom prst="rect">
+            <a:avLst/>
+          </a:prstGeom>
+          <a:noFill/>
+          <a:extLst>
+            <a:ext uri="{909E8E84-426E-40DD-AFC4-6F175D3DCCD1}">
+              <a14:hiddenFill xmlns:a14="http://schemas.microsoft.com/office/drawing/2010/main">
+                <a:solidFill>
+                  <a:srgbClr val="FFFFFF"/>
+                </a:solidFill>
+              </a14:hiddenFill>
+            </a:ext>
+          </a:extLst>
+        </p:spPr>
+      </p:pic>
+      <p:sp>
+        <p:nvSpPr>
+          <p:cNvPr id="37" name="Rectangle 36">
+            <a:extLst>
+              <a:ext uri="{FF2B5EF4-FFF2-40B4-BE49-F238E27FC236}">
+                <a16:creationId xmlns:a16="http://schemas.microsoft.com/office/drawing/2014/main" id="{A491B75E-B9A2-493F-82F8-FDA27C625840}"/>
+              </a:ext>
+            </a:extLst>
+          </p:cNvPr>
+          <p:cNvSpPr/>
+          <p:nvPr/>
+        </p:nvSpPr>
+        <p:spPr>
+          <a:xfrm>
+            <a:off x="8302863" y="2970388"/>
             <a:ext cx="1791348" cy="338554"/>
           </a:xfrm>
           <a:prstGeom prst="rect">
@@ -15965,176 +20792,6 @@
           <a:p>
             <a:r>
               <a:rPr lang="en-US" sz="1600" dirty="0" err="1"/>
-              <a:t>PostgreSql</a:t>
-            </a:r>
-            <a:endParaRPr lang="en-US" sz="1600" b="0" dirty="0">
-              <a:effectLst/>
-            </a:endParaRPr>
-          </a:p>
-        </p:txBody>
-      </p:sp>
-      <p:sp>
-        <p:nvSpPr>
-          <p:cNvPr id="34" name="Rectangle 33">
-            <a:extLst>
-              <a:ext uri="{FF2B5EF4-FFF2-40B4-BE49-F238E27FC236}">
-                <a16:creationId xmlns:a16="http://schemas.microsoft.com/office/drawing/2014/main" id="{AE732B61-EFDC-4DF4-ACAD-73D05631E785}"/>
-              </a:ext>
-            </a:extLst>
-          </p:cNvPr>
-          <p:cNvSpPr/>
-          <p:nvPr/>
-        </p:nvSpPr>
-        <p:spPr>
-          <a:xfrm>
-            <a:off x="9357566" y="985068"/>
-            <a:ext cx="2113280" cy="523220"/>
-          </a:xfrm>
-          <a:prstGeom prst="rect">
-            <a:avLst/>
-          </a:prstGeom>
-        </p:spPr>
-        <p:txBody>
-          <a:bodyPr wrap="square">
-            <a:spAutoFit/>
-          </a:bodyPr>
-          <a:lstStyle/>
-          <a:p>
-            <a:r>
-              <a:rPr lang="en-US" sz="2800" b="1" dirty="0" err="1">
-                <a:latin typeface="Raleway"/>
-              </a:rPr>
-              <a:t>Etc</a:t>
-            </a:r>
-            <a:endParaRPr lang="en-US" sz="2800" b="0" dirty="0">
-              <a:effectLst/>
-            </a:endParaRPr>
-          </a:p>
-        </p:txBody>
-      </p:sp>
-      <p:pic>
-        <p:nvPicPr>
-          <p:cNvPr id="6153" name="Picture 9">
-            <a:extLst>
-              <a:ext uri="{FF2B5EF4-FFF2-40B4-BE49-F238E27FC236}">
-                <a16:creationId xmlns:a16="http://schemas.microsoft.com/office/drawing/2014/main" id="{6E0FC024-C95B-4D43-AB0F-17E39B10A9A5}"/>
-              </a:ext>
-            </a:extLst>
-          </p:cNvPr>
-          <p:cNvPicPr>
-            <a:picLocks noChangeAspect="1" noChangeArrowheads="1"/>
-          </p:cNvPicPr>
-          <p:nvPr/>
-        </p:nvPicPr>
-        <p:blipFill>
-          <a:blip r:embed="rId10">
-            <a:extLst>
-              <a:ext uri="{28A0092B-C50C-407E-A947-70E740481C1C}">
-                <a14:useLocalDpi xmlns:a14="http://schemas.microsoft.com/office/drawing/2010/main" val="0"/>
-              </a:ext>
-            </a:extLst>
-          </a:blip>
-          <a:srcRect/>
-          <a:stretch>
-            <a:fillRect/>
-          </a:stretch>
-        </p:blipFill>
-        <p:spPr bwMode="auto">
-          <a:xfrm>
-            <a:off x="10572581" y="1687476"/>
-            <a:ext cx="854665" cy="854665"/>
-          </a:xfrm>
-          <a:prstGeom prst="rect">
-            <a:avLst/>
-          </a:prstGeom>
-          <a:noFill/>
-          <a:extLst>
-            <a:ext uri="{909E8E84-426E-40DD-AFC4-6F175D3DCCD1}">
-              <a14:hiddenFill xmlns:a14="http://schemas.microsoft.com/office/drawing/2010/main">
-                <a:solidFill>
-                  <a:srgbClr val="FFFFFF"/>
-                </a:solidFill>
-              </a14:hiddenFill>
-            </a:ext>
-          </a:extLst>
-        </p:spPr>
-      </p:pic>
-      <p:pic>
-        <p:nvPicPr>
-          <p:cNvPr id="6154" name="Picture 10">
-            <a:extLst>
-              <a:ext uri="{FF2B5EF4-FFF2-40B4-BE49-F238E27FC236}">
-                <a16:creationId xmlns:a16="http://schemas.microsoft.com/office/drawing/2014/main" id="{276777E5-6A34-4E28-9C46-F0D1F6F966AE}"/>
-              </a:ext>
-            </a:extLst>
-          </p:cNvPr>
-          <p:cNvPicPr>
-            <a:picLocks noChangeAspect="1" noChangeArrowheads="1"/>
-          </p:cNvPicPr>
-          <p:nvPr/>
-        </p:nvPicPr>
-        <p:blipFill>
-          <a:blip r:embed="rId11">
-            <a:extLst>
-              <a:ext uri="{28A0092B-C50C-407E-A947-70E740481C1C}">
-                <a14:useLocalDpi xmlns:a14="http://schemas.microsoft.com/office/drawing/2010/main" val="0"/>
-              </a:ext>
-            </a:extLst>
-          </a:blip>
-          <a:srcRect/>
-          <a:stretch>
-            <a:fillRect/>
-          </a:stretch>
-        </p:blipFill>
-        <p:spPr bwMode="auto">
-          <a:xfrm>
-            <a:off x="9250960" y="1631335"/>
-            <a:ext cx="1163246" cy="966948"/>
-          </a:xfrm>
-          <a:prstGeom prst="rect">
-            <a:avLst/>
-          </a:prstGeom>
-          <a:noFill/>
-          <a:extLst>
-            <a:ext uri="{909E8E84-426E-40DD-AFC4-6F175D3DCCD1}">
-              <a14:hiddenFill xmlns:a14="http://schemas.microsoft.com/office/drawing/2010/main">
-                <a:solidFill>
-                  <a:srgbClr val="FFFFFF"/>
-                </a:solidFill>
-              </a14:hiddenFill>
-            </a:ext>
-          </a:extLst>
-        </p:spPr>
-      </p:pic>
-      <p:sp>
-        <p:nvSpPr>
-          <p:cNvPr id="37" name="Rectangle 36">
-            <a:extLst>
-              <a:ext uri="{FF2B5EF4-FFF2-40B4-BE49-F238E27FC236}">
-                <a16:creationId xmlns:a16="http://schemas.microsoft.com/office/drawing/2014/main" id="{A491B75E-B9A2-493F-82F8-FDA27C625840}"/>
-              </a:ext>
-            </a:extLst>
-          </p:cNvPr>
-          <p:cNvSpPr/>
-          <p:nvPr/>
-        </p:nvSpPr>
-        <p:spPr>
-          <a:xfrm>
-            <a:off x="9518532" y="2952677"/>
-            <a:ext cx="1791348" cy="338554"/>
-          </a:xfrm>
-          <a:prstGeom prst="rect">
-            <a:avLst/>
-          </a:prstGeom>
-        </p:spPr>
-        <p:txBody>
-          <a:bodyPr wrap="square">
-            <a:spAutoFit/>
-          </a:bodyPr>
-          <a:lstStyle/>
-          <a:p>
-            <a:r>
-              <a:rPr lang="en-US" sz="1600" dirty="0" err="1"/>
               <a:t>Github</a:t>
             </a:r>
             <a:endParaRPr lang="en-US" sz="1600" b="0" dirty="0">
@@ -16157,7 +20814,7 @@
         </p:nvSpPr>
         <p:spPr>
           <a:xfrm>
-            <a:off x="10575172" y="2952677"/>
+            <a:off x="9359503" y="2970388"/>
             <a:ext cx="1791348" cy="338554"/>
           </a:xfrm>
           <a:prstGeom prst="rect">
@@ -18092,7 +22749,7 @@
 </p:sld>
 </file>
 
-<file path=ppt/slides/slide8.xml><?xml version="1.0" encoding="utf-8"?>
+<file path=ppt/slides/slide9.xml><?xml version="1.0" encoding="utf-8"?>
 <p:sld xmlns:a="http://schemas.openxmlformats.org/drawingml/2006/main" xmlns:r="http://schemas.openxmlformats.org/officeDocument/2006/relationships" xmlns:p="http://schemas.openxmlformats.org/presentationml/2006/main">
   <p:cSld>
     <p:spTree>
@@ -23477,171 +28134,6 @@
       <p:bldP spid="53" grpId="0"/>
     </p:bldLst>
   </p:timing>
-</p:sld>
-</file>
-
-<file path=ppt/slides/slide9.xml><?xml version="1.0" encoding="utf-8"?>
-<p:sld xmlns:a="http://schemas.openxmlformats.org/drawingml/2006/main" xmlns:r="http://schemas.openxmlformats.org/officeDocument/2006/relationships" xmlns:p="http://schemas.openxmlformats.org/presentationml/2006/main">
-  <p:cSld>
-    <p:spTree>
-      <p:nvGrpSpPr>
-        <p:cNvPr id="1" name=""/>
-        <p:cNvGrpSpPr/>
-        <p:nvPr/>
-      </p:nvGrpSpPr>
-      <p:grpSpPr>
-        <a:xfrm>
-          <a:off x="0" y="0"/>
-          <a:ext cx="0" cy="0"/>
-          <a:chOff x="0" y="0"/>
-          <a:chExt cx="0" cy="0"/>
-        </a:xfrm>
-      </p:grpSpPr>
-      <p:sp>
-        <p:nvSpPr>
-          <p:cNvPr id="4" name="Rectangle 3">
-            <a:extLst>
-              <a:ext uri="{FF2B5EF4-FFF2-40B4-BE49-F238E27FC236}">
-                <a16:creationId xmlns:a16="http://schemas.microsoft.com/office/drawing/2014/main" id="{90D2AE39-40FB-4774-B70C-7E294CAA9F5A}"/>
-              </a:ext>
-            </a:extLst>
-          </p:cNvPr>
-          <p:cNvSpPr/>
-          <p:nvPr/>
-        </p:nvSpPr>
-        <p:spPr>
-          <a:xfrm>
-            <a:off x="4076700" y="3075057"/>
-            <a:ext cx="4038600" cy="707886"/>
-          </a:xfrm>
-          <a:prstGeom prst="rect">
-            <a:avLst/>
-          </a:prstGeom>
-        </p:spPr>
-        <p:txBody>
-          <a:bodyPr wrap="square">
-            <a:spAutoFit/>
-          </a:bodyPr>
-          <a:lstStyle/>
-          <a:p>
-            <a:r>
-              <a:rPr lang="en-US" sz="4000" b="1" dirty="0">
-                <a:solidFill>
-                  <a:srgbClr val="00AEFF"/>
-                </a:solidFill>
-                <a:latin typeface="Raleway"/>
-              </a:rPr>
-              <a:t>DEMO PROGRAM</a:t>
-            </a:r>
-            <a:endParaRPr lang="en-US" sz="3200" b="0" dirty="0">
-              <a:solidFill>
-                <a:srgbClr val="00AEFF"/>
-              </a:solidFill>
-              <a:effectLst/>
-            </a:endParaRPr>
-          </a:p>
-        </p:txBody>
-      </p:sp>
-      <p:sp>
-        <p:nvSpPr>
-          <p:cNvPr id="5" name="Rectangle 4">
-            <a:extLst>
-              <a:ext uri="{FF2B5EF4-FFF2-40B4-BE49-F238E27FC236}">
-                <a16:creationId xmlns:a16="http://schemas.microsoft.com/office/drawing/2014/main" id="{1E3D0567-EA5C-4D5C-9A3F-3AF961CCA95F}"/>
-              </a:ext>
-            </a:extLst>
-          </p:cNvPr>
-          <p:cNvSpPr/>
-          <p:nvPr/>
-        </p:nvSpPr>
-        <p:spPr>
-          <a:xfrm>
-            <a:off x="0" y="6715760"/>
-            <a:ext cx="12192000" cy="162560"/>
-          </a:xfrm>
-          <a:prstGeom prst="rect">
-            <a:avLst/>
-          </a:prstGeom>
-          <a:solidFill>
-            <a:srgbClr val="00AEFF"/>
-          </a:solidFill>
-          <a:ln>
-            <a:solidFill>
-              <a:schemeClr val="bg1"/>
-            </a:solidFill>
-          </a:ln>
-        </p:spPr>
-        <p:style>
-          <a:lnRef idx="2">
-            <a:schemeClr val="accent1">
-              <a:shade val="50000"/>
-            </a:schemeClr>
-          </a:lnRef>
-          <a:fillRef idx="1">
-            <a:schemeClr val="accent1"/>
-          </a:fillRef>
-          <a:effectRef idx="0">
-            <a:schemeClr val="accent1"/>
-          </a:effectRef>
-          <a:fontRef idx="minor">
-            <a:schemeClr val="lt1"/>
-          </a:fontRef>
-        </p:style>
-        <p:txBody>
-          <a:bodyPr rtlCol="0" anchor="ctr"/>
-          <a:lstStyle/>
-          <a:p>
-            <a:pPr algn="ctr"/>
-            <a:endParaRPr lang="en-US"/>
-          </a:p>
-        </p:txBody>
-      </p:sp>
-      <p:pic>
-        <p:nvPicPr>
-          <p:cNvPr id="6" name="Picture 5">
-            <a:extLst>
-              <a:ext uri="{FF2B5EF4-FFF2-40B4-BE49-F238E27FC236}">
-                <a16:creationId xmlns:a16="http://schemas.microsoft.com/office/drawing/2014/main" id="{C738CFCF-F109-44BF-BDF8-B2679F573187}"/>
-              </a:ext>
-            </a:extLst>
-          </p:cNvPr>
-          <p:cNvPicPr>
-            <a:picLocks noChangeAspect="1"/>
-          </p:cNvPicPr>
-          <p:nvPr/>
-        </p:nvPicPr>
-        <p:blipFill>
-          <a:blip r:embed="rId2">
-            <a:extLst>
-              <a:ext uri="{28A0092B-C50C-407E-A947-70E740481C1C}">
-                <a14:useLocalDpi xmlns:a14="http://schemas.microsoft.com/office/drawing/2010/main" val="0"/>
-              </a:ext>
-            </a:extLst>
-          </a:blip>
-          <a:stretch>
-            <a:fillRect/>
-          </a:stretch>
-        </p:blipFill>
-        <p:spPr>
-          <a:xfrm>
-            <a:off x="19226" y="6398736"/>
-            <a:ext cx="1778424" cy="281602"/>
-          </a:xfrm>
-          <a:prstGeom prst="rect">
-            <a:avLst/>
-          </a:prstGeom>
-        </p:spPr>
-      </p:pic>
-    </p:spTree>
-    <p:extLst>
-      <p:ext uri="{BB962C8B-B14F-4D97-AF65-F5344CB8AC3E}">
-        <p14:creationId xmlns:p14="http://schemas.microsoft.com/office/powerpoint/2010/main" val="3049270900"/>
-      </p:ext>
-    </p:extLst>
-  </p:cSld>
-  <p:clrMapOvr>
-    <a:masterClrMapping/>
-  </p:clrMapOvr>
 </p:sld>
 </file>
 
@@ -23938,4 +28430,299 @@
     </a:ext>
   </a:extLst>
 </a:theme>
+</file>
+
+<file path=ppt/theme/theme2.xml><?xml version="1.0" encoding="utf-8"?>
+<a:theme xmlns:a="http://schemas.openxmlformats.org/drawingml/2006/main" name="Office Theme">
+  <a:themeElements>
+    <a:clrScheme name="Office">
+      <a:dk1>
+        <a:sysClr val="windowText" lastClr="000000"/>
+      </a:dk1>
+      <a:lt1>
+        <a:sysClr val="window" lastClr="FFFFFF"/>
+      </a:lt1>
+      <a:dk2>
+        <a:srgbClr val="44546A"/>
+      </a:dk2>
+      <a:lt2>
+        <a:srgbClr val="E7E6E6"/>
+      </a:lt2>
+      <a:accent1>
+        <a:srgbClr val="4472C4"/>
+      </a:accent1>
+      <a:accent2>
+        <a:srgbClr val="ED7D31"/>
+      </a:accent2>
+      <a:accent3>
+        <a:srgbClr val="A5A5A5"/>
+      </a:accent3>
+      <a:accent4>
+        <a:srgbClr val="FFC000"/>
+      </a:accent4>
+      <a:accent5>
+        <a:srgbClr val="5B9BD5"/>
+      </a:accent5>
+      <a:accent6>
+        <a:srgbClr val="70AD47"/>
+      </a:accent6>
+      <a:hlink>
+        <a:srgbClr val="0563C1"/>
+      </a:hlink>
+      <a:folHlink>
+        <a:srgbClr val="954F72"/>
+      </a:folHlink>
+    </a:clrScheme>
+    <a:fontScheme name="Office">
+      <a:majorFont>
+        <a:latin typeface="Calibri Light" panose="020F0302020204030204"/>
+        <a:ea typeface=""/>
+        <a:cs typeface=""/>
+        <a:font script="Jpan" typeface="游ゴシック Light"/>
+        <a:font script="Hang" typeface="맑은 고딕"/>
+        <a:font script="Hans" typeface="等线 Light"/>
+        <a:font script="Hant" typeface="新細明體"/>
+        <a:font script="Arab" typeface="Times New Roman"/>
+        <a:font script="Hebr" typeface="Times New Roman"/>
+        <a:font script="Thai" typeface="Angsana New"/>
+        <a:font script="Ethi" typeface="Nyala"/>
+        <a:font script="Beng" typeface="Vrinda"/>
+        <a:font script="Gujr" typeface="Shruti"/>
+        <a:font script="Khmr" typeface="MoolBoran"/>
+        <a:font script="Knda" typeface="Tunga"/>
+        <a:font script="Guru" typeface="Raavi"/>
+        <a:font script="Cans" typeface="Euphemia"/>
+        <a:font script="Cher" typeface="Plantagenet Cherokee"/>
+        <a:font script="Yiii" typeface="Microsoft Yi Baiti"/>
+        <a:font script="Tibt" typeface="Microsoft Himalaya"/>
+        <a:font script="Thaa" typeface="MV Boli"/>
+        <a:font script="Deva" typeface="Mangal"/>
+        <a:font script="Telu" typeface="Gautami"/>
+        <a:font script="Taml" typeface="Latha"/>
+        <a:font script="Syrc" typeface="Estrangelo Edessa"/>
+        <a:font script="Orya" typeface="Kalinga"/>
+        <a:font script="Mlym" typeface="Kartika"/>
+        <a:font script="Laoo" typeface="DokChampa"/>
+        <a:font script="Sinh" typeface="Iskoola Pota"/>
+        <a:font script="Mong" typeface="Mongolian Baiti"/>
+        <a:font script="Viet" typeface="Times New Roman"/>
+        <a:font script="Uigh" typeface="Microsoft Uighur"/>
+        <a:font script="Geor" typeface="Sylfaen"/>
+        <a:font script="Armn" typeface="Arial"/>
+        <a:font script="Bugi" typeface="Leelawadee UI"/>
+        <a:font script="Bopo" typeface="Microsoft JhengHei"/>
+        <a:font script="Java" typeface="Javanese Text"/>
+        <a:font script="Lisu" typeface="Segoe UI"/>
+        <a:font script="Mymr" typeface="Myanmar Text"/>
+        <a:font script="Nkoo" typeface="Ebrima"/>
+        <a:font script="Olck" typeface="Nirmala UI"/>
+        <a:font script="Osma" typeface="Ebrima"/>
+        <a:font script="Phag" typeface="Phagspa"/>
+        <a:font script="Syrn" typeface="Estrangelo Edessa"/>
+        <a:font script="Syrj" typeface="Estrangelo Edessa"/>
+        <a:font script="Syre" typeface="Estrangelo Edessa"/>
+        <a:font script="Sora" typeface="Nirmala UI"/>
+        <a:font script="Tale" typeface="Microsoft Tai Le"/>
+        <a:font script="Talu" typeface="Microsoft New Tai Lue"/>
+        <a:font script="Tfng" typeface="Ebrima"/>
+      </a:majorFont>
+      <a:minorFont>
+        <a:latin typeface="Calibri" panose="020F0502020204030204"/>
+        <a:ea typeface=""/>
+        <a:cs typeface=""/>
+        <a:font script="Jpan" typeface="游ゴシック"/>
+        <a:font script="Hang" typeface="맑은 고딕"/>
+        <a:font script="Hans" typeface="等线"/>
+        <a:font script="Hant" typeface="新細明體"/>
+        <a:font script="Arab" typeface="Arial"/>
+        <a:font script="Hebr" typeface="Arial"/>
+        <a:font script="Thai" typeface="Cordia New"/>
+        <a:font script="Ethi" typeface="Nyala"/>
+        <a:font script="Beng" typeface="Vrinda"/>
+        <a:font script="Gujr" typeface="Shruti"/>
+        <a:font script="Khmr" typeface="DaunPenh"/>
+        <a:font script="Knda" typeface="Tunga"/>
+        <a:font script="Guru" typeface="Raavi"/>
+        <a:font script="Cans" typeface="Euphemia"/>
+        <a:font script="Cher" typeface="Plantagenet Cherokee"/>
+        <a:font script="Yiii" typeface="Microsoft Yi Baiti"/>
+        <a:font script="Tibt" typeface="Microsoft Himalaya"/>
+        <a:font script="Thaa" typeface="MV Boli"/>
+        <a:font script="Deva" typeface="Mangal"/>
+        <a:font script="Telu" typeface="Gautami"/>
+        <a:font script="Taml" typeface="Latha"/>
+        <a:font script="Syrc" typeface="Estrangelo Edessa"/>
+        <a:font script="Orya" typeface="Kalinga"/>
+        <a:font script="Mlym" typeface="Kartika"/>
+        <a:font script="Laoo" typeface="DokChampa"/>
+        <a:font script="Sinh" typeface="Iskoola Pota"/>
+        <a:font script="Mong" typeface="Mongolian Baiti"/>
+        <a:font script="Viet" typeface="Arial"/>
+        <a:font script="Uigh" typeface="Microsoft Uighur"/>
+        <a:font script="Geor" typeface="Sylfaen"/>
+        <a:font script="Armn" typeface="Arial"/>
+        <a:font script="Bugi" typeface="Leelawadee UI"/>
+        <a:font script="Bopo" typeface="Microsoft JhengHei"/>
+        <a:font script="Java" typeface="Javanese Text"/>
+        <a:font script="Lisu" typeface="Segoe UI"/>
+        <a:font script="Mymr" typeface="Myanmar Text"/>
+        <a:font script="Nkoo" typeface="Ebrima"/>
+        <a:font script="Olck" typeface="Nirmala UI"/>
+        <a:font script="Osma" typeface="Ebrima"/>
+        <a:font script="Phag" typeface="Phagspa"/>
+        <a:font script="Syrn" typeface="Estrangelo Edessa"/>
+        <a:font script="Syrj" typeface="Estrangelo Edessa"/>
+        <a:font script="Syre" typeface="Estrangelo Edessa"/>
+        <a:font script="Sora" typeface="Nirmala UI"/>
+        <a:font script="Tale" typeface="Microsoft Tai Le"/>
+        <a:font script="Talu" typeface="Microsoft New Tai Lue"/>
+        <a:font script="Tfng" typeface="Ebrima"/>
+      </a:minorFont>
+    </a:fontScheme>
+    <a:fmtScheme name="Office">
+      <a:fillStyleLst>
+        <a:solidFill>
+          <a:schemeClr val="phClr"/>
+        </a:solidFill>
+        <a:gradFill rotWithShape="1">
+          <a:gsLst>
+            <a:gs pos="0">
+              <a:schemeClr val="phClr">
+                <a:lumMod val="110000"/>
+                <a:satMod val="105000"/>
+                <a:tint val="67000"/>
+              </a:schemeClr>
+            </a:gs>
+            <a:gs pos="50000">
+              <a:schemeClr val="phClr">
+                <a:lumMod val="105000"/>
+                <a:satMod val="103000"/>
+                <a:tint val="73000"/>
+              </a:schemeClr>
+            </a:gs>
+            <a:gs pos="100000">
+              <a:schemeClr val="phClr">
+                <a:lumMod val="105000"/>
+                <a:satMod val="109000"/>
+                <a:tint val="81000"/>
+              </a:schemeClr>
+            </a:gs>
+          </a:gsLst>
+          <a:lin ang="5400000" scaled="0"/>
+        </a:gradFill>
+        <a:gradFill rotWithShape="1">
+          <a:gsLst>
+            <a:gs pos="0">
+              <a:schemeClr val="phClr">
+                <a:satMod val="103000"/>
+                <a:lumMod val="102000"/>
+                <a:tint val="94000"/>
+              </a:schemeClr>
+            </a:gs>
+            <a:gs pos="50000">
+              <a:schemeClr val="phClr">
+                <a:satMod val="110000"/>
+                <a:lumMod val="100000"/>
+                <a:shade val="100000"/>
+              </a:schemeClr>
+            </a:gs>
+            <a:gs pos="100000">
+              <a:schemeClr val="phClr">
+                <a:lumMod val="99000"/>
+                <a:satMod val="120000"/>
+                <a:shade val="78000"/>
+              </a:schemeClr>
+            </a:gs>
+          </a:gsLst>
+          <a:lin ang="5400000" scaled="0"/>
+        </a:gradFill>
+      </a:fillStyleLst>
+      <a:lnStyleLst>
+        <a:ln w="6350" cap="flat" cmpd="sng" algn="ctr">
+          <a:solidFill>
+            <a:schemeClr val="phClr"/>
+          </a:solidFill>
+          <a:prstDash val="solid"/>
+          <a:miter lim="800000"/>
+        </a:ln>
+        <a:ln w="12700" cap="flat" cmpd="sng" algn="ctr">
+          <a:solidFill>
+            <a:schemeClr val="phClr"/>
+          </a:solidFill>
+          <a:prstDash val="solid"/>
+          <a:miter lim="800000"/>
+        </a:ln>
+        <a:ln w="19050" cap="flat" cmpd="sng" algn="ctr">
+          <a:solidFill>
+            <a:schemeClr val="phClr"/>
+          </a:solidFill>
+          <a:prstDash val="solid"/>
+          <a:miter lim="800000"/>
+        </a:ln>
+      </a:lnStyleLst>
+      <a:effectStyleLst>
+        <a:effectStyle>
+          <a:effectLst/>
+        </a:effectStyle>
+        <a:effectStyle>
+          <a:effectLst/>
+        </a:effectStyle>
+        <a:effectStyle>
+          <a:effectLst>
+            <a:outerShdw blurRad="57150" dist="19050" dir="5400000" algn="ctr" rotWithShape="0">
+              <a:srgbClr val="000000">
+                <a:alpha val="63000"/>
+              </a:srgbClr>
+            </a:outerShdw>
+          </a:effectLst>
+        </a:effectStyle>
+      </a:effectStyleLst>
+      <a:bgFillStyleLst>
+        <a:solidFill>
+          <a:schemeClr val="phClr"/>
+        </a:solidFill>
+        <a:solidFill>
+          <a:schemeClr val="phClr">
+            <a:tint val="95000"/>
+            <a:satMod val="170000"/>
+          </a:schemeClr>
+        </a:solidFill>
+        <a:gradFill rotWithShape="1">
+          <a:gsLst>
+            <a:gs pos="0">
+              <a:schemeClr val="phClr">
+                <a:tint val="93000"/>
+                <a:satMod val="150000"/>
+                <a:shade val="98000"/>
+                <a:lumMod val="102000"/>
+              </a:schemeClr>
+            </a:gs>
+            <a:gs pos="50000">
+              <a:schemeClr val="phClr">
+                <a:tint val="98000"/>
+                <a:satMod val="130000"/>
+                <a:shade val="90000"/>
+                <a:lumMod val="103000"/>
+              </a:schemeClr>
+            </a:gs>
+            <a:gs pos="100000">
+              <a:schemeClr val="phClr">
+                <a:shade val="63000"/>
+                <a:satMod val="120000"/>
+              </a:schemeClr>
+            </a:gs>
+          </a:gsLst>
+          <a:lin ang="5400000" scaled="0"/>
+        </a:gradFill>
+      </a:bgFillStyleLst>
+    </a:fmtScheme>
+  </a:themeElements>
+  <a:objectDefaults/>
+  <a:extraClrSchemeLst/>
+  <a:extLst>
+    <a:ext uri="{05A4C25C-085E-4340-85A3-A5531E510DB2}">
+      <thm15:themeFamily xmlns:thm15="http://schemas.microsoft.com/office/thememl/2012/main" name="Office Theme" id="{62F939B6-93AF-4DB8-9C6B-D6C7DFDC589F}" vid="{4A3C46E8-61CC-4603-A589-7422A47A8E4A}"/>
+    </a:ext>
+  </a:extLst>
+</a:theme>
 </file>
--- a/docs/BookLook PPT.pptx
+++ b/docs/BookLook PPT.pptx
@@ -5423,8 +5423,8 @@
         </p:nvSpPr>
         <p:spPr>
           <a:xfrm>
-            <a:off x="915666" y="1790314"/>
-            <a:ext cx="1740877" cy="276999"/>
+            <a:off x="915666" y="1762588"/>
+            <a:ext cx="2140894" cy="307777"/>
           </a:xfrm>
           <a:prstGeom prst="rect">
             <a:avLst/>
@@ -5437,7 +5437,7 @@
           <a:lstStyle/>
           <a:p>
             <a:r>
-              <a:rPr lang="en-US" sz="1200" b="1" dirty="0">
+              <a:rPr lang="en-US" sz="1400" b="1" dirty="0">
                 <a:solidFill>
                   <a:schemeClr val="tx1">
                     <a:lumMod val="75000"/>
@@ -5447,9 +5447,9 @@
                 <a:effectLst/>
                 <a:latin typeface="Bahnschrift Light" panose="020B0502040204020203" pitchFamily="34" charset="0"/>
               </a:rPr>
-              <a:t>LOGO BUKU TERBUKA</a:t>
-            </a:r>
-            <a:endParaRPr lang="en-US" sz="1050" b="1" dirty="0">
+              <a:t>LOGO  BUKU  TERBUKA</a:t>
+            </a:r>
+            <a:endParaRPr lang="en-US" sz="1100" b="1" dirty="0">
               <a:solidFill>
                 <a:schemeClr val="tx1">
                   <a:lumMod val="75000"/>
@@ -5476,7 +5476,7 @@
         </p:nvSpPr>
         <p:spPr>
           <a:xfrm>
-            <a:off x="915666" y="2044856"/>
+            <a:off x="915666" y="2066559"/>
             <a:ext cx="2609156" cy="1731243"/>
           </a:xfrm>
           <a:prstGeom prst="rect">
@@ -6668,7 +6668,7 @@
                 </a:solidFill>
                 <a:latin typeface="Bahnschrift Light" panose="020B0502040204020203" pitchFamily="34" charset="0"/>
               </a:rPr>
-              <a:t> </a:t>
+              <a:t> di </a:t>
             </a:r>
             <a:r>
               <a:rPr lang="en-US" sz="1200" b="1" dirty="0" err="1">
@@ -6680,7 +6680,7 @@
                 </a:solidFill>
                 <a:latin typeface="Bahnschrift Light" panose="020B0502040204020203" pitchFamily="34" charset="0"/>
               </a:rPr>
-              <a:t>dimanapun</a:t>
+              <a:t>manapun</a:t>
             </a:r>
             <a:r>
               <a:rPr lang="en-US" sz="1200" b="1" dirty="0">
@@ -8117,7 +8117,7 @@
                 </a:solidFill>
                 <a:latin typeface="Raleway"/>
               </a:rPr>
-              <a:t>terauthentikasi</a:t>
+              <a:t>terautentikasi</a:t>
             </a:r>
             <a:endParaRPr lang="en-US" b="0" dirty="0">
               <a:solidFill>
@@ -8877,7 +8877,7 @@
         </p:blipFill>
         <p:spPr>
           <a:xfrm>
-            <a:off x="3360335" y="440073"/>
+            <a:off x="3427312" y="437206"/>
             <a:ext cx="576728" cy="576728"/>
           </a:xfrm>
           <a:prstGeom prst="rect">
@@ -10266,7 +10266,7 @@
                 </a:solidFill>
                 <a:latin typeface="Raleway"/>
               </a:rPr>
-              <a:t>terauthentikasi</a:t>
+              <a:t>terautentikasi</a:t>
             </a:r>
             <a:endParaRPr lang="en-US" b="0" dirty="0">
               <a:solidFill>
@@ -11041,7 +11041,7 @@
         </p:nvSpPr>
         <p:spPr>
           <a:xfrm>
-            <a:off x="2847682" y="3489630"/>
+            <a:off x="3386235" y="2572754"/>
             <a:ext cx="2178762" cy="523220"/>
           </a:xfrm>
           <a:prstGeom prst="rect">
@@ -11118,7 +11118,7 @@
         </p:nvSpPr>
         <p:spPr>
           <a:xfrm>
-            <a:off x="3072367" y="2664168"/>
+            <a:off x="2534661" y="3493437"/>
             <a:ext cx="1679065" cy="338554"/>
           </a:xfrm>
           <a:prstGeom prst="rect">
@@ -11841,7 +11841,7 @@
         </p:blipFill>
         <p:spPr bwMode="auto">
           <a:xfrm>
-            <a:off x="2528439" y="2652987"/>
+            <a:off x="1990733" y="3482256"/>
             <a:ext cx="446478" cy="446478"/>
           </a:xfrm>
           <a:prstGeom prst="rect">
@@ -11895,7 +11895,7 @@
         </p:blipFill>
         <p:spPr bwMode="auto">
           <a:xfrm>
-            <a:off x="2234751" y="3570219"/>
+            <a:off x="2754400" y="2592311"/>
             <a:ext cx="448408" cy="448408"/>
           </a:xfrm>
           <a:prstGeom prst="rect">
@@ -12513,7 +12513,7 @@
                                           </p:stCondLst>
                                         </p:cTn>
                                         <p:tgtEl>
-                                          <p:spTgt spid="1040"/>
+                                          <p:spTgt spid="1038"/>
                                         </p:tgtEl>
                                         <p:attrNameLst>
                                           <p:attrName>style.visibility</p:attrName>
@@ -12527,7 +12527,7 @@
                                       <p:cBhvr>
                                         <p:cTn id="34" dur="500"/>
                                         <p:tgtEl>
-                                          <p:spTgt spid="1040"/>
+                                          <p:spTgt spid="1038"/>
                                         </p:tgtEl>
                                       </p:cBhvr>
                                     </p:animEffect>
@@ -12535,7 +12535,7 @@
                                       <p:cBhvr>
                                         <p:cTn id="35" dur="500" fill="hold"/>
                                         <p:tgtEl>
-                                          <p:spTgt spid="1040"/>
+                                          <p:spTgt spid="1038"/>
                                         </p:tgtEl>
                                         <p:attrNameLst>
                                           <p:attrName>ppt_x</p:attrName>
@@ -12558,7 +12558,7 @@
                                       <p:cBhvr>
                                         <p:cTn id="36" dur="500" fill="hold"/>
                                         <p:tgtEl>
-                                          <p:spTgt spid="1040"/>
+                                          <p:spTgt spid="1038"/>
                                         </p:tgtEl>
                                         <p:attrNameLst>
                                           <p:attrName>ppt_y</p:attrName>
@@ -12594,7 +12594,7 @@
                                           </p:stCondLst>
                                         </p:cTn>
                                         <p:tgtEl>
-                                          <p:spTgt spid="38"/>
+                                          <p:spTgt spid="32"/>
                                         </p:tgtEl>
                                         <p:attrNameLst>
                                           <p:attrName>style.visibility</p:attrName>
@@ -12608,7 +12608,7 @@
                                       <p:cBhvr>
                                         <p:cTn id="39" dur="500"/>
                                         <p:tgtEl>
-                                          <p:spTgt spid="38"/>
+                                          <p:spTgt spid="32"/>
                                         </p:tgtEl>
                                       </p:cBhvr>
                                     </p:animEffect>
@@ -12616,7 +12616,7 @@
                                       <p:cBhvr>
                                         <p:cTn id="40" dur="500" fill="hold"/>
                                         <p:tgtEl>
-                                          <p:spTgt spid="38"/>
+                                          <p:spTgt spid="32"/>
                                         </p:tgtEl>
                                         <p:attrNameLst>
                                           <p:attrName>ppt_x</p:attrName>
@@ -12639,7 +12639,7 @@
                                       <p:cBhvr>
                                         <p:cTn id="41" dur="500" fill="hold"/>
                                         <p:tgtEl>
-                                          <p:spTgt spid="38"/>
+                                          <p:spTgt spid="32"/>
                                         </p:tgtEl>
                                         <p:attrNameLst>
                                           <p:attrName>ppt_y</p:attrName>
@@ -12675,7 +12675,7 @@
                                           </p:stCondLst>
                                         </p:cTn>
                                         <p:tgtEl>
-                                          <p:spTgt spid="32"/>
+                                          <p:spTgt spid="39"/>
                                         </p:tgtEl>
                                         <p:attrNameLst>
                                           <p:attrName>style.visibility</p:attrName>
@@ -12689,7 +12689,7 @@
                                       <p:cBhvr>
                                         <p:cTn id="44" dur="500"/>
                                         <p:tgtEl>
-                                          <p:spTgt spid="32"/>
+                                          <p:spTgt spid="39"/>
                                         </p:tgtEl>
                                       </p:cBhvr>
                                     </p:animEffect>
@@ -12697,7 +12697,7 @@
                                       <p:cBhvr>
                                         <p:cTn id="45" dur="500" fill="hold"/>
                                         <p:tgtEl>
-                                          <p:spTgt spid="32"/>
+                                          <p:spTgt spid="39"/>
                                         </p:tgtEl>
                                         <p:attrNameLst>
                                           <p:attrName>ppt_x</p:attrName>
@@ -12720,7 +12720,7 @@
                                       <p:cBhvr>
                                         <p:cTn id="46" dur="500" fill="hold"/>
                                         <p:tgtEl>
-                                          <p:spTgt spid="32"/>
+                                          <p:spTgt spid="39"/>
                                         </p:tgtEl>
                                         <p:attrNameLst>
                                           <p:attrName>ppt_y</p:attrName>
@@ -12774,7 +12774,7 @@
                                           </p:stCondLst>
                                         </p:cTn>
                                         <p:tgtEl>
-                                          <p:spTgt spid="1038"/>
+                                          <p:spTgt spid="1040"/>
                                         </p:tgtEl>
                                         <p:attrNameLst>
                                           <p:attrName>style.visibility</p:attrName>
@@ -12788,7 +12788,7 @@
                                       <p:cBhvr>
                                         <p:cTn id="51" dur="500"/>
                                         <p:tgtEl>
-                                          <p:spTgt spid="1038"/>
+                                          <p:spTgt spid="1040"/>
                                         </p:tgtEl>
                                       </p:cBhvr>
                                     </p:animEffect>
@@ -12796,7 +12796,7 @@
                                       <p:cBhvr>
                                         <p:cTn id="52" dur="500" fill="hold"/>
                                         <p:tgtEl>
-                                          <p:spTgt spid="1038"/>
+                                          <p:spTgt spid="1040"/>
                                         </p:tgtEl>
                                         <p:attrNameLst>
                                           <p:attrName>ppt_x</p:attrName>
@@ -12819,7 +12819,7 @@
                                       <p:cBhvr>
                                         <p:cTn id="53" dur="500" fill="hold"/>
                                         <p:tgtEl>
-                                          <p:spTgt spid="1038"/>
+                                          <p:spTgt spid="1040"/>
                                         </p:tgtEl>
                                         <p:attrNameLst>
                                           <p:attrName>ppt_y</p:attrName>
@@ -12855,7 +12855,7 @@
                                           </p:stCondLst>
                                         </p:cTn>
                                         <p:tgtEl>
-                                          <p:spTgt spid="39"/>
+                                          <p:spTgt spid="38"/>
                                         </p:tgtEl>
                                         <p:attrNameLst>
                                           <p:attrName>style.visibility</p:attrName>
@@ -12869,7 +12869,7 @@
                                       <p:cBhvr>
                                         <p:cTn id="56" dur="500"/>
                                         <p:tgtEl>
-                                          <p:spTgt spid="39"/>
+                                          <p:spTgt spid="38"/>
                                         </p:tgtEl>
                                       </p:cBhvr>
                                     </p:animEffect>
@@ -12877,7 +12877,7 @@
                                       <p:cBhvr>
                                         <p:cTn id="57" dur="500" fill="hold"/>
                                         <p:tgtEl>
-                                          <p:spTgt spid="39"/>
+                                          <p:spTgt spid="38"/>
                                         </p:tgtEl>
                                         <p:attrNameLst>
                                           <p:attrName>ppt_x</p:attrName>
@@ -12900,7 +12900,7 @@
                                       <p:cBhvr>
                                         <p:cTn id="58" dur="500" fill="hold"/>
                                         <p:tgtEl>
-                                          <p:spTgt spid="39"/>
+                                          <p:spTgt spid="38"/>
                                         </p:tgtEl>
                                         <p:attrNameLst>
                                           <p:attrName>ppt_y</p:attrName>
@@ -19054,7 +19054,7 @@
         </p:blipFill>
         <p:spPr>
           <a:xfrm>
-            <a:off x="1071160" y="634851"/>
+            <a:off x="1293897" y="500356"/>
             <a:ext cx="9520125" cy="5763885"/>
           </a:xfrm>
           <a:prstGeom prst="rect">

--- a/docs/BookLook PPT.pptx
+++ b/docs/BookLook PPT.pptx
@@ -208,7 +208,7 @@
           <a:p>
             <a:fld id="{A0FB57D8-885B-4C49-B72B-DDEA186E23F1}" type="datetimeFigureOut">
               <a:rPr lang="en-US" smtClean="0"/>
-              <a:t>1/16/2020</a:t>
+              <a:t>1/17/2020</a:t>
             </a:fld>
             <a:endParaRPr lang="en-US"/>
           </a:p>
@@ -998,7 +998,7 @@
           <a:p>
             <a:fld id="{73F1E9D4-1EC0-47DB-92AB-773B929B4EAA}" type="datetimeFigureOut">
               <a:rPr lang="en-US" smtClean="0"/>
-              <a:t>1/16/2020</a:t>
+              <a:t>1/17/2020</a:t>
             </a:fld>
             <a:endParaRPr lang="en-US"/>
           </a:p>
@@ -1196,7 +1196,7 @@
           <a:p>
             <a:fld id="{73F1E9D4-1EC0-47DB-92AB-773B929B4EAA}" type="datetimeFigureOut">
               <a:rPr lang="en-US" smtClean="0"/>
-              <a:t>1/16/2020</a:t>
+              <a:t>1/17/2020</a:t>
             </a:fld>
             <a:endParaRPr lang="en-US"/>
           </a:p>
@@ -1404,7 +1404,7 @@
           <a:p>
             <a:fld id="{73F1E9D4-1EC0-47DB-92AB-773B929B4EAA}" type="datetimeFigureOut">
               <a:rPr lang="en-US" smtClean="0"/>
-              <a:t>1/16/2020</a:t>
+              <a:t>1/17/2020</a:t>
             </a:fld>
             <a:endParaRPr lang="en-US"/>
           </a:p>
@@ -1602,7 +1602,7 @@
           <a:p>
             <a:fld id="{73F1E9D4-1EC0-47DB-92AB-773B929B4EAA}" type="datetimeFigureOut">
               <a:rPr lang="en-US" smtClean="0"/>
-              <a:t>1/16/2020</a:t>
+              <a:t>1/17/2020</a:t>
             </a:fld>
             <a:endParaRPr lang="en-US"/>
           </a:p>
@@ -1877,7 +1877,7 @@
           <a:p>
             <a:fld id="{73F1E9D4-1EC0-47DB-92AB-773B929B4EAA}" type="datetimeFigureOut">
               <a:rPr lang="en-US" smtClean="0"/>
-              <a:t>1/16/2020</a:t>
+              <a:t>1/17/2020</a:t>
             </a:fld>
             <a:endParaRPr lang="en-US"/>
           </a:p>
@@ -2142,7 +2142,7 @@
           <a:p>
             <a:fld id="{73F1E9D4-1EC0-47DB-92AB-773B929B4EAA}" type="datetimeFigureOut">
               <a:rPr lang="en-US" smtClean="0"/>
-              <a:t>1/16/2020</a:t>
+              <a:t>1/17/2020</a:t>
             </a:fld>
             <a:endParaRPr lang="en-US"/>
           </a:p>
@@ -2554,7 +2554,7 @@
           <a:p>
             <a:fld id="{73F1E9D4-1EC0-47DB-92AB-773B929B4EAA}" type="datetimeFigureOut">
               <a:rPr lang="en-US" smtClean="0"/>
-              <a:t>1/16/2020</a:t>
+              <a:t>1/17/2020</a:t>
             </a:fld>
             <a:endParaRPr lang="en-US"/>
           </a:p>
@@ -2695,7 +2695,7 @@
           <a:p>
             <a:fld id="{73F1E9D4-1EC0-47DB-92AB-773B929B4EAA}" type="datetimeFigureOut">
               <a:rPr lang="en-US" smtClean="0"/>
-              <a:t>1/16/2020</a:t>
+              <a:t>1/17/2020</a:t>
             </a:fld>
             <a:endParaRPr lang="en-US"/>
           </a:p>
@@ -2808,7 +2808,7 @@
           <a:p>
             <a:fld id="{73F1E9D4-1EC0-47DB-92AB-773B929B4EAA}" type="datetimeFigureOut">
               <a:rPr lang="en-US" smtClean="0"/>
-              <a:t>1/16/2020</a:t>
+              <a:t>1/17/2020</a:t>
             </a:fld>
             <a:endParaRPr lang="en-US"/>
           </a:p>
@@ -3119,7 +3119,7 @@
           <a:p>
             <a:fld id="{73F1E9D4-1EC0-47DB-92AB-773B929B4EAA}" type="datetimeFigureOut">
               <a:rPr lang="en-US" smtClean="0"/>
-              <a:t>1/16/2020</a:t>
+              <a:t>1/17/2020</a:t>
             </a:fld>
             <a:endParaRPr lang="en-US"/>
           </a:p>
@@ -3407,7 +3407,7 @@
           <a:p>
             <a:fld id="{73F1E9D4-1EC0-47DB-92AB-773B929B4EAA}" type="datetimeFigureOut">
               <a:rPr lang="en-US" smtClean="0"/>
-              <a:t>1/16/2020</a:t>
+              <a:t>1/17/2020</a:t>
             </a:fld>
             <a:endParaRPr lang="en-US"/>
           </a:p>
@@ -3648,7 +3648,7 @@
           <a:p>
             <a:fld id="{73F1E9D4-1EC0-47DB-92AB-773B929B4EAA}" type="datetimeFigureOut">
               <a:rPr lang="en-US" smtClean="0"/>
-              <a:t>1/16/2020</a:t>
+              <a:t>1/17/2020</a:t>
             </a:fld>
             <a:endParaRPr lang="en-US"/>
           </a:p>
@@ -19004,10 +19004,10 @@
       </p:pic>
       <p:pic>
         <p:nvPicPr>
-          <p:cNvPr id="9" name="Picture 8">
+          <p:cNvPr id="4" name="Picture 3">
             <a:extLst>
               <a:ext uri="{FF2B5EF4-FFF2-40B4-BE49-F238E27FC236}">
-                <a16:creationId xmlns:a16="http://schemas.microsoft.com/office/drawing/2014/main" id="{C7A7E9B2-F7D3-4E71-9065-0BA75A3713EB}"/>
+                <a16:creationId xmlns:a16="http://schemas.microsoft.com/office/drawing/2014/main" id="{81295E05-F859-40D8-A882-22D0E97705DF}"/>
               </a:ext>
             </a:extLst>
           </p:cNvPr>
@@ -19024,8 +19024,8 @@
         </p:blipFill>
         <p:spPr>
           <a:xfrm>
-            <a:off x="1071160" y="1914658"/>
-            <a:ext cx="10402531" cy="2137506"/>
+            <a:off x="1282404" y="1383102"/>
+            <a:ext cx="10131283" cy="2045898"/>
           </a:xfrm>
           <a:prstGeom prst="rect">
             <a:avLst/>
@@ -19054,7 +19054,7 @@
         </p:blipFill>
         <p:spPr>
           <a:xfrm>
-            <a:off x="1293897" y="500356"/>
+            <a:off x="1447305" y="652562"/>
             <a:ext cx="9520125" cy="5763885"/>
           </a:xfrm>
           <a:prstGeom prst="rect">
@@ -19519,7 +19519,7 @@
                                           </p:stCondLst>
                                         </p:cTn>
                                         <p:tgtEl>
-                                          <p:spTgt spid="9"/>
+                                          <p:spTgt spid="4"/>
                                         </p:tgtEl>
                                         <p:attrNameLst>
                                           <p:attrName>style.visibility</p:attrName>
@@ -19533,7 +19533,7 @@
                                       <p:cBhvr>
                                         <p:cTn id="36" dur="1000"/>
                                         <p:tgtEl>
-                                          <p:spTgt spid="9"/>
+                                          <p:spTgt spid="4"/>
                                         </p:tgtEl>
                                       </p:cBhvr>
                                     </p:animEffect>
@@ -19541,7 +19541,7 @@
                                       <p:cBhvr>
                                         <p:cTn id="37" dur="1000" fill="hold"/>
                                         <p:tgtEl>
-                                          <p:spTgt spid="9"/>
+                                          <p:spTgt spid="4"/>
                                         </p:tgtEl>
                                         <p:attrNameLst>
                                           <p:attrName>ppt_x</p:attrName>
@@ -19564,7 +19564,7 @@
                                       <p:cBhvr>
                                         <p:cTn id="38" dur="1000" fill="hold"/>
                                         <p:tgtEl>
-                                          <p:spTgt spid="9"/>
+                                          <p:spTgt spid="4"/>
                                         </p:tgtEl>
                                         <p:attrNameLst>
                                           <p:attrName>ppt_y</p:attrName>
@@ -19730,7 +19730,7 @@
                                       <p:cBhvr>
                                         <p:cTn id="50" dur="500"/>
                                         <p:tgtEl>
-                                          <p:spTgt spid="9"/>
+                                          <p:spTgt spid="4"/>
                                         </p:tgtEl>
                                       </p:cBhvr>
                                     </p:animEffect>
@@ -19742,7 +19742,7 @@
                                           </p:stCondLst>
                                         </p:cTn>
                                         <p:tgtEl>
-                                          <p:spTgt spid="9"/>
+                                          <p:spTgt spid="4"/>
                                         </p:tgtEl>
                                         <p:attrNameLst>
                                           <p:attrName>style.visibility</p:attrName>
